--- a/Team MSVG.pptx
+++ b/Team MSVG.pptx
@@ -20,30 +20,34 @@
     <p:sldId id="265" r:id="rId14"/>
     <p:sldId id="266" r:id="rId15"/>
     <p:sldId id="267" r:id="rId16"/>
+    <p:sldId id="268" r:id="rId17"/>
+    <p:sldId id="269" r:id="rId18"/>
+    <p:sldId id="270" r:id="rId19"/>
+    <p:sldId id="271" r:id="rId20"/>
   </p:sldIdLst>
   <p:sldSz cy="5143500" cx="9144000"/>
   <p:notesSz cx="6858000" cy="9144000"/>
   <p:embeddedFontLst>
     <p:embeddedFont>
       <p:font typeface="Roboto"/>
-      <p:regular r:id="rId17"/>
-      <p:bold r:id="rId18"/>
-      <p:italic r:id="rId19"/>
-      <p:boldItalic r:id="rId20"/>
-    </p:embeddedFont>
-    <p:embeddedFont>
-      <p:font typeface="Roboto Condensed"/>
       <p:regular r:id="rId21"/>
       <p:bold r:id="rId22"/>
       <p:italic r:id="rId23"/>
       <p:boldItalic r:id="rId24"/>
     </p:embeddedFont>
     <p:embeddedFont>
-      <p:font typeface="Fira Sans Extra Condensed"/>
+      <p:font typeface="Roboto Condensed"/>
       <p:regular r:id="rId25"/>
       <p:bold r:id="rId26"/>
       <p:italic r:id="rId27"/>
       <p:boldItalic r:id="rId28"/>
+    </p:embeddedFont>
+    <p:embeddedFont>
+      <p:font typeface="Fira Sans Extra Condensed"/>
+      <p:regular r:id="rId29"/>
+      <p:bold r:id="rId30"/>
+      <p:italic r:id="rId31"/>
+      <p:boldItalic r:id="rId32"/>
     </p:embeddedFont>
   </p:embeddedFontLst>
   <p:defaultTextStyle>
@@ -961,7 +965,7 @@
   <p:cSld>
     <p:spTree>
       <p:nvGrpSpPr>
-        <p:cNvPr id="269" name="Shape 269"/>
+        <p:cNvPr id="270" name="Shape 270"/>
         <p:cNvGrpSpPr/>
         <p:nvPr/>
       </p:nvGrpSpPr>
@@ -975,7 +979,7 @@
       </p:grpSpPr>
       <p:sp>
         <p:nvSpPr>
-          <p:cNvPr id="270" name="Google Shape;270;p9:notes"/>
+          <p:cNvPr id="271" name="Google Shape;271;p9:notes"/>
           <p:cNvSpPr/>
           <p:nvPr>
             <p:ph idx="2" type="sldImg"/>
@@ -1020,7 +1024,7 @@
       </p:sp>
       <p:sp>
         <p:nvSpPr>
-          <p:cNvPr id="271" name="Google Shape;271;p9:notes"/>
+          <p:cNvPr id="272" name="Google Shape;272;p9:notes"/>
           <p:cNvSpPr txBox="1"/>
           <p:nvPr>
             <p:ph idx="1" type="body"/>
@@ -1092,7 +1096,7 @@
       </p:grpSpPr>
       <p:sp>
         <p:nvSpPr>
-          <p:cNvPr id="278" name="Google Shape;278;p10:notes"/>
+          <p:cNvPr id="278" name="Google Shape;278;gbb6c534253_0_0:notes"/>
           <p:cNvSpPr/>
           <p:nvPr>
             <p:ph idx="2" type="sldImg"/>
@@ -1137,7 +1141,7 @@
       </p:sp>
       <p:sp>
         <p:nvSpPr>
-          <p:cNvPr id="279" name="Google Shape;279;p10:notes"/>
+          <p:cNvPr id="279" name="Google Shape;279;gbb6c534253_0_0:notes"/>
           <p:cNvSpPr txBox="1"/>
           <p:nvPr>
             <p:ph idx="1" type="body"/>
@@ -1195,7 +1199,7 @@
   <p:cSld>
     <p:spTree>
       <p:nvGrpSpPr>
-        <p:cNvPr id="329" name="Shape 329"/>
+        <p:cNvPr id="284" name="Shape 284"/>
         <p:cNvGrpSpPr/>
         <p:nvPr/>
       </p:nvGrpSpPr>
@@ -1209,7 +1213,7 @@
       </p:grpSpPr>
       <p:sp>
         <p:nvSpPr>
-          <p:cNvPr id="330" name="Google Shape;330;p11:notes"/>
+          <p:cNvPr id="285" name="Google Shape;285;gbb6c534253_1_0:notes"/>
           <p:cNvSpPr/>
           <p:nvPr>
             <p:ph idx="2" type="sldImg"/>
@@ -1254,7 +1258,7 @@
       </p:sp>
       <p:sp>
         <p:nvSpPr>
-          <p:cNvPr id="331" name="Google Shape;331;p11:notes"/>
+          <p:cNvPr id="286" name="Google Shape;286;gbb6c534253_1_0:notes"/>
           <p:cNvSpPr txBox="1"/>
           <p:nvPr>
             <p:ph idx="1" type="body"/>
@@ -1307,12 +1311,12 @@
 </p:notes>
 </file>
 
-<file path=ppt/notesSlides/notesSlide2.xml><?xml version="1.0" encoding="utf-8"?>
+<file path=ppt/notesSlides/notesSlide13.xml><?xml version="1.0" encoding="utf-8"?>
 <p:notes xmlns:a="http://schemas.openxmlformats.org/drawingml/2006/main" xmlns:r="http://schemas.openxmlformats.org/officeDocument/2006/relationships" xmlns:mc="http://schemas.openxmlformats.org/markup-compatibility/2006" xmlns:mv="urn:schemas-microsoft-com:mac:vml" xmlns:p="http://schemas.openxmlformats.org/presentationml/2006/main" xmlns:c="http://schemas.openxmlformats.org/drawingml/2006/chart" xmlns:dgm="http://schemas.openxmlformats.org/drawingml/2006/diagram" xmlns:o="urn:schemas-microsoft-com:office:office" xmlns:v="urn:schemas-microsoft-com:vml" xmlns:pvml="urn:schemas-microsoft-com:office:powerpoint" xmlns:com="http://schemas.openxmlformats.org/drawingml/2006/compatibility" xmlns:p14="http://schemas.microsoft.com/office/powerpoint/2010/main" xmlns:p15="http://schemas.microsoft.com/office/powerpoint/2012/main" xmlns:ahyp="http://schemas.microsoft.com/office/drawing/2018/hyperlinkcolor" showMasterPhAnim="0" showMasterSp="0">
   <p:cSld>
     <p:spTree>
       <p:nvGrpSpPr>
-        <p:cNvPr id="60" name="Shape 60"/>
+        <p:cNvPr id="291" name="Shape 291"/>
         <p:cNvGrpSpPr/>
         <p:nvPr/>
       </p:nvGrpSpPr>
@@ -1326,7 +1330,7 @@
       </p:grpSpPr>
       <p:sp>
         <p:nvSpPr>
-          <p:cNvPr id="61" name="Google Shape;61;p2:notes"/>
+          <p:cNvPr id="292" name="Google Shape;292;gbb6c534253_1_5:notes"/>
           <p:cNvSpPr/>
           <p:nvPr>
             <p:ph idx="2" type="sldImg"/>
@@ -1371,7 +1375,7 @@
       </p:sp>
       <p:sp>
         <p:nvSpPr>
-          <p:cNvPr id="62" name="Google Shape;62;p2:notes"/>
+          <p:cNvPr id="293" name="Google Shape;293;gbb6c534253_1_5:notes"/>
           <p:cNvSpPr txBox="1"/>
           <p:nvPr>
             <p:ph idx="1" type="body"/>
@@ -1424,12 +1428,12 @@
 </p:notes>
 </file>
 
-<file path=ppt/notesSlides/notesSlide3.xml><?xml version="1.0" encoding="utf-8"?>
+<file path=ppt/notesSlides/notesSlide14.xml><?xml version="1.0" encoding="utf-8"?>
 <p:notes xmlns:a="http://schemas.openxmlformats.org/drawingml/2006/main" xmlns:r="http://schemas.openxmlformats.org/officeDocument/2006/relationships" xmlns:mc="http://schemas.openxmlformats.org/markup-compatibility/2006" xmlns:mv="urn:schemas-microsoft-com:mac:vml" xmlns:p="http://schemas.openxmlformats.org/presentationml/2006/main" xmlns:c="http://schemas.openxmlformats.org/drawingml/2006/chart" xmlns:dgm="http://schemas.openxmlformats.org/drawingml/2006/diagram" xmlns:o="urn:schemas-microsoft-com:office:office" xmlns:v="urn:schemas-microsoft-com:vml" xmlns:pvml="urn:schemas-microsoft-com:office:powerpoint" xmlns:com="http://schemas.openxmlformats.org/drawingml/2006/compatibility" xmlns:p14="http://schemas.microsoft.com/office/powerpoint/2010/main" xmlns:p15="http://schemas.microsoft.com/office/powerpoint/2012/main" xmlns:ahyp="http://schemas.microsoft.com/office/drawing/2018/hyperlinkcolor" showMasterPhAnim="0" showMasterSp="0">
   <p:cSld>
     <p:spTree>
       <p:nvGrpSpPr>
-        <p:cNvPr id="101" name="Shape 101"/>
+        <p:cNvPr id="298" name="Shape 298"/>
         <p:cNvGrpSpPr/>
         <p:nvPr/>
       </p:nvGrpSpPr>
@@ -1443,7 +1447,7 @@
       </p:grpSpPr>
       <p:sp>
         <p:nvSpPr>
-          <p:cNvPr id="102" name="Google Shape;102;p3:notes"/>
+          <p:cNvPr id="299" name="Google Shape;299;gbb6c534253_1_10:notes"/>
           <p:cNvSpPr/>
           <p:nvPr>
             <p:ph idx="2" type="sldImg"/>
@@ -1488,7 +1492,7 @@
       </p:sp>
       <p:sp>
         <p:nvSpPr>
-          <p:cNvPr id="103" name="Google Shape;103;p3:notes"/>
+          <p:cNvPr id="300" name="Google Shape;300;gbb6c534253_1_10:notes"/>
           <p:cNvSpPr txBox="1"/>
           <p:nvPr>
             <p:ph idx="1" type="body"/>
@@ -1541,12 +1545,12 @@
 </p:notes>
 </file>
 
-<file path=ppt/notesSlides/notesSlide4.xml><?xml version="1.0" encoding="utf-8"?>
+<file path=ppt/notesSlides/notesSlide15.xml><?xml version="1.0" encoding="utf-8"?>
 <p:notes xmlns:a="http://schemas.openxmlformats.org/drawingml/2006/main" xmlns:r="http://schemas.openxmlformats.org/officeDocument/2006/relationships" xmlns:mc="http://schemas.openxmlformats.org/markup-compatibility/2006" xmlns:mv="urn:schemas-microsoft-com:mac:vml" xmlns:p="http://schemas.openxmlformats.org/presentationml/2006/main" xmlns:c="http://schemas.openxmlformats.org/drawingml/2006/chart" xmlns:dgm="http://schemas.openxmlformats.org/drawingml/2006/diagram" xmlns:o="urn:schemas-microsoft-com:office:office" xmlns:v="urn:schemas-microsoft-com:vml" xmlns:pvml="urn:schemas-microsoft-com:office:powerpoint" xmlns:com="http://schemas.openxmlformats.org/drawingml/2006/compatibility" xmlns:p14="http://schemas.microsoft.com/office/powerpoint/2010/main" xmlns:p15="http://schemas.microsoft.com/office/powerpoint/2012/main" xmlns:ahyp="http://schemas.microsoft.com/office/drawing/2018/hyperlinkcolor" showMasterPhAnim="0" showMasterSp="0">
   <p:cSld>
     <p:spTree>
       <p:nvGrpSpPr>
-        <p:cNvPr id="124" name="Shape 124"/>
+        <p:cNvPr id="305" name="Shape 305"/>
         <p:cNvGrpSpPr/>
         <p:nvPr/>
       </p:nvGrpSpPr>
@@ -1560,7 +1564,7 @@
       </p:grpSpPr>
       <p:sp>
         <p:nvSpPr>
-          <p:cNvPr id="125" name="Google Shape;125;p4:notes"/>
+          <p:cNvPr id="306" name="Google Shape;306;p10:notes"/>
           <p:cNvSpPr/>
           <p:nvPr>
             <p:ph idx="2" type="sldImg"/>
@@ -1605,7 +1609,7 @@
       </p:sp>
       <p:sp>
         <p:nvSpPr>
-          <p:cNvPr id="126" name="Google Shape;126;p4:notes"/>
+          <p:cNvPr id="307" name="Google Shape;307;p10:notes"/>
           <p:cNvSpPr txBox="1"/>
           <p:nvPr>
             <p:ph idx="1" type="body"/>
@@ -1658,12 +1662,12 @@
 </p:notes>
 </file>
 
-<file path=ppt/notesSlides/notesSlide5.xml><?xml version="1.0" encoding="utf-8"?>
+<file path=ppt/notesSlides/notesSlide16.xml><?xml version="1.0" encoding="utf-8"?>
 <p:notes xmlns:a="http://schemas.openxmlformats.org/drawingml/2006/main" xmlns:r="http://schemas.openxmlformats.org/officeDocument/2006/relationships" xmlns:mc="http://schemas.openxmlformats.org/markup-compatibility/2006" xmlns:mv="urn:schemas-microsoft-com:mac:vml" xmlns:p="http://schemas.openxmlformats.org/presentationml/2006/main" xmlns:c="http://schemas.openxmlformats.org/drawingml/2006/chart" xmlns:dgm="http://schemas.openxmlformats.org/drawingml/2006/diagram" xmlns:o="urn:schemas-microsoft-com:office:office" xmlns:v="urn:schemas-microsoft-com:vml" xmlns:pvml="urn:schemas-microsoft-com:office:powerpoint" xmlns:com="http://schemas.openxmlformats.org/drawingml/2006/compatibility" xmlns:p14="http://schemas.microsoft.com/office/powerpoint/2010/main" xmlns:p15="http://schemas.microsoft.com/office/powerpoint/2012/main" xmlns:ahyp="http://schemas.microsoft.com/office/drawing/2018/hyperlinkcolor" showMasterPhAnim="0" showMasterSp="0">
   <p:cSld>
     <p:spTree>
       <p:nvGrpSpPr>
-        <p:cNvPr id="172" name="Shape 172"/>
+        <p:cNvPr id="356" name="Shape 356"/>
         <p:cNvGrpSpPr/>
         <p:nvPr/>
       </p:nvGrpSpPr>
@@ -1677,7 +1681,7 @@
       </p:grpSpPr>
       <p:sp>
         <p:nvSpPr>
-          <p:cNvPr id="173" name="Google Shape;173;p5:notes"/>
+          <p:cNvPr id="357" name="Google Shape;357;p11:notes"/>
           <p:cNvSpPr/>
           <p:nvPr>
             <p:ph idx="2" type="sldImg"/>
@@ -1722,7 +1726,7 @@
       </p:sp>
       <p:sp>
         <p:nvSpPr>
-          <p:cNvPr id="174" name="Google Shape;174;p5:notes"/>
+          <p:cNvPr id="358" name="Google Shape;358;p11:notes"/>
           <p:cNvSpPr txBox="1"/>
           <p:nvPr>
             <p:ph idx="1" type="body"/>
@@ -1775,12 +1779,12 @@
 </p:notes>
 </file>
 
-<file path=ppt/notesSlides/notesSlide6.xml><?xml version="1.0" encoding="utf-8"?>
+<file path=ppt/notesSlides/notesSlide2.xml><?xml version="1.0" encoding="utf-8"?>
 <p:notes xmlns:a="http://schemas.openxmlformats.org/drawingml/2006/main" xmlns:r="http://schemas.openxmlformats.org/officeDocument/2006/relationships" xmlns:mc="http://schemas.openxmlformats.org/markup-compatibility/2006" xmlns:mv="urn:schemas-microsoft-com:mac:vml" xmlns:p="http://schemas.openxmlformats.org/presentationml/2006/main" xmlns:c="http://schemas.openxmlformats.org/drawingml/2006/chart" xmlns:dgm="http://schemas.openxmlformats.org/drawingml/2006/diagram" xmlns:o="urn:schemas-microsoft-com:office:office" xmlns:v="urn:schemas-microsoft-com:vml" xmlns:pvml="urn:schemas-microsoft-com:office:powerpoint" xmlns:com="http://schemas.openxmlformats.org/drawingml/2006/compatibility" xmlns:p14="http://schemas.microsoft.com/office/powerpoint/2010/main" xmlns:p15="http://schemas.microsoft.com/office/powerpoint/2012/main" xmlns:ahyp="http://schemas.microsoft.com/office/drawing/2018/hyperlinkcolor" showMasterPhAnim="0" showMasterSp="0">
   <p:cSld>
     <p:spTree>
       <p:nvGrpSpPr>
-        <p:cNvPr id="178" name="Shape 178"/>
+        <p:cNvPr id="60" name="Shape 60"/>
         <p:cNvGrpSpPr/>
         <p:nvPr/>
       </p:nvGrpSpPr>
@@ -1794,7 +1798,7 @@
       </p:grpSpPr>
       <p:sp>
         <p:nvSpPr>
-          <p:cNvPr id="179" name="Google Shape;179;p6:notes"/>
+          <p:cNvPr id="61" name="Google Shape;61;gbb6c534253_1_19:notes"/>
           <p:cNvSpPr/>
           <p:nvPr>
             <p:ph idx="2" type="sldImg"/>
@@ -1839,7 +1843,7 @@
       </p:sp>
       <p:sp>
         <p:nvSpPr>
-          <p:cNvPr id="180" name="Google Shape;180;p6:notes"/>
+          <p:cNvPr id="62" name="Google Shape;62;gbb6c534253_1_19:notes"/>
           <p:cNvSpPr txBox="1"/>
           <p:nvPr>
             <p:ph idx="1" type="body"/>
@@ -1892,12 +1896,12 @@
 </p:notes>
 </file>
 
-<file path=ppt/notesSlides/notesSlide7.xml><?xml version="1.0" encoding="utf-8"?>
+<file path=ppt/notesSlides/notesSlide3.xml><?xml version="1.0" encoding="utf-8"?>
 <p:notes xmlns:a="http://schemas.openxmlformats.org/drawingml/2006/main" xmlns:r="http://schemas.openxmlformats.org/officeDocument/2006/relationships" xmlns:mc="http://schemas.openxmlformats.org/markup-compatibility/2006" xmlns:mv="urn:schemas-microsoft-com:mac:vml" xmlns:p="http://schemas.openxmlformats.org/presentationml/2006/main" xmlns:c="http://schemas.openxmlformats.org/drawingml/2006/chart" xmlns:dgm="http://schemas.openxmlformats.org/drawingml/2006/diagram" xmlns:o="urn:schemas-microsoft-com:office:office" xmlns:v="urn:schemas-microsoft-com:vml" xmlns:pvml="urn:schemas-microsoft-com:office:powerpoint" xmlns:com="http://schemas.openxmlformats.org/drawingml/2006/compatibility" xmlns:p14="http://schemas.microsoft.com/office/powerpoint/2010/main" xmlns:p15="http://schemas.microsoft.com/office/powerpoint/2012/main" xmlns:ahyp="http://schemas.microsoft.com/office/drawing/2018/hyperlinkcolor" showMasterPhAnim="0" showMasterSp="0">
   <p:cSld>
     <p:spTree>
       <p:nvGrpSpPr>
-        <p:cNvPr id="216" name="Shape 216"/>
+        <p:cNvPr id="103" name="Shape 103"/>
         <p:cNvGrpSpPr/>
         <p:nvPr/>
       </p:nvGrpSpPr>
@@ -1911,7 +1915,7 @@
       </p:grpSpPr>
       <p:sp>
         <p:nvSpPr>
-          <p:cNvPr id="217" name="Google Shape;217;p7:notes"/>
+          <p:cNvPr id="104" name="Google Shape;104;p3:notes"/>
           <p:cNvSpPr/>
           <p:nvPr>
             <p:ph idx="2" type="sldImg"/>
@@ -1956,7 +1960,7 @@
       </p:sp>
       <p:sp>
         <p:nvSpPr>
-          <p:cNvPr id="218" name="Google Shape;218;p7:notes"/>
+          <p:cNvPr id="105" name="Google Shape;105;p3:notes"/>
           <p:cNvSpPr txBox="1"/>
           <p:nvPr>
             <p:ph idx="1" type="body"/>
@@ -2009,12 +2013,12 @@
 </p:notes>
 </file>
 
-<file path=ppt/notesSlides/notesSlide8.xml><?xml version="1.0" encoding="utf-8"?>
+<file path=ppt/notesSlides/notesSlide4.xml><?xml version="1.0" encoding="utf-8"?>
 <p:notes xmlns:a="http://schemas.openxmlformats.org/drawingml/2006/main" xmlns:r="http://schemas.openxmlformats.org/officeDocument/2006/relationships" xmlns:mc="http://schemas.openxmlformats.org/markup-compatibility/2006" xmlns:mv="urn:schemas-microsoft-com:mac:vml" xmlns:p="http://schemas.openxmlformats.org/presentationml/2006/main" xmlns:c="http://schemas.openxmlformats.org/drawingml/2006/chart" xmlns:dgm="http://schemas.openxmlformats.org/drawingml/2006/diagram" xmlns:o="urn:schemas-microsoft-com:office:office" xmlns:v="urn:schemas-microsoft-com:vml" xmlns:pvml="urn:schemas-microsoft-com:office:powerpoint" xmlns:com="http://schemas.openxmlformats.org/drawingml/2006/compatibility" xmlns:p14="http://schemas.microsoft.com/office/powerpoint/2010/main" xmlns:p15="http://schemas.microsoft.com/office/powerpoint/2012/main" xmlns:ahyp="http://schemas.microsoft.com/office/drawing/2018/hyperlinkcolor" showMasterPhAnim="0" showMasterSp="0">
   <p:cSld>
     <p:spTree>
       <p:nvGrpSpPr>
-        <p:cNvPr id="257" name="Shape 257"/>
+        <p:cNvPr id="126" name="Shape 126"/>
         <p:cNvGrpSpPr/>
         <p:nvPr/>
       </p:nvGrpSpPr>
@@ -2028,7 +2032,7 @@
       </p:grpSpPr>
       <p:sp>
         <p:nvSpPr>
-          <p:cNvPr id="258" name="Google Shape;258;p8:notes"/>
+          <p:cNvPr id="127" name="Google Shape;127;p4:notes"/>
           <p:cNvSpPr/>
           <p:nvPr>
             <p:ph idx="2" type="sldImg"/>
@@ -2073,7 +2077,7 @@
       </p:sp>
       <p:sp>
         <p:nvSpPr>
-          <p:cNvPr id="259" name="Google Shape;259;p8:notes"/>
+          <p:cNvPr id="128" name="Google Shape;128;p4:notes"/>
           <p:cNvSpPr txBox="1"/>
           <p:nvPr>
             <p:ph idx="1" type="body"/>
@@ -2126,12 +2130,12 @@
 </p:notes>
 </file>
 
-<file path=ppt/notesSlides/notesSlide9.xml><?xml version="1.0" encoding="utf-8"?>
+<file path=ppt/notesSlides/notesSlide5.xml><?xml version="1.0" encoding="utf-8"?>
 <p:notes xmlns:a="http://schemas.openxmlformats.org/drawingml/2006/main" xmlns:r="http://schemas.openxmlformats.org/officeDocument/2006/relationships" xmlns:mc="http://schemas.openxmlformats.org/markup-compatibility/2006" xmlns:mv="urn:schemas-microsoft-com:mac:vml" xmlns:p="http://schemas.openxmlformats.org/presentationml/2006/main" xmlns:c="http://schemas.openxmlformats.org/drawingml/2006/chart" xmlns:dgm="http://schemas.openxmlformats.org/drawingml/2006/diagram" xmlns:o="urn:schemas-microsoft-com:office:office" xmlns:v="urn:schemas-microsoft-com:vml" xmlns:pvml="urn:schemas-microsoft-com:office:powerpoint" xmlns:com="http://schemas.openxmlformats.org/drawingml/2006/compatibility" xmlns:p14="http://schemas.microsoft.com/office/powerpoint/2010/main" xmlns:p15="http://schemas.microsoft.com/office/powerpoint/2012/main" xmlns:ahyp="http://schemas.microsoft.com/office/drawing/2018/hyperlinkcolor" showMasterPhAnim="0" showMasterSp="0">
   <p:cSld>
     <p:spTree>
       <p:nvGrpSpPr>
-        <p:cNvPr id="263" name="Shape 263"/>
+        <p:cNvPr id="174" name="Shape 174"/>
         <p:cNvGrpSpPr/>
         <p:nvPr/>
       </p:nvGrpSpPr>
@@ -2145,7 +2149,475 @@
       </p:grpSpPr>
       <p:sp>
         <p:nvSpPr>
-          <p:cNvPr id="264" name="Google Shape;264;gbae9f53681_1_2:notes"/>
+          <p:cNvPr id="175" name="Google Shape;175;p5:notes"/>
+          <p:cNvSpPr/>
+          <p:nvPr>
+            <p:ph idx="2" type="sldImg"/>
+          </p:nvPr>
+        </p:nvSpPr>
+        <p:spPr>
+          <a:xfrm>
+            <a:off x="381300" y="685800"/>
+            <a:ext cx="6096000" cy="3429000"/>
+          </a:xfrm>
+          <a:custGeom>
+            <a:rect b="b" l="l" r="r" t="t"/>
+            <a:pathLst>
+              <a:path extrusionOk="0" h="120000" w="120000">
+                <a:moveTo>
+                  <a:pt x="0" y="0"/>
+                </a:moveTo>
+                <a:lnTo>
+                  <a:pt x="120000" y="0"/>
+                </a:lnTo>
+                <a:lnTo>
+                  <a:pt x="120000" y="120000"/>
+                </a:lnTo>
+                <a:lnTo>
+                  <a:pt x="0" y="120000"/>
+                </a:lnTo>
+                <a:close/>
+              </a:path>
+            </a:pathLst>
+          </a:custGeom>
+          <a:noFill/>
+          <a:ln cap="flat" cmpd="sng" w="9525">
+            <a:solidFill>
+              <a:srgbClr val="000000"/>
+            </a:solidFill>
+            <a:prstDash val="solid"/>
+            <a:round/>
+            <a:headEnd len="sm" w="sm" type="none"/>
+            <a:tailEnd len="sm" w="sm" type="none"/>
+          </a:ln>
+        </p:spPr>
+      </p:sp>
+      <p:sp>
+        <p:nvSpPr>
+          <p:cNvPr id="176" name="Google Shape;176;p5:notes"/>
+          <p:cNvSpPr txBox="1"/>
+          <p:nvPr>
+            <p:ph idx="1" type="body"/>
+          </p:nvPr>
+        </p:nvSpPr>
+        <p:spPr>
+          <a:xfrm>
+            <a:off x="685800" y="4343400"/>
+            <a:ext cx="5486400" cy="4114800"/>
+          </a:xfrm>
+          <a:prstGeom prst="rect">
+            <a:avLst/>
+          </a:prstGeom>
+          <a:noFill/>
+          <a:ln>
+            <a:noFill/>
+          </a:ln>
+        </p:spPr>
+        <p:txBody>
+          <a:bodyPr anchorCtr="0" anchor="t" bIns="91425" lIns="91425" spcFirstLastPara="1" rIns="91425" wrap="square" tIns="91425">
+            <a:noAutofit/>
+          </a:bodyPr>
+          <a:lstStyle/>
+          <a:p>
+            <a:pPr indent="0" lvl="0" marL="0" rtl="0" algn="l">
+              <a:lnSpc>
+                <a:spcPct val="100000"/>
+              </a:lnSpc>
+              <a:spcBef>
+                <a:spcPts val="0"/>
+              </a:spcBef>
+              <a:spcAft>
+                <a:spcPts val="0"/>
+              </a:spcAft>
+              <a:buSzPts val="1100"/>
+              <a:buNone/>
+            </a:pPr>
+            <a:r>
+              <a:t/>
+            </a:r>
+            <a:endParaRPr/>
+          </a:p>
+        </p:txBody>
+      </p:sp>
+    </p:spTree>
+  </p:cSld>
+  <p:clrMapOvr>
+    <a:masterClrMapping/>
+  </p:clrMapOvr>
+</p:notes>
+</file>
+
+<file path=ppt/notesSlides/notesSlide6.xml><?xml version="1.0" encoding="utf-8"?>
+<p:notes xmlns:a="http://schemas.openxmlformats.org/drawingml/2006/main" xmlns:r="http://schemas.openxmlformats.org/officeDocument/2006/relationships" xmlns:mc="http://schemas.openxmlformats.org/markup-compatibility/2006" xmlns:mv="urn:schemas-microsoft-com:mac:vml" xmlns:p="http://schemas.openxmlformats.org/presentationml/2006/main" xmlns:c="http://schemas.openxmlformats.org/drawingml/2006/chart" xmlns:dgm="http://schemas.openxmlformats.org/drawingml/2006/diagram" xmlns:o="urn:schemas-microsoft-com:office:office" xmlns:v="urn:schemas-microsoft-com:vml" xmlns:pvml="urn:schemas-microsoft-com:office:powerpoint" xmlns:com="http://schemas.openxmlformats.org/drawingml/2006/compatibility" xmlns:p14="http://schemas.microsoft.com/office/powerpoint/2010/main" xmlns:p15="http://schemas.microsoft.com/office/powerpoint/2012/main" xmlns:ahyp="http://schemas.microsoft.com/office/drawing/2018/hyperlinkcolor" showMasterPhAnim="0" showMasterSp="0">
+  <p:cSld>
+    <p:spTree>
+      <p:nvGrpSpPr>
+        <p:cNvPr id="180" name="Shape 180"/>
+        <p:cNvGrpSpPr/>
+        <p:nvPr/>
+      </p:nvGrpSpPr>
+      <p:grpSpPr>
+        <a:xfrm>
+          <a:off x="0" y="0"/>
+          <a:ext cx="0" cy="0"/>
+          <a:chOff x="0" y="0"/>
+          <a:chExt cx="0" cy="0"/>
+        </a:xfrm>
+      </p:grpSpPr>
+      <p:sp>
+        <p:nvSpPr>
+          <p:cNvPr id="181" name="Google Shape;181;p6:notes"/>
+          <p:cNvSpPr/>
+          <p:nvPr>
+            <p:ph idx="2" type="sldImg"/>
+          </p:nvPr>
+        </p:nvSpPr>
+        <p:spPr>
+          <a:xfrm>
+            <a:off x="381300" y="685800"/>
+            <a:ext cx="6096000" cy="3429000"/>
+          </a:xfrm>
+          <a:custGeom>
+            <a:rect b="b" l="l" r="r" t="t"/>
+            <a:pathLst>
+              <a:path extrusionOk="0" h="120000" w="120000">
+                <a:moveTo>
+                  <a:pt x="0" y="0"/>
+                </a:moveTo>
+                <a:lnTo>
+                  <a:pt x="120000" y="0"/>
+                </a:lnTo>
+                <a:lnTo>
+                  <a:pt x="120000" y="120000"/>
+                </a:lnTo>
+                <a:lnTo>
+                  <a:pt x="0" y="120000"/>
+                </a:lnTo>
+                <a:close/>
+              </a:path>
+            </a:pathLst>
+          </a:custGeom>
+          <a:noFill/>
+          <a:ln cap="flat" cmpd="sng" w="9525">
+            <a:solidFill>
+              <a:srgbClr val="000000"/>
+            </a:solidFill>
+            <a:prstDash val="solid"/>
+            <a:round/>
+            <a:headEnd len="sm" w="sm" type="none"/>
+            <a:tailEnd len="sm" w="sm" type="none"/>
+          </a:ln>
+        </p:spPr>
+      </p:sp>
+      <p:sp>
+        <p:nvSpPr>
+          <p:cNvPr id="182" name="Google Shape;182;p6:notes"/>
+          <p:cNvSpPr txBox="1"/>
+          <p:nvPr>
+            <p:ph idx="1" type="body"/>
+          </p:nvPr>
+        </p:nvSpPr>
+        <p:spPr>
+          <a:xfrm>
+            <a:off x="685800" y="4343400"/>
+            <a:ext cx="5486400" cy="4114800"/>
+          </a:xfrm>
+          <a:prstGeom prst="rect">
+            <a:avLst/>
+          </a:prstGeom>
+          <a:noFill/>
+          <a:ln>
+            <a:noFill/>
+          </a:ln>
+        </p:spPr>
+        <p:txBody>
+          <a:bodyPr anchorCtr="0" anchor="t" bIns="91425" lIns="91425" spcFirstLastPara="1" rIns="91425" wrap="square" tIns="91425">
+            <a:noAutofit/>
+          </a:bodyPr>
+          <a:lstStyle/>
+          <a:p>
+            <a:pPr indent="0" lvl="0" marL="0" rtl="0" algn="l">
+              <a:lnSpc>
+                <a:spcPct val="100000"/>
+              </a:lnSpc>
+              <a:spcBef>
+                <a:spcPts val="0"/>
+              </a:spcBef>
+              <a:spcAft>
+                <a:spcPts val="0"/>
+              </a:spcAft>
+              <a:buSzPts val="1100"/>
+              <a:buNone/>
+            </a:pPr>
+            <a:r>
+              <a:t/>
+            </a:r>
+            <a:endParaRPr/>
+          </a:p>
+        </p:txBody>
+      </p:sp>
+    </p:spTree>
+  </p:cSld>
+  <p:clrMapOvr>
+    <a:masterClrMapping/>
+  </p:clrMapOvr>
+</p:notes>
+</file>
+
+<file path=ppt/notesSlides/notesSlide7.xml><?xml version="1.0" encoding="utf-8"?>
+<p:notes xmlns:a="http://schemas.openxmlformats.org/drawingml/2006/main" xmlns:r="http://schemas.openxmlformats.org/officeDocument/2006/relationships" xmlns:mc="http://schemas.openxmlformats.org/markup-compatibility/2006" xmlns:mv="urn:schemas-microsoft-com:mac:vml" xmlns:p="http://schemas.openxmlformats.org/presentationml/2006/main" xmlns:c="http://schemas.openxmlformats.org/drawingml/2006/chart" xmlns:dgm="http://schemas.openxmlformats.org/drawingml/2006/diagram" xmlns:o="urn:schemas-microsoft-com:office:office" xmlns:v="urn:schemas-microsoft-com:vml" xmlns:pvml="urn:schemas-microsoft-com:office:powerpoint" xmlns:com="http://schemas.openxmlformats.org/drawingml/2006/compatibility" xmlns:p14="http://schemas.microsoft.com/office/powerpoint/2010/main" xmlns:p15="http://schemas.microsoft.com/office/powerpoint/2012/main" xmlns:ahyp="http://schemas.microsoft.com/office/drawing/2018/hyperlinkcolor" showMasterPhAnim="0" showMasterSp="0">
+  <p:cSld>
+    <p:spTree>
+      <p:nvGrpSpPr>
+        <p:cNvPr id="217" name="Shape 217"/>
+        <p:cNvGrpSpPr/>
+        <p:nvPr/>
+      </p:nvGrpSpPr>
+      <p:grpSpPr>
+        <a:xfrm>
+          <a:off x="0" y="0"/>
+          <a:ext cx="0" cy="0"/>
+          <a:chOff x="0" y="0"/>
+          <a:chExt cx="0" cy="0"/>
+        </a:xfrm>
+      </p:grpSpPr>
+      <p:sp>
+        <p:nvSpPr>
+          <p:cNvPr id="218" name="Google Shape;218;p7:notes"/>
+          <p:cNvSpPr/>
+          <p:nvPr>
+            <p:ph idx="2" type="sldImg"/>
+          </p:nvPr>
+        </p:nvSpPr>
+        <p:spPr>
+          <a:xfrm>
+            <a:off x="381300" y="685800"/>
+            <a:ext cx="6096000" cy="3429000"/>
+          </a:xfrm>
+          <a:custGeom>
+            <a:rect b="b" l="l" r="r" t="t"/>
+            <a:pathLst>
+              <a:path extrusionOk="0" h="120000" w="120000">
+                <a:moveTo>
+                  <a:pt x="0" y="0"/>
+                </a:moveTo>
+                <a:lnTo>
+                  <a:pt x="120000" y="0"/>
+                </a:lnTo>
+                <a:lnTo>
+                  <a:pt x="120000" y="120000"/>
+                </a:lnTo>
+                <a:lnTo>
+                  <a:pt x="0" y="120000"/>
+                </a:lnTo>
+                <a:close/>
+              </a:path>
+            </a:pathLst>
+          </a:custGeom>
+          <a:noFill/>
+          <a:ln cap="flat" cmpd="sng" w="9525">
+            <a:solidFill>
+              <a:srgbClr val="000000"/>
+            </a:solidFill>
+            <a:prstDash val="solid"/>
+            <a:round/>
+            <a:headEnd len="sm" w="sm" type="none"/>
+            <a:tailEnd len="sm" w="sm" type="none"/>
+          </a:ln>
+        </p:spPr>
+      </p:sp>
+      <p:sp>
+        <p:nvSpPr>
+          <p:cNvPr id="219" name="Google Shape;219;p7:notes"/>
+          <p:cNvSpPr txBox="1"/>
+          <p:nvPr>
+            <p:ph idx="1" type="body"/>
+          </p:nvPr>
+        </p:nvSpPr>
+        <p:spPr>
+          <a:xfrm>
+            <a:off x="685800" y="4343400"/>
+            <a:ext cx="5486400" cy="4114800"/>
+          </a:xfrm>
+          <a:prstGeom prst="rect">
+            <a:avLst/>
+          </a:prstGeom>
+          <a:noFill/>
+          <a:ln>
+            <a:noFill/>
+          </a:ln>
+        </p:spPr>
+        <p:txBody>
+          <a:bodyPr anchorCtr="0" anchor="t" bIns="91425" lIns="91425" spcFirstLastPara="1" rIns="91425" wrap="square" tIns="91425">
+            <a:noAutofit/>
+          </a:bodyPr>
+          <a:lstStyle/>
+          <a:p>
+            <a:pPr indent="0" lvl="0" marL="0" rtl="0" algn="l">
+              <a:lnSpc>
+                <a:spcPct val="100000"/>
+              </a:lnSpc>
+              <a:spcBef>
+                <a:spcPts val="0"/>
+              </a:spcBef>
+              <a:spcAft>
+                <a:spcPts val="0"/>
+              </a:spcAft>
+              <a:buSzPts val="1100"/>
+              <a:buNone/>
+            </a:pPr>
+            <a:r>
+              <a:t/>
+            </a:r>
+            <a:endParaRPr/>
+          </a:p>
+        </p:txBody>
+      </p:sp>
+    </p:spTree>
+  </p:cSld>
+  <p:clrMapOvr>
+    <a:masterClrMapping/>
+  </p:clrMapOvr>
+</p:notes>
+</file>
+
+<file path=ppt/notesSlides/notesSlide8.xml><?xml version="1.0" encoding="utf-8"?>
+<p:notes xmlns:a="http://schemas.openxmlformats.org/drawingml/2006/main" xmlns:r="http://schemas.openxmlformats.org/officeDocument/2006/relationships" xmlns:mc="http://schemas.openxmlformats.org/markup-compatibility/2006" xmlns:mv="urn:schemas-microsoft-com:mac:vml" xmlns:p="http://schemas.openxmlformats.org/presentationml/2006/main" xmlns:c="http://schemas.openxmlformats.org/drawingml/2006/chart" xmlns:dgm="http://schemas.openxmlformats.org/drawingml/2006/diagram" xmlns:o="urn:schemas-microsoft-com:office:office" xmlns:v="urn:schemas-microsoft-com:vml" xmlns:pvml="urn:schemas-microsoft-com:office:powerpoint" xmlns:com="http://schemas.openxmlformats.org/drawingml/2006/compatibility" xmlns:p14="http://schemas.microsoft.com/office/powerpoint/2010/main" xmlns:p15="http://schemas.microsoft.com/office/powerpoint/2012/main" xmlns:ahyp="http://schemas.microsoft.com/office/drawing/2018/hyperlinkcolor" showMasterPhAnim="0" showMasterSp="0">
+  <p:cSld>
+    <p:spTree>
+      <p:nvGrpSpPr>
+        <p:cNvPr id="258" name="Shape 258"/>
+        <p:cNvGrpSpPr/>
+        <p:nvPr/>
+      </p:nvGrpSpPr>
+      <p:grpSpPr>
+        <a:xfrm>
+          <a:off x="0" y="0"/>
+          <a:ext cx="0" cy="0"/>
+          <a:chOff x="0" y="0"/>
+          <a:chExt cx="0" cy="0"/>
+        </a:xfrm>
+      </p:grpSpPr>
+      <p:sp>
+        <p:nvSpPr>
+          <p:cNvPr id="259" name="Google Shape;259;p8:notes"/>
+          <p:cNvSpPr/>
+          <p:nvPr>
+            <p:ph idx="2" type="sldImg"/>
+          </p:nvPr>
+        </p:nvSpPr>
+        <p:spPr>
+          <a:xfrm>
+            <a:off x="381300" y="685800"/>
+            <a:ext cx="6096000" cy="3429000"/>
+          </a:xfrm>
+          <a:custGeom>
+            <a:rect b="b" l="l" r="r" t="t"/>
+            <a:pathLst>
+              <a:path extrusionOk="0" h="120000" w="120000">
+                <a:moveTo>
+                  <a:pt x="0" y="0"/>
+                </a:moveTo>
+                <a:lnTo>
+                  <a:pt x="120000" y="0"/>
+                </a:lnTo>
+                <a:lnTo>
+                  <a:pt x="120000" y="120000"/>
+                </a:lnTo>
+                <a:lnTo>
+                  <a:pt x="0" y="120000"/>
+                </a:lnTo>
+                <a:close/>
+              </a:path>
+            </a:pathLst>
+          </a:custGeom>
+          <a:noFill/>
+          <a:ln cap="flat" cmpd="sng" w="9525">
+            <a:solidFill>
+              <a:srgbClr val="000000"/>
+            </a:solidFill>
+            <a:prstDash val="solid"/>
+            <a:round/>
+            <a:headEnd len="sm" w="sm" type="none"/>
+            <a:tailEnd len="sm" w="sm" type="none"/>
+          </a:ln>
+        </p:spPr>
+      </p:sp>
+      <p:sp>
+        <p:nvSpPr>
+          <p:cNvPr id="260" name="Google Shape;260;p8:notes"/>
+          <p:cNvSpPr txBox="1"/>
+          <p:nvPr>
+            <p:ph idx="1" type="body"/>
+          </p:nvPr>
+        </p:nvSpPr>
+        <p:spPr>
+          <a:xfrm>
+            <a:off x="685800" y="4343400"/>
+            <a:ext cx="5486400" cy="4114800"/>
+          </a:xfrm>
+          <a:prstGeom prst="rect">
+            <a:avLst/>
+          </a:prstGeom>
+          <a:noFill/>
+          <a:ln>
+            <a:noFill/>
+          </a:ln>
+        </p:spPr>
+        <p:txBody>
+          <a:bodyPr anchorCtr="0" anchor="t" bIns="91425" lIns="91425" spcFirstLastPara="1" rIns="91425" wrap="square" tIns="91425">
+            <a:noAutofit/>
+          </a:bodyPr>
+          <a:lstStyle/>
+          <a:p>
+            <a:pPr indent="0" lvl="0" marL="0" rtl="0" algn="l">
+              <a:lnSpc>
+                <a:spcPct val="100000"/>
+              </a:lnSpc>
+              <a:spcBef>
+                <a:spcPts val="0"/>
+              </a:spcBef>
+              <a:spcAft>
+                <a:spcPts val="0"/>
+              </a:spcAft>
+              <a:buSzPts val="1100"/>
+              <a:buNone/>
+            </a:pPr>
+            <a:r>
+              <a:t/>
+            </a:r>
+            <a:endParaRPr/>
+          </a:p>
+        </p:txBody>
+      </p:sp>
+    </p:spTree>
+  </p:cSld>
+  <p:clrMapOvr>
+    <a:masterClrMapping/>
+  </p:clrMapOvr>
+</p:notes>
+</file>
+
+<file path=ppt/notesSlides/notesSlide9.xml><?xml version="1.0" encoding="utf-8"?>
+<p:notes xmlns:a="http://schemas.openxmlformats.org/drawingml/2006/main" xmlns:r="http://schemas.openxmlformats.org/officeDocument/2006/relationships" xmlns:mc="http://schemas.openxmlformats.org/markup-compatibility/2006" xmlns:mv="urn:schemas-microsoft-com:mac:vml" xmlns:p="http://schemas.openxmlformats.org/presentationml/2006/main" xmlns:c="http://schemas.openxmlformats.org/drawingml/2006/chart" xmlns:dgm="http://schemas.openxmlformats.org/drawingml/2006/diagram" xmlns:o="urn:schemas-microsoft-com:office:office" xmlns:v="urn:schemas-microsoft-com:vml" xmlns:pvml="urn:schemas-microsoft-com:office:powerpoint" xmlns:com="http://schemas.openxmlformats.org/drawingml/2006/compatibility" xmlns:p14="http://schemas.microsoft.com/office/powerpoint/2010/main" xmlns:p15="http://schemas.microsoft.com/office/powerpoint/2012/main" xmlns:ahyp="http://schemas.microsoft.com/office/drawing/2018/hyperlinkcolor" showMasterPhAnim="0" showMasterSp="0">
+  <p:cSld>
+    <p:spTree>
+      <p:nvGrpSpPr>
+        <p:cNvPr id="264" name="Shape 264"/>
+        <p:cNvGrpSpPr/>
+        <p:nvPr/>
+      </p:nvGrpSpPr>
+      <p:grpSpPr>
+        <a:xfrm>
+          <a:off x="0" y="0"/>
+          <a:ext cx="0" cy="0"/>
+          <a:chOff x="0" y="0"/>
+          <a:chExt cx="0" cy="0"/>
+        </a:xfrm>
+      </p:grpSpPr>
+      <p:sp>
+        <p:nvSpPr>
+          <p:cNvPr id="265" name="Google Shape;265;gbae9f53681_1_2:notes"/>
           <p:cNvSpPr/>
           <p:nvPr>
             <p:ph idx="2" type="sldImg"/>
@@ -2180,7 +2652,7 @@
       </p:sp>
       <p:sp>
         <p:nvSpPr>
-          <p:cNvPr id="265" name="Google Shape;265;gbae9f53681_1_2:notes"/>
+          <p:cNvPr id="266" name="Google Shape;266;gbae9f53681_1_2:notes"/>
           <p:cNvSpPr txBox="1"/>
           <p:nvPr>
             <p:ph idx="1" type="body"/>
@@ -9570,6 +10042,18 @@
     <p:sldLayoutId id="2147483657" r:id="rId10"/>
     <p:sldLayoutId id="2147483658" r:id="rId11"/>
   </p:sldLayoutIdLst>
+  <mc:AlternateContent>
+    <mc:Choice Requires="p14">
+      <p:transition spd="slow" p14:dur="1000">
+        <p:fade thruBlk="1"/>
+      </p:transition>
+    </mc:Choice>
+    <mc:Fallback>
+      <p:transition spd="slow">
+        <p:fade/>
+      </p:transition>
+    </mc:Fallback>
+  </mc:AlternateContent>
   <p:hf dt="0" ftr="0" hdr="0" sldNum="0"/>
   <p:txStyles>
     <p:titleStyle>
@@ -10290,7 +10774,7 @@
         </p:nvSpPr>
         <p:spPr>
           <a:xfrm>
-            <a:off x="5007000" y="656125"/>
+            <a:off x="5007000" y="427525"/>
             <a:ext cx="3604800" cy="1448400"/>
           </a:xfrm>
           <a:prstGeom prst="rect">
@@ -10705,7 +11189,7 @@
         </p:nvSpPr>
         <p:spPr>
           <a:xfrm>
-            <a:off x="5007000" y="2028324"/>
+            <a:off x="5007000" y="1875924"/>
             <a:ext cx="3030300" cy="584100"/>
           </a:xfrm>
           <a:prstGeom prst="rect">
@@ -10736,7 +11220,7 @@
               <a:buNone/>
             </a:pPr>
             <a:r>
-              <a:rPr b="0" lang="en" sz="2900">
+              <a:rPr b="0" lang="en" sz="3100">
                 <a:solidFill>
                   <a:schemeClr val="accent2"/>
                 </a:solidFill>
@@ -10747,7 +11231,7 @@
               </a:rPr>
               <a:t>Care4U</a:t>
             </a:r>
-            <a:endParaRPr b="0" sz="2900">
+            <a:endParaRPr b="0" sz="3100">
               <a:solidFill>
                 <a:schemeClr val="accent2"/>
               </a:solidFill>
@@ -10936,6 +11420,293 @@
   <p:clrMapOvr>
     <a:masterClrMapping/>
   </p:clrMapOvr>
+  <p:timing>
+    <p:tnLst>
+      <p:par>
+        <p:cTn dur="indefinite" nodeType="tmRoot" restart="never">
+          <p:childTnLst>
+            <p:seq concurrent="1" nextAc="seek">
+              <p:cTn dur="indefinite" id="2" nodeType="mainSeq">
+                <p:childTnLst>
+                  <p:par>
+                    <p:cTn fill="hold">
+                      <p:stCondLst>
+                        <p:cond delay="indefinite"/>
+                      </p:stCondLst>
+                      <p:childTnLst>
+                        <p:par>
+                          <p:cTn fill="hold">
+                            <p:stCondLst>
+                              <p:cond delay="0"/>
+                            </p:stCondLst>
+                            <p:childTnLst>
+                              <p:par>
+                                <p:cTn fill="hold" nodeType="clickEffect" presetClass="entr" presetID="10" presetSubtype="0">
+                                  <p:stCondLst>
+                                    <p:cond delay="0"/>
+                                  </p:stCondLst>
+                                  <p:childTnLst>
+                                    <p:set>
+                                      <p:cBhvr>
+                                        <p:cTn dur="1" fill="hold">
+                                          <p:stCondLst>
+                                            <p:cond delay="0"/>
+                                          </p:stCondLst>
+                                        </p:cTn>
+                                        <p:tgtEl>
+                                          <p:spTgt spid="52"/>
+                                        </p:tgtEl>
+                                        <p:attrNameLst>
+                                          <p:attrName>style.visibility</p:attrName>
+                                        </p:attrNameLst>
+                                      </p:cBhvr>
+                                      <p:to>
+                                        <p:strVal val="visible"/>
+                                      </p:to>
+                                    </p:set>
+                                    <p:animEffect filter="fade" transition="in">
+                                      <p:cBhvr>
+                                        <p:cTn dur="1000"/>
+                                        <p:tgtEl>
+                                          <p:spTgt spid="52"/>
+                                        </p:tgtEl>
+                                      </p:cBhvr>
+                                    </p:animEffect>
+                                  </p:childTnLst>
+                                </p:cTn>
+                              </p:par>
+                            </p:childTnLst>
+                          </p:cTn>
+                        </p:par>
+                        <p:par>
+                          <p:cTn fill="hold">
+                            <p:stCondLst>
+                              <p:cond delay="1000"/>
+                            </p:stCondLst>
+                            <p:childTnLst>
+                              <p:par>
+                                <p:cTn fill="hold" nodeType="afterEffect" presetClass="entr" presetID="10" presetSubtype="0">
+                                  <p:stCondLst>
+                                    <p:cond delay="0"/>
+                                  </p:stCondLst>
+                                  <p:childTnLst>
+                                    <p:set>
+                                      <p:cBhvr>
+                                        <p:cTn dur="1" fill="hold">
+                                          <p:stCondLst>
+                                            <p:cond delay="0"/>
+                                          </p:stCondLst>
+                                        </p:cTn>
+                                        <p:tgtEl>
+                                          <p:spTgt spid="58"/>
+                                        </p:tgtEl>
+                                        <p:attrNameLst>
+                                          <p:attrName>style.visibility</p:attrName>
+                                        </p:attrNameLst>
+                                      </p:cBhvr>
+                                      <p:to>
+                                        <p:strVal val="visible"/>
+                                      </p:to>
+                                    </p:set>
+                                    <p:animEffect filter="fade" transition="in">
+                                      <p:cBhvr>
+                                        <p:cTn dur="1000"/>
+                                        <p:tgtEl>
+                                          <p:spTgt spid="58"/>
+                                        </p:tgtEl>
+                                      </p:cBhvr>
+                                    </p:animEffect>
+                                  </p:childTnLst>
+                                </p:cTn>
+                              </p:par>
+                            </p:childTnLst>
+                          </p:cTn>
+                        </p:par>
+                        <p:par>
+                          <p:cTn fill="hold">
+                            <p:stCondLst>
+                              <p:cond delay="2000"/>
+                            </p:stCondLst>
+                            <p:childTnLst>
+                              <p:par>
+                                <p:cTn fill="hold" nodeType="afterEffect" presetClass="entr" presetID="1" presetSubtype="0">
+                                  <p:stCondLst>
+                                    <p:cond delay="0"/>
+                                  </p:stCondLst>
+                                  <p:childTnLst>
+                                    <p:set>
+                                      <p:cBhvr>
+                                        <p:cTn dur="1" fill="hold">
+                                          <p:stCondLst>
+                                            <p:cond delay="0"/>
+                                          </p:stCondLst>
+                                        </p:cTn>
+                                        <p:tgtEl>
+                                          <p:spTgt spid="59">
+                                            <p:txEl>
+                                              <p:pRg end="0" st="0"/>
+                                            </p:txEl>
+                                          </p:spTgt>
+                                        </p:tgtEl>
+                                        <p:attrNameLst>
+                                          <p:attrName>style.visibility</p:attrName>
+                                        </p:attrNameLst>
+                                      </p:cBhvr>
+                                      <p:to>
+                                        <p:strVal val="visible"/>
+                                      </p:to>
+                                    </p:set>
+                                  </p:childTnLst>
+                                </p:cTn>
+                              </p:par>
+                            </p:childTnLst>
+                          </p:cTn>
+                        </p:par>
+                        <p:par>
+                          <p:cTn fill="hold">
+                            <p:stCondLst>
+                              <p:cond delay="3000"/>
+                            </p:stCondLst>
+                            <p:childTnLst>
+                              <p:par>
+                                <p:cTn fill="hold" nodeType="afterEffect" presetClass="entr" presetID="1" presetSubtype="0">
+                                  <p:stCondLst>
+                                    <p:cond delay="0"/>
+                                  </p:stCondLst>
+                                  <p:childTnLst>
+                                    <p:set>
+                                      <p:cBhvr>
+                                        <p:cTn dur="1" fill="hold">
+                                          <p:stCondLst>
+                                            <p:cond delay="0"/>
+                                          </p:stCondLst>
+                                        </p:cTn>
+                                        <p:tgtEl>
+                                          <p:spTgt spid="59">
+                                            <p:txEl>
+                                              <p:pRg end="1" st="1"/>
+                                            </p:txEl>
+                                          </p:spTgt>
+                                        </p:tgtEl>
+                                        <p:attrNameLst>
+                                          <p:attrName>style.visibility</p:attrName>
+                                        </p:attrNameLst>
+                                      </p:cBhvr>
+                                      <p:to>
+                                        <p:strVal val="visible"/>
+                                      </p:to>
+                                    </p:set>
+                                  </p:childTnLst>
+                                </p:cTn>
+                              </p:par>
+                            </p:childTnLst>
+                          </p:cTn>
+                        </p:par>
+                        <p:par>
+                          <p:cTn fill="hold">
+                            <p:stCondLst>
+                              <p:cond delay="4000"/>
+                            </p:stCondLst>
+                            <p:childTnLst>
+                              <p:par>
+                                <p:cTn fill="hold" nodeType="afterEffect" presetClass="entr" presetID="1" presetSubtype="0">
+                                  <p:stCondLst>
+                                    <p:cond delay="0"/>
+                                  </p:stCondLst>
+                                  <p:childTnLst>
+                                    <p:set>
+                                      <p:cBhvr>
+                                        <p:cTn dur="1" fill="hold">
+                                          <p:stCondLst>
+                                            <p:cond delay="0"/>
+                                          </p:stCondLst>
+                                        </p:cTn>
+                                        <p:tgtEl>
+                                          <p:spTgt spid="59">
+                                            <p:txEl>
+                                              <p:pRg end="2" st="2"/>
+                                            </p:txEl>
+                                          </p:spTgt>
+                                        </p:tgtEl>
+                                        <p:attrNameLst>
+                                          <p:attrName>style.visibility</p:attrName>
+                                        </p:attrNameLst>
+                                      </p:cBhvr>
+                                      <p:to>
+                                        <p:strVal val="visible"/>
+                                      </p:to>
+                                    </p:set>
+                                  </p:childTnLst>
+                                </p:cTn>
+                              </p:par>
+                            </p:childTnLst>
+                          </p:cTn>
+                        </p:par>
+                        <p:par>
+                          <p:cTn fill="hold">
+                            <p:stCondLst>
+                              <p:cond delay="5000"/>
+                            </p:stCondLst>
+                            <p:childTnLst>
+                              <p:par>
+                                <p:cTn fill="hold" nodeType="afterEffect" presetClass="entr" presetID="1" presetSubtype="0">
+                                  <p:stCondLst>
+                                    <p:cond delay="0"/>
+                                  </p:stCondLst>
+                                  <p:childTnLst>
+                                    <p:set>
+                                      <p:cBhvr>
+                                        <p:cTn dur="1" fill="hold">
+                                          <p:stCondLst>
+                                            <p:cond delay="0"/>
+                                          </p:stCondLst>
+                                        </p:cTn>
+                                        <p:tgtEl>
+                                          <p:spTgt spid="59">
+                                            <p:txEl>
+                                              <p:pRg end="3" st="3"/>
+                                            </p:txEl>
+                                          </p:spTgt>
+                                        </p:tgtEl>
+                                        <p:attrNameLst>
+                                          <p:attrName>style.visibility</p:attrName>
+                                        </p:attrNameLst>
+                                      </p:cBhvr>
+                                      <p:to>
+                                        <p:strVal val="visible"/>
+                                      </p:to>
+                                    </p:set>
+                                  </p:childTnLst>
+                                </p:cTn>
+                              </p:par>
+                            </p:childTnLst>
+                          </p:cTn>
+                        </p:par>
+                      </p:childTnLst>
+                    </p:cTn>
+                  </p:par>
+                </p:childTnLst>
+              </p:cTn>
+              <p:prevCondLst>
+                <p:cond evt="onPrev">
+                  <p:tgtEl>
+                    <p:sldTgt/>
+                  </p:tgtEl>
+                </p:cond>
+              </p:prevCondLst>
+              <p:nextCondLst>
+                <p:cond evt="onNext">
+                  <p:tgtEl>
+                    <p:sldTgt/>
+                  </p:tgtEl>
+                </p:cond>
+              </p:nextCondLst>
+            </p:seq>
+          </p:childTnLst>
+        </p:cTn>
+      </p:par>
+    </p:tnLst>
+  </p:timing>
 </p:sld>
 </file>
 
@@ -10944,7 +11715,7 @@
   <p:cSld>
     <p:spTree>
       <p:nvGrpSpPr>
-        <p:cNvPr id="272" name="Shape 272"/>
+        <p:cNvPr id="273" name="Shape 273"/>
         <p:cNvGrpSpPr/>
         <p:nvPr/>
       </p:nvGrpSpPr>
@@ -10958,7 +11729,7 @@
       </p:grpSpPr>
       <p:sp>
         <p:nvSpPr>
-          <p:cNvPr id="273" name="Google Shape;273;p22"/>
+          <p:cNvPr id="274" name="Google Shape;274;p22"/>
           <p:cNvSpPr txBox="1"/>
           <p:nvPr>
             <p:ph type="title"/>
@@ -11006,7 +11777,7 @@
                   <a:schemeClr val="accent6"/>
                 </a:solidFill>
               </a:rPr>
-              <a:t>Working Prototype </a:t>
+              <a:t>FEATURES</a:t>
             </a:r>
             <a:endParaRPr/>
           </a:p>
@@ -11014,7 +11785,7 @@
       </p:sp>
       <p:sp>
         <p:nvSpPr>
-          <p:cNvPr id="274" name="Google Shape;274;p22"/>
+          <p:cNvPr id="275" name="Google Shape;275;p22"/>
           <p:cNvSpPr txBox="1"/>
           <p:nvPr>
             <p:ph type="title"/>
@@ -11073,40 +11844,12 @@
       </p:sp>
       <p:pic>
         <p:nvPicPr>
-          <p:cNvPr id="275" name="Google Shape;275;p22"/>
+          <p:cNvPr id="276" name="Google Shape;276;p22"/>
           <p:cNvPicPr preferRelativeResize="0"/>
           <p:nvPr/>
         </p:nvPicPr>
         <p:blipFill>
           <a:blip r:embed="rId3">
-            <a:alphaModFix/>
-          </a:blip>
-          <a:stretch>
-            <a:fillRect/>
-          </a:stretch>
-        </p:blipFill>
-        <p:spPr>
-          <a:xfrm>
-            <a:off x="674950" y="1041887"/>
-            <a:ext cx="7857600" cy="3651429"/>
-          </a:xfrm>
-          <a:prstGeom prst="rect">
-            <a:avLst/>
-          </a:prstGeom>
-          <a:noFill/>
-          <a:ln>
-            <a:noFill/>
-          </a:ln>
-        </p:spPr>
-      </p:pic>
-      <p:pic>
-        <p:nvPicPr>
-          <p:cNvPr id="276" name="Google Shape;276;p22"/>
-          <p:cNvPicPr preferRelativeResize="0"/>
-          <p:nvPr/>
-        </p:nvPicPr>
-        <p:blipFill>
-          <a:blip r:embed="rId4">
             <a:alphaModFix/>
           </a:blip>
           <a:stretch>
@@ -11132,6 +11875,127 @@
   <p:clrMapOvr>
     <a:masterClrMapping/>
   </p:clrMapOvr>
+  <p:timing>
+    <p:tnLst>
+      <p:par>
+        <p:cTn dur="indefinite" nodeType="tmRoot" restart="never">
+          <p:childTnLst>
+            <p:seq concurrent="1" nextAc="seek">
+              <p:cTn dur="indefinite" id="2" nodeType="mainSeq">
+                <p:childTnLst>
+                  <p:par>
+                    <p:cTn fill="hold">
+                      <p:stCondLst>
+                        <p:cond delay="indefinite"/>
+                        <p:cond evt="onBegin" delay="0">
+                          <p:tn val="2"/>
+                        </p:cond>
+                      </p:stCondLst>
+                      <p:childTnLst>
+                        <p:par>
+                          <p:cTn fill="hold">
+                            <p:stCondLst>
+                              <p:cond delay="0"/>
+                            </p:stCondLst>
+                            <p:childTnLst>
+                              <p:par>
+                                <p:cTn fill="hold" nodeType="afterEffect" presetClass="entr" presetID="10" presetSubtype="0">
+                                  <p:stCondLst>
+                                    <p:cond delay="0"/>
+                                  </p:stCondLst>
+                                  <p:childTnLst>
+                                    <p:set>
+                                      <p:cBhvr>
+                                        <p:cTn dur="1" fill="hold">
+                                          <p:stCondLst>
+                                            <p:cond delay="0"/>
+                                          </p:stCondLst>
+                                        </p:cTn>
+                                        <p:tgtEl>
+                                          <p:spTgt spid="274"/>
+                                        </p:tgtEl>
+                                        <p:attrNameLst>
+                                          <p:attrName>style.visibility</p:attrName>
+                                        </p:attrNameLst>
+                                      </p:cBhvr>
+                                      <p:to>
+                                        <p:strVal val="visible"/>
+                                      </p:to>
+                                    </p:set>
+                                    <p:animEffect filter="fade" transition="in">
+                                      <p:cBhvr>
+                                        <p:cTn dur="1000"/>
+                                        <p:tgtEl>
+                                          <p:spTgt spid="274"/>
+                                        </p:tgtEl>
+                                      </p:cBhvr>
+                                    </p:animEffect>
+                                  </p:childTnLst>
+                                </p:cTn>
+                              </p:par>
+                              <p:par>
+                                <p:cTn fill="hold" nodeType="withEffect" presetClass="entr" presetID="10" presetSubtype="0">
+                                  <p:stCondLst>
+                                    <p:cond delay="0"/>
+                                  </p:stCondLst>
+                                  <p:childTnLst>
+                                    <p:set>
+                                      <p:cBhvr>
+                                        <p:cTn dur="1" fill="hold">
+                                          <p:stCondLst>
+                                            <p:cond delay="0"/>
+                                          </p:stCondLst>
+                                        </p:cTn>
+                                        <p:tgtEl>
+                                          <p:spTgt spid="276"/>
+                                        </p:tgtEl>
+                                        <p:attrNameLst>
+                                          <p:attrName>style.visibility</p:attrName>
+                                        </p:attrNameLst>
+                                      </p:cBhvr>
+                                      <p:to>
+                                        <p:strVal val="visible"/>
+                                      </p:to>
+                                    </p:set>
+                                    <p:animEffect filter="fade" transition="in">
+                                      <p:cBhvr>
+                                        <p:cTn dur="1000"/>
+                                        <p:tgtEl>
+                                          <p:spTgt spid="276"/>
+                                        </p:tgtEl>
+                                      </p:cBhvr>
+                                    </p:animEffect>
+                                  </p:childTnLst>
+                                </p:cTn>
+                              </p:par>
+                            </p:childTnLst>
+                          </p:cTn>
+                        </p:par>
+                      </p:childTnLst>
+                    </p:cTn>
+                  </p:par>
+                </p:childTnLst>
+              </p:cTn>
+              <p:prevCondLst>
+                <p:cond evt="onPrev">
+                  <p:tgtEl>
+                    <p:sldTgt/>
+                  </p:tgtEl>
+                </p:cond>
+              </p:prevCondLst>
+              <p:nextCondLst>
+                <p:cond evt="onNext">
+                  <p:tgtEl>
+                    <p:sldTgt/>
+                  </p:tgtEl>
+                </p:cond>
+              </p:nextCondLst>
+            </p:seq>
+          </p:childTnLst>
+        </p:cTn>
+      </p:par>
+    </p:tnLst>
+  </p:timing>
 </p:sld>
 </file>
 
@@ -11155,6 +12019,1203 @@
       <p:sp>
         <p:nvSpPr>
           <p:cNvPr id="281" name="Google Shape;281;p23"/>
+          <p:cNvSpPr txBox="1"/>
+          <p:nvPr>
+            <p:ph type="title"/>
+          </p:nvPr>
+        </p:nvSpPr>
+        <p:spPr>
+          <a:xfrm>
+            <a:off x="1701625" y="205675"/>
+            <a:ext cx="5794200" cy="623400"/>
+          </a:xfrm>
+          <a:prstGeom prst="rect">
+            <a:avLst/>
+          </a:prstGeom>
+          <a:noFill/>
+          <a:ln>
+            <a:noFill/>
+          </a:ln>
+        </p:spPr>
+        <p:txBody>
+          <a:bodyPr anchorCtr="0" anchor="t" bIns="91425" lIns="91425" spcFirstLastPara="1" rIns="91425" wrap="square" tIns="91425">
+            <a:noAutofit/>
+          </a:bodyPr>
+          <a:lstStyle/>
+          <a:p>
+            <a:pPr indent="0" lvl="0" marL="0" rtl="0" algn="ctr">
+              <a:lnSpc>
+                <a:spcPct val="100000"/>
+              </a:lnSpc>
+              <a:spcBef>
+                <a:spcPts val="0"/>
+              </a:spcBef>
+              <a:spcAft>
+                <a:spcPts val="0"/>
+              </a:spcAft>
+              <a:buClr>
+                <a:schemeClr val="accent6"/>
+              </a:buClr>
+              <a:buSzPts val="1100"/>
+              <a:buFont typeface="Arial"/>
+              <a:buNone/>
+            </a:pPr>
+            <a:r>
+              <a:rPr lang="en">
+                <a:solidFill>
+                  <a:schemeClr val="accent6"/>
+                </a:solidFill>
+              </a:rPr>
+              <a:t>FITNESS &amp; NUTRITION</a:t>
+            </a:r>
+            <a:endParaRPr/>
+          </a:p>
+        </p:txBody>
+      </p:sp>
+      <p:sp>
+        <p:nvSpPr>
+          <p:cNvPr id="282" name="Google Shape;282;p23"/>
+          <p:cNvSpPr txBox="1"/>
+          <p:nvPr>
+            <p:ph type="title"/>
+          </p:nvPr>
+        </p:nvSpPr>
+        <p:spPr>
+          <a:xfrm>
+            <a:off x="674950" y="1022600"/>
+            <a:ext cx="7857600" cy="3690000"/>
+          </a:xfrm>
+          <a:prstGeom prst="rect">
+            <a:avLst/>
+          </a:prstGeom>
+          <a:noFill/>
+          <a:ln>
+            <a:noFill/>
+          </a:ln>
+        </p:spPr>
+        <p:txBody>
+          <a:bodyPr anchorCtr="0" anchor="t" bIns="91425" lIns="91425" spcFirstLastPara="1" rIns="91425" wrap="square" tIns="91425">
+            <a:noAutofit/>
+          </a:bodyPr>
+          <a:lstStyle/>
+          <a:p>
+            <a:pPr indent="0" lvl="0" marL="0" rtl="0" algn="l">
+              <a:lnSpc>
+                <a:spcPct val="100000"/>
+              </a:lnSpc>
+              <a:spcBef>
+                <a:spcPts val="0"/>
+              </a:spcBef>
+              <a:spcAft>
+                <a:spcPts val="0"/>
+              </a:spcAft>
+              <a:buClr>
+                <a:schemeClr val="accent6"/>
+              </a:buClr>
+              <a:buSzPts val="1100"/>
+              <a:buFont typeface="Arial"/>
+              <a:buNone/>
+            </a:pPr>
+            <a:r>
+              <a:t/>
+            </a:r>
+            <a:endParaRPr b="0" sz="1900">
+              <a:solidFill>
+                <a:schemeClr val="accent6"/>
+              </a:solidFill>
+              <a:latin typeface="Roboto"/>
+              <a:ea typeface="Roboto"/>
+              <a:cs typeface="Roboto"/>
+              <a:sym typeface="Roboto"/>
+            </a:endParaRPr>
+          </a:p>
+        </p:txBody>
+      </p:sp>
+      <p:pic>
+        <p:nvPicPr>
+          <p:cNvPr id="283" name="Google Shape;283;p23"/>
+          <p:cNvPicPr preferRelativeResize="0"/>
+          <p:nvPr/>
+        </p:nvPicPr>
+        <p:blipFill>
+          <a:blip r:embed="rId3">
+            <a:alphaModFix/>
+          </a:blip>
+          <a:stretch>
+            <a:fillRect/>
+          </a:stretch>
+        </p:blipFill>
+        <p:spPr>
+          <a:xfrm>
+            <a:off x="674950" y="1022600"/>
+            <a:ext cx="7857600" cy="3689999"/>
+          </a:xfrm>
+          <a:prstGeom prst="rect">
+            <a:avLst/>
+          </a:prstGeom>
+          <a:noFill/>
+          <a:ln>
+            <a:noFill/>
+          </a:ln>
+        </p:spPr>
+      </p:pic>
+    </p:spTree>
+  </p:cSld>
+  <p:clrMapOvr>
+    <a:masterClrMapping/>
+  </p:clrMapOvr>
+  <p:timing>
+    <p:tnLst>
+      <p:par>
+        <p:cTn dur="indefinite" nodeType="tmRoot" restart="never">
+          <p:childTnLst>
+            <p:seq concurrent="1" nextAc="seek">
+              <p:cTn dur="indefinite" id="2" nodeType="mainSeq">
+                <p:childTnLst>
+                  <p:par>
+                    <p:cTn fill="hold">
+                      <p:stCondLst>
+                        <p:cond delay="indefinite"/>
+                      </p:stCondLst>
+                      <p:childTnLst>
+                        <p:par>
+                          <p:cTn fill="hold">
+                            <p:stCondLst>
+                              <p:cond delay="0"/>
+                            </p:stCondLst>
+                            <p:childTnLst>
+                              <p:par>
+                                <p:cTn fill="hold" nodeType="clickEffect" presetClass="entr" presetID="10" presetSubtype="0">
+                                  <p:stCondLst>
+                                    <p:cond delay="0"/>
+                                  </p:stCondLst>
+                                  <p:childTnLst>
+                                    <p:set>
+                                      <p:cBhvr>
+                                        <p:cTn dur="1" fill="hold">
+                                          <p:stCondLst>
+                                            <p:cond delay="0"/>
+                                          </p:stCondLst>
+                                        </p:cTn>
+                                        <p:tgtEl>
+                                          <p:spTgt spid="281"/>
+                                        </p:tgtEl>
+                                        <p:attrNameLst>
+                                          <p:attrName>style.visibility</p:attrName>
+                                        </p:attrNameLst>
+                                      </p:cBhvr>
+                                      <p:to>
+                                        <p:strVal val="visible"/>
+                                      </p:to>
+                                    </p:set>
+                                    <p:animEffect filter="fade" transition="in">
+                                      <p:cBhvr>
+                                        <p:cTn dur="1000"/>
+                                        <p:tgtEl>
+                                          <p:spTgt spid="281"/>
+                                        </p:tgtEl>
+                                      </p:cBhvr>
+                                    </p:animEffect>
+                                  </p:childTnLst>
+                                </p:cTn>
+                              </p:par>
+                            </p:childTnLst>
+                          </p:cTn>
+                        </p:par>
+                        <p:par>
+                          <p:cTn fill="hold">
+                            <p:stCondLst>
+                              <p:cond delay="1000"/>
+                            </p:stCondLst>
+                            <p:childTnLst>
+                              <p:par>
+                                <p:cTn fill="hold" nodeType="afterEffect" presetClass="entr" presetID="10" presetSubtype="0">
+                                  <p:stCondLst>
+                                    <p:cond delay="0"/>
+                                  </p:stCondLst>
+                                  <p:childTnLst>
+                                    <p:set>
+                                      <p:cBhvr>
+                                        <p:cTn dur="1" fill="hold">
+                                          <p:stCondLst>
+                                            <p:cond delay="0"/>
+                                          </p:stCondLst>
+                                        </p:cTn>
+                                        <p:tgtEl>
+                                          <p:spTgt spid="281"/>
+                                        </p:tgtEl>
+                                        <p:attrNameLst>
+                                          <p:attrName>style.visibility</p:attrName>
+                                        </p:attrNameLst>
+                                      </p:cBhvr>
+                                      <p:to>
+                                        <p:strVal val="visible"/>
+                                      </p:to>
+                                    </p:set>
+                                    <p:animEffect filter="fade" transition="in">
+                                      <p:cBhvr>
+                                        <p:cTn dur="1000"/>
+                                        <p:tgtEl>
+                                          <p:spTgt spid="281"/>
+                                        </p:tgtEl>
+                                      </p:cBhvr>
+                                    </p:animEffect>
+                                  </p:childTnLst>
+                                </p:cTn>
+                              </p:par>
+                              <p:par>
+                                <p:cTn fill="hold" nodeType="withEffect" presetClass="entr" presetID="10" presetSubtype="0">
+                                  <p:stCondLst>
+                                    <p:cond delay="0"/>
+                                  </p:stCondLst>
+                                  <p:childTnLst>
+                                    <p:set>
+                                      <p:cBhvr>
+                                        <p:cTn dur="1" fill="hold">
+                                          <p:stCondLst>
+                                            <p:cond delay="0"/>
+                                          </p:stCondLst>
+                                        </p:cTn>
+                                        <p:tgtEl>
+                                          <p:spTgt spid="283"/>
+                                        </p:tgtEl>
+                                        <p:attrNameLst>
+                                          <p:attrName>style.visibility</p:attrName>
+                                        </p:attrNameLst>
+                                      </p:cBhvr>
+                                      <p:to>
+                                        <p:strVal val="visible"/>
+                                      </p:to>
+                                    </p:set>
+                                    <p:animEffect filter="fade" transition="in">
+                                      <p:cBhvr>
+                                        <p:cTn dur="1000"/>
+                                        <p:tgtEl>
+                                          <p:spTgt spid="283"/>
+                                        </p:tgtEl>
+                                      </p:cBhvr>
+                                    </p:animEffect>
+                                  </p:childTnLst>
+                                </p:cTn>
+                              </p:par>
+                            </p:childTnLst>
+                          </p:cTn>
+                        </p:par>
+                      </p:childTnLst>
+                    </p:cTn>
+                  </p:par>
+                </p:childTnLst>
+              </p:cTn>
+              <p:prevCondLst>
+                <p:cond evt="onPrev">
+                  <p:tgtEl>
+                    <p:sldTgt/>
+                  </p:tgtEl>
+                </p:cond>
+              </p:prevCondLst>
+              <p:nextCondLst>
+                <p:cond evt="onNext">
+                  <p:tgtEl>
+                    <p:sldTgt/>
+                  </p:tgtEl>
+                </p:cond>
+              </p:nextCondLst>
+            </p:seq>
+          </p:childTnLst>
+        </p:cTn>
+      </p:par>
+    </p:tnLst>
+  </p:timing>
+</p:sld>
+</file>
+
+<file path=ppt/slides/slide12.xml><?xml version="1.0" encoding="utf-8"?>
+<p:sld xmlns:a="http://schemas.openxmlformats.org/drawingml/2006/main" xmlns:r="http://schemas.openxmlformats.org/officeDocument/2006/relationships" xmlns:mc="http://schemas.openxmlformats.org/markup-compatibility/2006" xmlns:mv="urn:schemas-microsoft-com:mac:vml" xmlns:p="http://schemas.openxmlformats.org/presentationml/2006/main" xmlns:c="http://schemas.openxmlformats.org/drawingml/2006/chart" xmlns:dgm="http://schemas.openxmlformats.org/drawingml/2006/diagram" xmlns:o="urn:schemas-microsoft-com:office:office" xmlns:v="urn:schemas-microsoft-com:vml" xmlns:pvml="urn:schemas-microsoft-com:office:powerpoint" xmlns:com="http://schemas.openxmlformats.org/drawingml/2006/compatibility" xmlns:p14="http://schemas.microsoft.com/office/powerpoint/2010/main" xmlns:p15="http://schemas.microsoft.com/office/powerpoint/2012/main" xmlns:ahyp="http://schemas.microsoft.com/office/drawing/2018/hyperlinkcolor">
+  <p:cSld>
+    <p:spTree>
+      <p:nvGrpSpPr>
+        <p:cNvPr id="287" name="Shape 287"/>
+        <p:cNvGrpSpPr/>
+        <p:nvPr/>
+      </p:nvGrpSpPr>
+      <p:grpSpPr>
+        <a:xfrm>
+          <a:off x="0" y="0"/>
+          <a:ext cx="0" cy="0"/>
+          <a:chOff x="0" y="0"/>
+          <a:chExt cx="0" cy="0"/>
+        </a:xfrm>
+      </p:grpSpPr>
+      <p:sp>
+        <p:nvSpPr>
+          <p:cNvPr id="288" name="Google Shape;288;p24"/>
+          <p:cNvSpPr txBox="1"/>
+          <p:nvPr>
+            <p:ph type="title"/>
+          </p:nvPr>
+        </p:nvSpPr>
+        <p:spPr>
+          <a:xfrm>
+            <a:off x="1701625" y="205675"/>
+            <a:ext cx="5794200" cy="623400"/>
+          </a:xfrm>
+          <a:prstGeom prst="rect">
+            <a:avLst/>
+          </a:prstGeom>
+          <a:noFill/>
+          <a:ln>
+            <a:noFill/>
+          </a:ln>
+        </p:spPr>
+        <p:txBody>
+          <a:bodyPr anchorCtr="0" anchor="t" bIns="91425" lIns="91425" spcFirstLastPara="1" rIns="91425" wrap="square" tIns="91425">
+            <a:noAutofit/>
+          </a:bodyPr>
+          <a:lstStyle/>
+          <a:p>
+            <a:pPr indent="0" lvl="0" marL="0" rtl="0" algn="ctr">
+              <a:lnSpc>
+                <a:spcPct val="100000"/>
+              </a:lnSpc>
+              <a:spcBef>
+                <a:spcPts val="0"/>
+              </a:spcBef>
+              <a:spcAft>
+                <a:spcPts val="0"/>
+              </a:spcAft>
+              <a:buClr>
+                <a:schemeClr val="accent6"/>
+              </a:buClr>
+              <a:buSzPts val="1100"/>
+              <a:buFont typeface="Arial"/>
+              <a:buNone/>
+            </a:pPr>
+            <a:r>
+              <a:rPr lang="en">
+                <a:solidFill>
+                  <a:schemeClr val="accent6"/>
+                </a:solidFill>
+              </a:rPr>
+              <a:t>BLOGS</a:t>
+            </a:r>
+            <a:endParaRPr/>
+          </a:p>
+        </p:txBody>
+      </p:sp>
+      <p:sp>
+        <p:nvSpPr>
+          <p:cNvPr id="289" name="Google Shape;289;p24"/>
+          <p:cNvSpPr txBox="1"/>
+          <p:nvPr>
+            <p:ph type="title"/>
+          </p:nvPr>
+        </p:nvSpPr>
+        <p:spPr>
+          <a:xfrm>
+            <a:off x="674950" y="1022600"/>
+            <a:ext cx="7857600" cy="3690000"/>
+          </a:xfrm>
+          <a:prstGeom prst="rect">
+            <a:avLst/>
+          </a:prstGeom>
+          <a:noFill/>
+          <a:ln>
+            <a:noFill/>
+          </a:ln>
+        </p:spPr>
+        <p:txBody>
+          <a:bodyPr anchorCtr="0" anchor="t" bIns="91425" lIns="91425" spcFirstLastPara="1" rIns="91425" wrap="square" tIns="91425">
+            <a:noAutofit/>
+          </a:bodyPr>
+          <a:lstStyle/>
+          <a:p>
+            <a:pPr indent="0" lvl="0" marL="0" rtl="0" algn="l">
+              <a:lnSpc>
+                <a:spcPct val="100000"/>
+              </a:lnSpc>
+              <a:spcBef>
+                <a:spcPts val="0"/>
+              </a:spcBef>
+              <a:spcAft>
+                <a:spcPts val="0"/>
+              </a:spcAft>
+              <a:buClr>
+                <a:schemeClr val="accent6"/>
+              </a:buClr>
+              <a:buSzPts val="1100"/>
+              <a:buFont typeface="Arial"/>
+              <a:buNone/>
+            </a:pPr>
+            <a:r>
+              <a:t/>
+            </a:r>
+            <a:endParaRPr b="0" sz="1900">
+              <a:solidFill>
+                <a:schemeClr val="accent6"/>
+              </a:solidFill>
+              <a:latin typeface="Roboto"/>
+              <a:ea typeface="Roboto"/>
+              <a:cs typeface="Roboto"/>
+              <a:sym typeface="Roboto"/>
+            </a:endParaRPr>
+          </a:p>
+        </p:txBody>
+      </p:sp>
+      <p:pic>
+        <p:nvPicPr>
+          <p:cNvPr id="290" name="Google Shape;290;p24"/>
+          <p:cNvPicPr preferRelativeResize="0"/>
+          <p:nvPr/>
+        </p:nvPicPr>
+        <p:blipFill>
+          <a:blip r:embed="rId3">
+            <a:alphaModFix/>
+          </a:blip>
+          <a:stretch>
+            <a:fillRect/>
+          </a:stretch>
+        </p:blipFill>
+        <p:spPr>
+          <a:xfrm>
+            <a:off x="674950" y="1022600"/>
+            <a:ext cx="7857598" cy="3689999"/>
+          </a:xfrm>
+          <a:prstGeom prst="rect">
+            <a:avLst/>
+          </a:prstGeom>
+          <a:noFill/>
+          <a:ln>
+            <a:noFill/>
+          </a:ln>
+        </p:spPr>
+      </p:pic>
+    </p:spTree>
+  </p:cSld>
+  <p:clrMapOvr>
+    <a:masterClrMapping/>
+  </p:clrMapOvr>
+  <p:timing>
+    <p:tnLst>
+      <p:par>
+        <p:cTn dur="indefinite" nodeType="tmRoot" restart="never">
+          <p:childTnLst>
+            <p:seq concurrent="1" nextAc="seek">
+              <p:cTn dur="indefinite" id="2" nodeType="mainSeq">
+                <p:childTnLst>
+                  <p:par>
+                    <p:cTn fill="hold">
+                      <p:stCondLst>
+                        <p:cond delay="indefinite"/>
+                        <p:cond evt="onBegin" delay="0">
+                          <p:tn val="2"/>
+                        </p:cond>
+                      </p:stCondLst>
+                      <p:childTnLst>
+                        <p:par>
+                          <p:cTn fill="hold">
+                            <p:stCondLst>
+                              <p:cond delay="0"/>
+                            </p:stCondLst>
+                            <p:childTnLst>
+                              <p:par>
+                                <p:cTn fill="hold" nodeType="afterEffect" presetClass="entr" presetID="10" presetSubtype="0">
+                                  <p:stCondLst>
+                                    <p:cond delay="0"/>
+                                  </p:stCondLst>
+                                  <p:childTnLst>
+                                    <p:set>
+                                      <p:cBhvr>
+                                        <p:cTn dur="1" fill="hold">
+                                          <p:stCondLst>
+                                            <p:cond delay="0"/>
+                                          </p:stCondLst>
+                                        </p:cTn>
+                                        <p:tgtEl>
+                                          <p:spTgt spid="288"/>
+                                        </p:tgtEl>
+                                        <p:attrNameLst>
+                                          <p:attrName>style.visibility</p:attrName>
+                                        </p:attrNameLst>
+                                      </p:cBhvr>
+                                      <p:to>
+                                        <p:strVal val="visible"/>
+                                      </p:to>
+                                    </p:set>
+                                    <p:animEffect filter="fade" transition="in">
+                                      <p:cBhvr>
+                                        <p:cTn dur="1000"/>
+                                        <p:tgtEl>
+                                          <p:spTgt spid="288"/>
+                                        </p:tgtEl>
+                                      </p:cBhvr>
+                                    </p:animEffect>
+                                  </p:childTnLst>
+                                </p:cTn>
+                              </p:par>
+                              <p:par>
+                                <p:cTn fill="hold" nodeType="withEffect" presetClass="entr" presetID="10" presetSubtype="0">
+                                  <p:stCondLst>
+                                    <p:cond delay="0"/>
+                                  </p:stCondLst>
+                                  <p:childTnLst>
+                                    <p:set>
+                                      <p:cBhvr>
+                                        <p:cTn dur="1" fill="hold">
+                                          <p:stCondLst>
+                                            <p:cond delay="0"/>
+                                          </p:stCondLst>
+                                        </p:cTn>
+                                        <p:tgtEl>
+                                          <p:spTgt spid="290"/>
+                                        </p:tgtEl>
+                                        <p:attrNameLst>
+                                          <p:attrName>style.visibility</p:attrName>
+                                        </p:attrNameLst>
+                                      </p:cBhvr>
+                                      <p:to>
+                                        <p:strVal val="visible"/>
+                                      </p:to>
+                                    </p:set>
+                                    <p:animEffect filter="fade" transition="in">
+                                      <p:cBhvr>
+                                        <p:cTn dur="1000"/>
+                                        <p:tgtEl>
+                                          <p:spTgt spid="290"/>
+                                        </p:tgtEl>
+                                      </p:cBhvr>
+                                    </p:animEffect>
+                                  </p:childTnLst>
+                                </p:cTn>
+                              </p:par>
+                            </p:childTnLst>
+                          </p:cTn>
+                        </p:par>
+                      </p:childTnLst>
+                    </p:cTn>
+                  </p:par>
+                </p:childTnLst>
+              </p:cTn>
+              <p:prevCondLst>
+                <p:cond evt="onPrev">
+                  <p:tgtEl>
+                    <p:sldTgt/>
+                  </p:tgtEl>
+                </p:cond>
+              </p:prevCondLst>
+              <p:nextCondLst>
+                <p:cond evt="onNext">
+                  <p:tgtEl>
+                    <p:sldTgt/>
+                  </p:tgtEl>
+                </p:cond>
+              </p:nextCondLst>
+            </p:seq>
+          </p:childTnLst>
+        </p:cTn>
+      </p:par>
+    </p:tnLst>
+  </p:timing>
+</p:sld>
+</file>
+
+<file path=ppt/slides/slide13.xml><?xml version="1.0" encoding="utf-8"?>
+<p:sld xmlns:a="http://schemas.openxmlformats.org/drawingml/2006/main" xmlns:r="http://schemas.openxmlformats.org/officeDocument/2006/relationships" xmlns:mc="http://schemas.openxmlformats.org/markup-compatibility/2006" xmlns:mv="urn:schemas-microsoft-com:mac:vml" xmlns:p="http://schemas.openxmlformats.org/presentationml/2006/main" xmlns:c="http://schemas.openxmlformats.org/drawingml/2006/chart" xmlns:dgm="http://schemas.openxmlformats.org/drawingml/2006/diagram" xmlns:o="urn:schemas-microsoft-com:office:office" xmlns:v="urn:schemas-microsoft-com:vml" xmlns:pvml="urn:schemas-microsoft-com:office:powerpoint" xmlns:com="http://schemas.openxmlformats.org/drawingml/2006/compatibility" xmlns:p14="http://schemas.microsoft.com/office/powerpoint/2010/main" xmlns:p15="http://schemas.microsoft.com/office/powerpoint/2012/main" xmlns:ahyp="http://schemas.microsoft.com/office/drawing/2018/hyperlinkcolor">
+  <p:cSld>
+    <p:spTree>
+      <p:nvGrpSpPr>
+        <p:cNvPr id="294" name="Shape 294"/>
+        <p:cNvGrpSpPr/>
+        <p:nvPr/>
+      </p:nvGrpSpPr>
+      <p:grpSpPr>
+        <a:xfrm>
+          <a:off x="0" y="0"/>
+          <a:ext cx="0" cy="0"/>
+          <a:chOff x="0" y="0"/>
+          <a:chExt cx="0" cy="0"/>
+        </a:xfrm>
+      </p:grpSpPr>
+      <p:sp>
+        <p:nvSpPr>
+          <p:cNvPr id="295" name="Google Shape;295;p25"/>
+          <p:cNvSpPr txBox="1"/>
+          <p:nvPr>
+            <p:ph type="title"/>
+          </p:nvPr>
+        </p:nvSpPr>
+        <p:spPr>
+          <a:xfrm>
+            <a:off x="1701625" y="205675"/>
+            <a:ext cx="5794200" cy="623400"/>
+          </a:xfrm>
+          <a:prstGeom prst="rect">
+            <a:avLst/>
+          </a:prstGeom>
+          <a:noFill/>
+          <a:ln>
+            <a:noFill/>
+          </a:ln>
+        </p:spPr>
+        <p:txBody>
+          <a:bodyPr anchorCtr="0" anchor="t" bIns="91425" lIns="91425" spcFirstLastPara="1" rIns="91425" wrap="square" tIns="91425">
+            <a:noAutofit/>
+          </a:bodyPr>
+          <a:lstStyle/>
+          <a:p>
+            <a:pPr indent="0" lvl="0" marL="0" rtl="0" algn="ctr">
+              <a:lnSpc>
+                <a:spcPct val="100000"/>
+              </a:lnSpc>
+              <a:spcBef>
+                <a:spcPts val="0"/>
+              </a:spcBef>
+              <a:spcAft>
+                <a:spcPts val="0"/>
+              </a:spcAft>
+              <a:buClr>
+                <a:schemeClr val="accent6"/>
+              </a:buClr>
+              <a:buSzPts val="1100"/>
+              <a:buFont typeface="Arial"/>
+              <a:buNone/>
+            </a:pPr>
+            <a:r>
+              <a:rPr lang="en">
+                <a:solidFill>
+                  <a:schemeClr val="accent6"/>
+                </a:solidFill>
+              </a:rPr>
+              <a:t>HEALTH CARE </a:t>
+            </a:r>
+            <a:endParaRPr/>
+          </a:p>
+        </p:txBody>
+      </p:sp>
+      <p:sp>
+        <p:nvSpPr>
+          <p:cNvPr id="296" name="Google Shape;296;p25"/>
+          <p:cNvSpPr txBox="1"/>
+          <p:nvPr>
+            <p:ph type="title"/>
+          </p:nvPr>
+        </p:nvSpPr>
+        <p:spPr>
+          <a:xfrm>
+            <a:off x="674950" y="1022600"/>
+            <a:ext cx="7857600" cy="3690000"/>
+          </a:xfrm>
+          <a:prstGeom prst="rect">
+            <a:avLst/>
+          </a:prstGeom>
+          <a:noFill/>
+          <a:ln>
+            <a:noFill/>
+          </a:ln>
+        </p:spPr>
+        <p:txBody>
+          <a:bodyPr anchorCtr="0" anchor="t" bIns="91425" lIns="91425" spcFirstLastPara="1" rIns="91425" wrap="square" tIns="91425">
+            <a:noAutofit/>
+          </a:bodyPr>
+          <a:lstStyle/>
+          <a:p>
+            <a:pPr indent="0" lvl="0" marL="0" rtl="0" algn="l">
+              <a:lnSpc>
+                <a:spcPct val="100000"/>
+              </a:lnSpc>
+              <a:spcBef>
+                <a:spcPts val="0"/>
+              </a:spcBef>
+              <a:spcAft>
+                <a:spcPts val="0"/>
+              </a:spcAft>
+              <a:buClr>
+                <a:schemeClr val="accent6"/>
+              </a:buClr>
+              <a:buSzPts val="1100"/>
+              <a:buFont typeface="Arial"/>
+              <a:buNone/>
+            </a:pPr>
+            <a:r>
+              <a:t/>
+            </a:r>
+            <a:endParaRPr b="0" sz="1900">
+              <a:solidFill>
+                <a:schemeClr val="accent6"/>
+              </a:solidFill>
+              <a:latin typeface="Roboto"/>
+              <a:ea typeface="Roboto"/>
+              <a:cs typeface="Roboto"/>
+              <a:sym typeface="Roboto"/>
+            </a:endParaRPr>
+          </a:p>
+        </p:txBody>
+      </p:sp>
+      <p:pic>
+        <p:nvPicPr>
+          <p:cNvPr id="297" name="Google Shape;297;p25"/>
+          <p:cNvPicPr preferRelativeResize="0"/>
+          <p:nvPr/>
+        </p:nvPicPr>
+        <p:blipFill>
+          <a:blip r:embed="rId3">
+            <a:alphaModFix/>
+          </a:blip>
+          <a:stretch>
+            <a:fillRect/>
+          </a:stretch>
+        </p:blipFill>
+        <p:spPr>
+          <a:xfrm>
+            <a:off x="654400" y="1022600"/>
+            <a:ext cx="7878149" cy="3789200"/>
+          </a:xfrm>
+          <a:prstGeom prst="rect">
+            <a:avLst/>
+          </a:prstGeom>
+          <a:noFill/>
+          <a:ln>
+            <a:noFill/>
+          </a:ln>
+        </p:spPr>
+      </p:pic>
+    </p:spTree>
+  </p:cSld>
+  <p:clrMapOvr>
+    <a:masterClrMapping/>
+  </p:clrMapOvr>
+  <p:timing>
+    <p:tnLst>
+      <p:par>
+        <p:cTn dur="indefinite" nodeType="tmRoot" restart="never">
+          <p:childTnLst>
+            <p:seq concurrent="1" nextAc="seek">
+              <p:cTn dur="indefinite" id="2" nodeType="mainSeq">
+                <p:childTnLst>
+                  <p:par>
+                    <p:cTn fill="hold">
+                      <p:stCondLst>
+                        <p:cond delay="indefinite"/>
+                        <p:cond evt="onBegin" delay="0">
+                          <p:tn val="2"/>
+                        </p:cond>
+                      </p:stCondLst>
+                      <p:childTnLst>
+                        <p:par>
+                          <p:cTn fill="hold">
+                            <p:stCondLst>
+                              <p:cond delay="0"/>
+                            </p:stCondLst>
+                            <p:childTnLst>
+                              <p:par>
+                                <p:cTn fill="hold" nodeType="afterEffect" presetClass="entr" presetID="10" presetSubtype="0">
+                                  <p:stCondLst>
+                                    <p:cond delay="0"/>
+                                  </p:stCondLst>
+                                  <p:childTnLst>
+                                    <p:set>
+                                      <p:cBhvr>
+                                        <p:cTn dur="1" fill="hold">
+                                          <p:stCondLst>
+                                            <p:cond delay="0"/>
+                                          </p:stCondLst>
+                                        </p:cTn>
+                                        <p:tgtEl>
+                                          <p:spTgt spid="295"/>
+                                        </p:tgtEl>
+                                        <p:attrNameLst>
+                                          <p:attrName>style.visibility</p:attrName>
+                                        </p:attrNameLst>
+                                      </p:cBhvr>
+                                      <p:to>
+                                        <p:strVal val="visible"/>
+                                      </p:to>
+                                    </p:set>
+                                    <p:animEffect filter="fade" transition="in">
+                                      <p:cBhvr>
+                                        <p:cTn dur="1000"/>
+                                        <p:tgtEl>
+                                          <p:spTgt spid="295"/>
+                                        </p:tgtEl>
+                                      </p:cBhvr>
+                                    </p:animEffect>
+                                  </p:childTnLst>
+                                </p:cTn>
+                              </p:par>
+                              <p:par>
+                                <p:cTn fill="hold" nodeType="withEffect" presetClass="entr" presetID="10" presetSubtype="0">
+                                  <p:stCondLst>
+                                    <p:cond delay="0"/>
+                                  </p:stCondLst>
+                                  <p:childTnLst>
+                                    <p:set>
+                                      <p:cBhvr>
+                                        <p:cTn dur="1" fill="hold">
+                                          <p:stCondLst>
+                                            <p:cond delay="0"/>
+                                          </p:stCondLst>
+                                        </p:cTn>
+                                        <p:tgtEl>
+                                          <p:spTgt spid="297"/>
+                                        </p:tgtEl>
+                                        <p:attrNameLst>
+                                          <p:attrName>style.visibility</p:attrName>
+                                        </p:attrNameLst>
+                                      </p:cBhvr>
+                                      <p:to>
+                                        <p:strVal val="visible"/>
+                                      </p:to>
+                                    </p:set>
+                                    <p:animEffect filter="fade" transition="in">
+                                      <p:cBhvr>
+                                        <p:cTn dur="1000"/>
+                                        <p:tgtEl>
+                                          <p:spTgt spid="297"/>
+                                        </p:tgtEl>
+                                      </p:cBhvr>
+                                    </p:animEffect>
+                                  </p:childTnLst>
+                                </p:cTn>
+                              </p:par>
+                            </p:childTnLst>
+                          </p:cTn>
+                        </p:par>
+                      </p:childTnLst>
+                    </p:cTn>
+                  </p:par>
+                </p:childTnLst>
+              </p:cTn>
+              <p:prevCondLst>
+                <p:cond evt="onPrev">
+                  <p:tgtEl>
+                    <p:sldTgt/>
+                  </p:tgtEl>
+                </p:cond>
+              </p:prevCondLst>
+              <p:nextCondLst>
+                <p:cond evt="onNext">
+                  <p:tgtEl>
+                    <p:sldTgt/>
+                  </p:tgtEl>
+                </p:cond>
+              </p:nextCondLst>
+            </p:seq>
+          </p:childTnLst>
+        </p:cTn>
+      </p:par>
+    </p:tnLst>
+  </p:timing>
+</p:sld>
+</file>
+
+<file path=ppt/slides/slide14.xml><?xml version="1.0" encoding="utf-8"?>
+<p:sld xmlns:a="http://schemas.openxmlformats.org/drawingml/2006/main" xmlns:r="http://schemas.openxmlformats.org/officeDocument/2006/relationships" xmlns:mc="http://schemas.openxmlformats.org/markup-compatibility/2006" xmlns:mv="urn:schemas-microsoft-com:mac:vml" xmlns:p="http://schemas.openxmlformats.org/presentationml/2006/main" xmlns:c="http://schemas.openxmlformats.org/drawingml/2006/chart" xmlns:dgm="http://schemas.openxmlformats.org/drawingml/2006/diagram" xmlns:o="urn:schemas-microsoft-com:office:office" xmlns:v="urn:schemas-microsoft-com:vml" xmlns:pvml="urn:schemas-microsoft-com:office:powerpoint" xmlns:com="http://schemas.openxmlformats.org/drawingml/2006/compatibility" xmlns:p14="http://schemas.microsoft.com/office/powerpoint/2010/main" xmlns:p15="http://schemas.microsoft.com/office/powerpoint/2012/main" xmlns:ahyp="http://schemas.microsoft.com/office/drawing/2018/hyperlinkcolor">
+  <p:cSld>
+    <p:spTree>
+      <p:nvGrpSpPr>
+        <p:cNvPr id="301" name="Shape 301"/>
+        <p:cNvGrpSpPr/>
+        <p:nvPr/>
+      </p:nvGrpSpPr>
+      <p:grpSpPr>
+        <a:xfrm>
+          <a:off x="0" y="0"/>
+          <a:ext cx="0" cy="0"/>
+          <a:chOff x="0" y="0"/>
+          <a:chExt cx="0" cy="0"/>
+        </a:xfrm>
+      </p:grpSpPr>
+      <p:sp>
+        <p:nvSpPr>
+          <p:cNvPr id="302" name="Google Shape;302;p26"/>
+          <p:cNvSpPr txBox="1"/>
+          <p:nvPr>
+            <p:ph type="title"/>
+          </p:nvPr>
+        </p:nvSpPr>
+        <p:spPr>
+          <a:xfrm>
+            <a:off x="1701625" y="205675"/>
+            <a:ext cx="5794200" cy="623400"/>
+          </a:xfrm>
+          <a:prstGeom prst="rect">
+            <a:avLst/>
+          </a:prstGeom>
+          <a:noFill/>
+          <a:ln>
+            <a:noFill/>
+          </a:ln>
+        </p:spPr>
+        <p:txBody>
+          <a:bodyPr anchorCtr="0" anchor="t" bIns="91425" lIns="91425" spcFirstLastPara="1" rIns="91425" wrap="square" tIns="91425">
+            <a:noAutofit/>
+          </a:bodyPr>
+          <a:lstStyle/>
+          <a:p>
+            <a:pPr indent="0" lvl="0" marL="0" rtl="0" algn="ctr">
+              <a:lnSpc>
+                <a:spcPct val="100000"/>
+              </a:lnSpc>
+              <a:spcBef>
+                <a:spcPts val="0"/>
+              </a:spcBef>
+              <a:spcAft>
+                <a:spcPts val="0"/>
+              </a:spcAft>
+              <a:buClr>
+                <a:schemeClr val="accent6"/>
+              </a:buClr>
+              <a:buSzPts val="1100"/>
+              <a:buFont typeface="Arial"/>
+              <a:buNone/>
+            </a:pPr>
+            <a:r>
+              <a:rPr lang="en">
+                <a:solidFill>
+                  <a:schemeClr val="accent6"/>
+                </a:solidFill>
+              </a:rPr>
+              <a:t>LIVE TRACKER</a:t>
+            </a:r>
+            <a:endParaRPr/>
+          </a:p>
+        </p:txBody>
+      </p:sp>
+      <p:sp>
+        <p:nvSpPr>
+          <p:cNvPr id="303" name="Google Shape;303;p26"/>
+          <p:cNvSpPr txBox="1"/>
+          <p:nvPr>
+            <p:ph type="title"/>
+          </p:nvPr>
+        </p:nvSpPr>
+        <p:spPr>
+          <a:xfrm>
+            <a:off x="674950" y="1022600"/>
+            <a:ext cx="7857600" cy="3690000"/>
+          </a:xfrm>
+          <a:prstGeom prst="rect">
+            <a:avLst/>
+          </a:prstGeom>
+          <a:noFill/>
+          <a:ln>
+            <a:noFill/>
+          </a:ln>
+        </p:spPr>
+        <p:txBody>
+          <a:bodyPr anchorCtr="0" anchor="t" bIns="91425" lIns="91425" spcFirstLastPara="1" rIns="91425" wrap="square" tIns="91425">
+            <a:noAutofit/>
+          </a:bodyPr>
+          <a:lstStyle/>
+          <a:p>
+            <a:pPr indent="0" lvl="0" marL="0" rtl="0" algn="l">
+              <a:lnSpc>
+                <a:spcPct val="100000"/>
+              </a:lnSpc>
+              <a:spcBef>
+                <a:spcPts val="0"/>
+              </a:spcBef>
+              <a:spcAft>
+                <a:spcPts val="0"/>
+              </a:spcAft>
+              <a:buClr>
+                <a:schemeClr val="accent6"/>
+              </a:buClr>
+              <a:buSzPts val="1100"/>
+              <a:buFont typeface="Arial"/>
+              <a:buNone/>
+            </a:pPr>
+            <a:r>
+              <a:t/>
+            </a:r>
+            <a:endParaRPr b="0" sz="1900">
+              <a:solidFill>
+                <a:schemeClr val="accent6"/>
+              </a:solidFill>
+              <a:latin typeface="Roboto"/>
+              <a:ea typeface="Roboto"/>
+              <a:cs typeface="Roboto"/>
+              <a:sym typeface="Roboto"/>
+            </a:endParaRPr>
+          </a:p>
+        </p:txBody>
+      </p:sp>
+      <p:pic>
+        <p:nvPicPr>
+          <p:cNvPr id="304" name="Google Shape;304;p26"/>
+          <p:cNvPicPr preferRelativeResize="0"/>
+          <p:nvPr/>
+        </p:nvPicPr>
+        <p:blipFill>
+          <a:blip r:embed="rId3">
+            <a:alphaModFix/>
+          </a:blip>
+          <a:stretch>
+            <a:fillRect/>
+          </a:stretch>
+        </p:blipFill>
+        <p:spPr>
+          <a:xfrm>
+            <a:off x="560937" y="991275"/>
+            <a:ext cx="8022125" cy="3752651"/>
+          </a:xfrm>
+          <a:prstGeom prst="rect">
+            <a:avLst/>
+          </a:prstGeom>
+          <a:noFill/>
+          <a:ln>
+            <a:noFill/>
+          </a:ln>
+        </p:spPr>
+      </p:pic>
+    </p:spTree>
+  </p:cSld>
+  <p:clrMapOvr>
+    <a:masterClrMapping/>
+  </p:clrMapOvr>
+  <p:timing>
+    <p:tnLst>
+      <p:par>
+        <p:cTn dur="indefinite" nodeType="tmRoot" restart="never">
+          <p:childTnLst>
+            <p:seq concurrent="1" nextAc="seek">
+              <p:cTn dur="indefinite" id="2" nodeType="mainSeq">
+                <p:childTnLst>
+                  <p:par>
+                    <p:cTn fill="hold">
+                      <p:stCondLst>
+                        <p:cond delay="indefinite"/>
+                        <p:cond evt="onBegin" delay="0">
+                          <p:tn val="2"/>
+                        </p:cond>
+                      </p:stCondLst>
+                      <p:childTnLst>
+                        <p:par>
+                          <p:cTn fill="hold">
+                            <p:stCondLst>
+                              <p:cond delay="0"/>
+                            </p:stCondLst>
+                            <p:childTnLst>
+                              <p:par>
+                                <p:cTn fill="hold" nodeType="afterEffect" presetClass="entr" presetID="10" presetSubtype="0">
+                                  <p:stCondLst>
+                                    <p:cond delay="0"/>
+                                  </p:stCondLst>
+                                  <p:childTnLst>
+                                    <p:set>
+                                      <p:cBhvr>
+                                        <p:cTn dur="1" fill="hold">
+                                          <p:stCondLst>
+                                            <p:cond delay="0"/>
+                                          </p:stCondLst>
+                                        </p:cTn>
+                                        <p:tgtEl>
+                                          <p:spTgt spid="302"/>
+                                        </p:tgtEl>
+                                        <p:attrNameLst>
+                                          <p:attrName>style.visibility</p:attrName>
+                                        </p:attrNameLst>
+                                      </p:cBhvr>
+                                      <p:to>
+                                        <p:strVal val="visible"/>
+                                      </p:to>
+                                    </p:set>
+                                    <p:animEffect filter="fade" transition="in">
+                                      <p:cBhvr>
+                                        <p:cTn dur="1000"/>
+                                        <p:tgtEl>
+                                          <p:spTgt spid="302"/>
+                                        </p:tgtEl>
+                                      </p:cBhvr>
+                                    </p:animEffect>
+                                  </p:childTnLst>
+                                </p:cTn>
+                              </p:par>
+                              <p:par>
+                                <p:cTn fill="hold" nodeType="withEffect" presetClass="entr" presetID="10" presetSubtype="0">
+                                  <p:stCondLst>
+                                    <p:cond delay="0"/>
+                                  </p:stCondLst>
+                                  <p:childTnLst>
+                                    <p:set>
+                                      <p:cBhvr>
+                                        <p:cTn dur="1" fill="hold">
+                                          <p:stCondLst>
+                                            <p:cond delay="0"/>
+                                          </p:stCondLst>
+                                        </p:cTn>
+                                        <p:tgtEl>
+                                          <p:spTgt spid="304"/>
+                                        </p:tgtEl>
+                                        <p:attrNameLst>
+                                          <p:attrName>style.visibility</p:attrName>
+                                        </p:attrNameLst>
+                                      </p:cBhvr>
+                                      <p:to>
+                                        <p:strVal val="visible"/>
+                                      </p:to>
+                                    </p:set>
+                                    <p:animEffect filter="fade" transition="in">
+                                      <p:cBhvr>
+                                        <p:cTn dur="1000"/>
+                                        <p:tgtEl>
+                                          <p:spTgt spid="304"/>
+                                        </p:tgtEl>
+                                      </p:cBhvr>
+                                    </p:animEffect>
+                                  </p:childTnLst>
+                                </p:cTn>
+                              </p:par>
+                            </p:childTnLst>
+                          </p:cTn>
+                        </p:par>
+                      </p:childTnLst>
+                    </p:cTn>
+                  </p:par>
+                </p:childTnLst>
+              </p:cTn>
+              <p:prevCondLst>
+                <p:cond evt="onPrev">
+                  <p:tgtEl>
+                    <p:sldTgt/>
+                  </p:tgtEl>
+                </p:cond>
+              </p:prevCondLst>
+              <p:nextCondLst>
+                <p:cond evt="onNext">
+                  <p:tgtEl>
+                    <p:sldTgt/>
+                  </p:tgtEl>
+                </p:cond>
+              </p:nextCondLst>
+            </p:seq>
+          </p:childTnLst>
+        </p:cTn>
+      </p:par>
+    </p:tnLst>
+  </p:timing>
+</p:sld>
+</file>
+
+<file path=ppt/slides/slide15.xml><?xml version="1.0" encoding="utf-8"?>
+<p:sld xmlns:a="http://schemas.openxmlformats.org/drawingml/2006/main" xmlns:r="http://schemas.openxmlformats.org/officeDocument/2006/relationships" xmlns:mc="http://schemas.openxmlformats.org/markup-compatibility/2006" xmlns:mv="urn:schemas-microsoft-com:mac:vml" xmlns:p="http://schemas.openxmlformats.org/presentationml/2006/main" xmlns:c="http://schemas.openxmlformats.org/drawingml/2006/chart" xmlns:dgm="http://schemas.openxmlformats.org/drawingml/2006/diagram" xmlns:o="urn:schemas-microsoft-com:office:office" xmlns:v="urn:schemas-microsoft-com:vml" xmlns:pvml="urn:schemas-microsoft-com:office:powerpoint" xmlns:com="http://schemas.openxmlformats.org/drawingml/2006/compatibility" xmlns:p14="http://schemas.microsoft.com/office/powerpoint/2010/main" xmlns:p15="http://schemas.microsoft.com/office/powerpoint/2012/main" xmlns:ahyp="http://schemas.microsoft.com/office/drawing/2018/hyperlinkcolor">
+  <p:cSld>
+    <p:spTree>
+      <p:nvGrpSpPr>
+        <p:cNvPr id="308" name="Shape 308"/>
+        <p:cNvGrpSpPr/>
+        <p:nvPr/>
+      </p:nvGrpSpPr>
+      <p:grpSpPr>
+        <a:xfrm>
+          <a:off x="0" y="0"/>
+          <a:ext cx="0" cy="0"/>
+          <a:chOff x="0" y="0"/>
+          <a:chExt cx="0" cy="0"/>
+        </a:xfrm>
+      </p:grpSpPr>
+      <p:sp>
+        <p:nvSpPr>
+          <p:cNvPr id="309" name="Google Shape;309;p27"/>
           <p:cNvSpPr/>
           <p:nvPr/>
         </p:nvSpPr>
@@ -11252,7 +13313,7 @@
       </p:sp>
       <p:sp>
         <p:nvSpPr>
-          <p:cNvPr id="282" name="Google Shape;282;p23"/>
+          <p:cNvPr id="310" name="Google Shape;310;p27"/>
           <p:cNvSpPr/>
           <p:nvPr/>
         </p:nvSpPr>
@@ -11350,7 +13411,7 @@
       </p:sp>
       <p:sp>
         <p:nvSpPr>
-          <p:cNvPr id="283" name="Google Shape;283;p23"/>
+          <p:cNvPr id="311" name="Google Shape;311;p27"/>
           <p:cNvSpPr/>
           <p:nvPr/>
         </p:nvSpPr>
@@ -11448,7 +13509,7 @@
       </p:sp>
       <p:sp>
         <p:nvSpPr>
-          <p:cNvPr id="284" name="Google Shape;284;p23"/>
+          <p:cNvPr id="312" name="Google Shape;312;p27"/>
           <p:cNvSpPr/>
           <p:nvPr/>
         </p:nvSpPr>
@@ -11546,7 +13607,7 @@
       </p:sp>
       <p:sp>
         <p:nvSpPr>
-          <p:cNvPr id="285" name="Google Shape;285;p23"/>
+          <p:cNvPr id="313" name="Google Shape;313;p27"/>
           <p:cNvSpPr txBox="1"/>
           <p:nvPr>
             <p:ph type="title"/>
@@ -11554,8 +13615,8 @@
         </p:nvSpPr>
         <p:spPr>
           <a:xfrm>
-            <a:off x="2312016" y="205675"/>
-            <a:ext cx="4519800" cy="623400"/>
+            <a:off x="2312025" y="205675"/>
+            <a:ext cx="4624500" cy="1101000"/>
           </a:xfrm>
           <a:prstGeom prst="rect">
             <a:avLst/>
@@ -11589,20 +13650,20 @@
               <a:buNone/>
             </a:pPr>
             <a:r>
-              <a:rPr lang="en">
+              <a:rPr lang="en" sz="4200">
                 <a:solidFill>
                   <a:schemeClr val="accent6"/>
                 </a:solidFill>
               </a:rPr>
               <a:t>Learning Curve</a:t>
             </a:r>
-            <a:endParaRPr/>
+            <a:endParaRPr sz="4200"/>
           </a:p>
         </p:txBody>
       </p:sp>
       <p:sp>
         <p:nvSpPr>
-          <p:cNvPr id="286" name="Google Shape;286;p23"/>
+          <p:cNvPr id="314" name="Google Shape;314;p27"/>
           <p:cNvSpPr txBox="1"/>
           <p:nvPr/>
         </p:nvSpPr>
@@ -11643,16 +13704,7 @@
               <a:buNone/>
             </a:pPr>
             <a:r>
-              <a:rPr b="0" i="0" lang="en" sz="1700" u="none" cap="none" strike="noStrike">
-                <a:solidFill>
-                  <a:schemeClr val="accent1"/>
-                </a:solidFill>
-                <a:latin typeface="Fira Sans Extra Condensed"/>
-                <a:ea typeface="Fira Sans Extra Condensed"/>
-                <a:cs typeface="Fira Sans Extra Condensed"/>
-                <a:sym typeface="Fira Sans Extra Condensed"/>
-              </a:rPr>
-              <a:t>What have you learnt by doing this project?</a:t>
+              <a:t/>
             </a:r>
             <a:endParaRPr b="0" i="0" sz="1700" u="none" cap="none" strike="noStrike">
               <a:solidFill>
@@ -11668,7 +13720,7 @@
       </p:sp>
       <p:sp>
         <p:nvSpPr>
-          <p:cNvPr id="287" name="Google Shape;287;p23"/>
+          <p:cNvPr id="315" name="Google Shape;315;p27"/>
           <p:cNvSpPr/>
           <p:nvPr/>
         </p:nvSpPr>
@@ -11755,7 +13807,7 @@
       </p:sp>
       <p:sp>
         <p:nvSpPr>
-          <p:cNvPr id="288" name="Google Shape;288;p23"/>
+          <p:cNvPr id="316" name="Google Shape;316;p27"/>
           <p:cNvSpPr/>
           <p:nvPr/>
         </p:nvSpPr>
@@ -11842,7 +13894,7 @@
       </p:sp>
       <p:sp>
         <p:nvSpPr>
-          <p:cNvPr id="289" name="Google Shape;289;p23"/>
+          <p:cNvPr id="317" name="Google Shape;317;p27"/>
           <p:cNvSpPr/>
           <p:nvPr/>
         </p:nvSpPr>
@@ -11933,7 +13985,7 @@
       </p:sp>
       <p:sp>
         <p:nvSpPr>
-          <p:cNvPr id="290" name="Google Shape;290;p23"/>
+          <p:cNvPr id="318" name="Google Shape;318;p27"/>
           <p:cNvSpPr/>
           <p:nvPr/>
         </p:nvSpPr>
@@ -12024,7 +14076,7 @@
       </p:sp>
       <p:sp>
         <p:nvSpPr>
-          <p:cNvPr id="291" name="Google Shape;291;p23"/>
+          <p:cNvPr id="319" name="Google Shape;319;p27"/>
           <p:cNvSpPr/>
           <p:nvPr/>
         </p:nvSpPr>
@@ -12097,7 +14149,7 @@
       </p:sp>
       <p:sp>
         <p:nvSpPr>
-          <p:cNvPr id="292" name="Google Shape;292;p23"/>
+          <p:cNvPr id="320" name="Google Shape;320;p27"/>
           <p:cNvSpPr/>
           <p:nvPr/>
         </p:nvSpPr>
@@ -12184,7 +14236,7 @@
       </p:sp>
       <p:sp>
         <p:nvSpPr>
-          <p:cNvPr id="293" name="Google Shape;293;p23"/>
+          <p:cNvPr id="321" name="Google Shape;321;p27"/>
           <p:cNvSpPr/>
           <p:nvPr/>
         </p:nvSpPr>
@@ -12271,7 +14323,7 @@
       </p:sp>
       <p:sp>
         <p:nvSpPr>
-          <p:cNvPr id="294" name="Google Shape;294;p23"/>
+          <p:cNvPr id="322" name="Google Shape;322;p27"/>
           <p:cNvSpPr/>
           <p:nvPr/>
         </p:nvSpPr>
@@ -12362,7 +14414,7 @@
       </p:sp>
       <p:sp>
         <p:nvSpPr>
-          <p:cNvPr id="295" name="Google Shape;295;p23"/>
+          <p:cNvPr id="323" name="Google Shape;323;p27"/>
           <p:cNvSpPr/>
           <p:nvPr/>
         </p:nvSpPr>
@@ -12448,7 +14500,7 @@
       </p:sp>
       <p:sp>
         <p:nvSpPr>
-          <p:cNvPr id="296" name="Google Shape;296;p23"/>
+          <p:cNvPr id="324" name="Google Shape;324;p27"/>
           <p:cNvSpPr/>
           <p:nvPr/>
         </p:nvSpPr>
@@ -12539,7 +14591,7 @@
       </p:sp>
       <p:sp>
         <p:nvSpPr>
-          <p:cNvPr id="297" name="Google Shape;297;p23"/>
+          <p:cNvPr id="325" name="Google Shape;325;p27"/>
           <p:cNvSpPr/>
           <p:nvPr/>
         </p:nvSpPr>
@@ -12612,7 +14664,7 @@
       </p:sp>
       <p:sp>
         <p:nvSpPr>
-          <p:cNvPr id="298" name="Google Shape;298;p23"/>
+          <p:cNvPr id="326" name="Google Shape;326;p27"/>
           <p:cNvSpPr/>
           <p:nvPr/>
         </p:nvSpPr>
@@ -12699,7 +14751,7 @@
       </p:sp>
       <p:sp>
         <p:nvSpPr>
-          <p:cNvPr id="299" name="Google Shape;299;p23"/>
+          <p:cNvPr id="327" name="Google Shape;327;p27"/>
           <p:cNvSpPr/>
           <p:nvPr/>
         </p:nvSpPr>
@@ -12786,7 +14838,7 @@
       </p:sp>
       <p:sp>
         <p:nvSpPr>
-          <p:cNvPr id="300" name="Google Shape;300;p23"/>
+          <p:cNvPr id="328" name="Google Shape;328;p27"/>
           <p:cNvSpPr/>
           <p:nvPr/>
         </p:nvSpPr>
@@ -12877,7 +14929,7 @@
       </p:sp>
       <p:sp>
         <p:nvSpPr>
-          <p:cNvPr id="301" name="Google Shape;301;p23"/>
+          <p:cNvPr id="329" name="Google Shape;329;p27"/>
           <p:cNvSpPr/>
           <p:nvPr/>
         </p:nvSpPr>
@@ -12968,7 +15020,7 @@
       </p:sp>
       <p:sp>
         <p:nvSpPr>
-          <p:cNvPr id="302" name="Google Shape;302;p23"/>
+          <p:cNvPr id="330" name="Google Shape;330;p27"/>
           <p:cNvSpPr/>
           <p:nvPr/>
         </p:nvSpPr>
@@ -13041,7 +15093,7 @@
       </p:sp>
       <p:sp>
         <p:nvSpPr>
-          <p:cNvPr id="303" name="Google Shape;303;p23"/>
+          <p:cNvPr id="331" name="Google Shape;331;p27"/>
           <p:cNvSpPr/>
           <p:nvPr/>
         </p:nvSpPr>
@@ -13128,7 +15180,7 @@
       </p:sp>
       <p:sp>
         <p:nvSpPr>
-          <p:cNvPr id="304" name="Google Shape;304;p23"/>
+          <p:cNvPr id="332" name="Google Shape;332;p27"/>
           <p:cNvSpPr/>
           <p:nvPr/>
         </p:nvSpPr>
@@ -13215,7 +15267,7 @@
       </p:sp>
       <p:sp>
         <p:nvSpPr>
-          <p:cNvPr id="305" name="Google Shape;305;p23"/>
+          <p:cNvPr id="333" name="Google Shape;333;p27"/>
           <p:cNvSpPr/>
           <p:nvPr/>
         </p:nvSpPr>
@@ -13306,7 +15358,7 @@
       </p:sp>
       <p:sp>
         <p:nvSpPr>
-          <p:cNvPr id="306" name="Google Shape;306;p23"/>
+          <p:cNvPr id="334" name="Google Shape;334;p27"/>
           <p:cNvSpPr/>
           <p:nvPr/>
         </p:nvSpPr>
@@ -13379,7 +15431,7 @@
       </p:sp>
       <p:sp>
         <p:nvSpPr>
-          <p:cNvPr id="307" name="Google Shape;307;p23"/>
+          <p:cNvPr id="335" name="Google Shape;335;p27"/>
           <p:cNvSpPr/>
           <p:nvPr/>
         </p:nvSpPr>
@@ -13452,94 +15504,7 @@
       </p:sp>
       <p:sp>
         <p:nvSpPr>
-          <p:cNvPr id="308" name="Google Shape;308;p23"/>
-          <p:cNvSpPr/>
-          <p:nvPr/>
-        </p:nvSpPr>
-        <p:spPr>
-          <a:xfrm>
-            <a:off x="457200" y="1020400"/>
-            <a:ext cx="173305" cy="173258"/>
-          </a:xfrm>
-          <a:custGeom>
-            <a:rect b="b" l="l" r="r" t="t"/>
-            <a:pathLst>
-              <a:path extrusionOk="0" h="3683" w="3684">
-                <a:moveTo>
-                  <a:pt x="1841" y="0"/>
-                </a:moveTo>
-                <a:cubicBezTo>
-                  <a:pt x="823" y="0"/>
-                  <a:pt x="0" y="823"/>
-                  <a:pt x="0" y="1841"/>
-                </a:cubicBezTo>
-                <a:cubicBezTo>
-                  <a:pt x="0" y="2859"/>
-                  <a:pt x="823" y="3683"/>
-                  <a:pt x="1841" y="3683"/>
-                </a:cubicBezTo>
-                <a:cubicBezTo>
-                  <a:pt x="2859" y="3683"/>
-                  <a:pt x="3683" y="2859"/>
-                  <a:pt x="3683" y="1841"/>
-                </a:cubicBezTo>
-                <a:cubicBezTo>
-                  <a:pt x="3683" y="823"/>
-                  <a:pt x="2859" y="0"/>
-                  <a:pt x="1841" y="0"/>
-                </a:cubicBezTo>
-                <a:close/>
-              </a:path>
-            </a:pathLst>
-          </a:custGeom>
-          <a:solidFill>
-            <a:schemeClr val="accent1"/>
-          </a:solidFill>
-          <a:ln>
-            <a:noFill/>
-          </a:ln>
-        </p:spPr>
-        <p:txBody>
-          <a:bodyPr anchorCtr="0" anchor="ctr" bIns="91425" lIns="91425" spcFirstLastPara="1" rIns="91425" wrap="square" tIns="91425">
-            <a:noAutofit/>
-          </a:bodyPr>
-          <a:lstStyle/>
-          <a:p>
-            <a:pPr indent="0" lvl="0" marL="0" marR="0" rtl="0" algn="l">
-              <a:lnSpc>
-                <a:spcPct val="100000"/>
-              </a:lnSpc>
-              <a:spcBef>
-                <a:spcPts val="0"/>
-              </a:spcBef>
-              <a:spcAft>
-                <a:spcPts val="0"/>
-              </a:spcAft>
-              <a:buClr>
-                <a:srgbClr val="000000"/>
-              </a:buClr>
-              <a:buSzPts val="1400"/>
-              <a:buFont typeface="Arial"/>
-              <a:buNone/>
-            </a:pPr>
-            <a:r>
-              <a:t/>
-            </a:r>
-            <a:endParaRPr b="0" i="0" sz="1400" u="none" cap="none" strike="noStrike">
-              <a:solidFill>
-                <a:srgbClr val="000000"/>
-              </a:solidFill>
-              <a:latin typeface="Arial"/>
-              <a:ea typeface="Arial"/>
-              <a:cs typeface="Arial"/>
-              <a:sym typeface="Arial"/>
-            </a:endParaRPr>
-          </a:p>
-        </p:txBody>
-      </p:sp>
-      <p:sp>
-        <p:nvSpPr>
-          <p:cNvPr id="309" name="Google Shape;309;p23"/>
+          <p:cNvPr id="336" name="Google Shape;336;p27"/>
           <p:cNvSpPr txBox="1"/>
           <p:nvPr/>
         </p:nvSpPr>
@@ -13605,7 +15570,7 @@
       </p:sp>
       <p:sp>
         <p:nvSpPr>
-          <p:cNvPr id="310" name="Google Shape;310;p23"/>
+          <p:cNvPr id="337" name="Google Shape;337;p27"/>
           <p:cNvSpPr txBox="1"/>
           <p:nvPr/>
         </p:nvSpPr>
@@ -13671,7 +15636,7 @@
       </p:sp>
       <p:sp>
         <p:nvSpPr>
-          <p:cNvPr id="311" name="Google Shape;311;p23"/>
+          <p:cNvPr id="338" name="Google Shape;338;p27"/>
           <p:cNvSpPr txBox="1"/>
           <p:nvPr/>
         </p:nvSpPr>
@@ -13737,7 +15702,7 @@
       </p:sp>
       <p:sp>
         <p:nvSpPr>
-          <p:cNvPr id="312" name="Google Shape;312;p23"/>
+          <p:cNvPr id="339" name="Google Shape;339;p27"/>
           <p:cNvSpPr txBox="1"/>
           <p:nvPr/>
         </p:nvSpPr>
@@ -13803,7 +15768,7 @@
       </p:sp>
       <p:grpSp>
         <p:nvGrpSpPr>
-          <p:cNvPr id="313" name="Google Shape;313;p23"/>
+          <p:cNvPr id="340" name="Google Shape;340;p27"/>
           <p:cNvGrpSpPr/>
           <p:nvPr/>
         </p:nvGrpSpPr>
@@ -13817,7 +15782,7 @@
         </p:grpSpPr>
         <p:sp>
           <p:nvSpPr>
-            <p:cNvPr id="314" name="Google Shape;314;p23"/>
+            <p:cNvPr id="341" name="Google Shape;341;p27"/>
             <p:cNvSpPr txBox="1"/>
             <p:nvPr/>
           </p:nvSpPr>
@@ -13883,7 +15848,7 @@
         </p:sp>
         <p:sp>
           <p:nvSpPr>
-            <p:cNvPr id="315" name="Google Shape;315;p23"/>
+            <p:cNvPr id="342" name="Google Shape;342;p27"/>
             <p:cNvSpPr txBox="1"/>
             <p:nvPr/>
           </p:nvSpPr>
@@ -13957,7 +15922,7 @@
                   <a:cs typeface="Roboto"/>
                   <a:sym typeface="Roboto"/>
                 </a:rPr>
-                <a:t> of tags in HTML5 and how to link images on local drive thru img tag.</a:t>
+                <a:t> of tags in HTML5 and how to link images on local drive through img tag.</a:t>
               </a:r>
               <a:endParaRPr b="0" i="0" sz="1200" u="none" cap="none" strike="noStrike">
                 <a:solidFill>
@@ -13973,7 +15938,7 @@
         </p:sp>
         <p:sp>
           <p:nvSpPr>
-            <p:cNvPr id="316" name="Google Shape;316;p23"/>
+            <p:cNvPr id="343" name="Google Shape;343;p27"/>
             <p:cNvSpPr txBox="1"/>
             <p:nvPr/>
           </p:nvSpPr>
@@ -14040,7 +16005,7 @@
       </p:grpSp>
       <p:grpSp>
         <p:nvGrpSpPr>
-          <p:cNvPr id="317" name="Google Shape;317;p23"/>
+          <p:cNvPr id="344" name="Google Shape;344;p27"/>
           <p:cNvGrpSpPr/>
           <p:nvPr/>
         </p:nvGrpSpPr>
@@ -14054,7 +16019,7 @@
         </p:grpSpPr>
         <p:sp>
           <p:nvSpPr>
-            <p:cNvPr id="318" name="Google Shape;318;p23"/>
+            <p:cNvPr id="345" name="Google Shape;345;p27"/>
             <p:cNvSpPr txBox="1"/>
             <p:nvPr/>
           </p:nvSpPr>
@@ -14120,7 +16085,7 @@
         </p:sp>
         <p:sp>
           <p:nvSpPr>
-            <p:cNvPr id="319" name="Google Shape;319;p23"/>
+            <p:cNvPr id="346" name="Google Shape;346;p27"/>
             <p:cNvSpPr txBox="1"/>
             <p:nvPr/>
           </p:nvSpPr>
@@ -14170,7 +16135,7 @@
                   <a:cs typeface="Roboto"/>
                   <a:sym typeface="Roboto"/>
                 </a:rPr>
-                <a:t>Learned more about menstruation and problems people face due to lack of </a:t>
+                <a:t>Learned more about menstruation and problems that people face due to lack of </a:t>
               </a:r>
               <a:r>
                 <a:rPr lang="en" sz="1200">
@@ -14198,7 +16163,7 @@
         </p:sp>
         <p:sp>
           <p:nvSpPr>
-            <p:cNvPr id="320" name="Google Shape;320;p23"/>
+            <p:cNvPr id="347" name="Google Shape;347;p27"/>
             <p:cNvSpPr txBox="1"/>
             <p:nvPr/>
           </p:nvSpPr>
@@ -14265,7 +16230,7 @@
       </p:grpSp>
       <p:grpSp>
         <p:nvGrpSpPr>
-          <p:cNvPr id="321" name="Google Shape;321;p23"/>
+          <p:cNvPr id="348" name="Google Shape;348;p27"/>
           <p:cNvGrpSpPr/>
           <p:nvPr/>
         </p:nvGrpSpPr>
@@ -14279,7 +16244,7 @@
         </p:grpSpPr>
         <p:sp>
           <p:nvSpPr>
-            <p:cNvPr id="322" name="Google Shape;322;p23"/>
+            <p:cNvPr id="349" name="Google Shape;349;p27"/>
             <p:cNvSpPr txBox="1"/>
             <p:nvPr/>
           </p:nvSpPr>
@@ -14345,7 +16310,7 @@
         </p:sp>
         <p:sp>
           <p:nvSpPr>
-            <p:cNvPr id="323" name="Google Shape;323;p23"/>
+            <p:cNvPr id="350" name="Google Shape;350;p27"/>
             <p:cNvSpPr txBox="1"/>
             <p:nvPr/>
           </p:nvSpPr>
@@ -14442,7 +16407,7 @@
         </p:sp>
         <p:sp>
           <p:nvSpPr>
-            <p:cNvPr id="324" name="Google Shape;324;p23"/>
+            <p:cNvPr id="351" name="Google Shape;351;p27"/>
             <p:cNvSpPr txBox="1"/>
             <p:nvPr/>
           </p:nvSpPr>
@@ -14509,7 +16474,7 @@
       </p:grpSp>
       <p:grpSp>
         <p:nvGrpSpPr>
-          <p:cNvPr id="325" name="Google Shape;325;p23"/>
+          <p:cNvPr id="352" name="Google Shape;352;p27"/>
           <p:cNvGrpSpPr/>
           <p:nvPr/>
         </p:nvGrpSpPr>
@@ -14523,7 +16488,7 @@
         </p:grpSpPr>
         <p:sp>
           <p:nvSpPr>
-            <p:cNvPr id="326" name="Google Shape;326;p23"/>
+            <p:cNvPr id="353" name="Google Shape;353;p27"/>
             <p:cNvSpPr txBox="1"/>
             <p:nvPr/>
           </p:nvSpPr>
@@ -14589,7 +16554,7 @@
         </p:sp>
         <p:sp>
           <p:nvSpPr>
-            <p:cNvPr id="327" name="Google Shape;327;p23"/>
+            <p:cNvPr id="354" name="Google Shape;354;p27"/>
             <p:cNvSpPr txBox="1"/>
             <p:nvPr/>
           </p:nvSpPr>
@@ -14686,7 +16651,7 @@
         </p:sp>
         <p:sp>
           <p:nvSpPr>
-            <p:cNvPr id="328" name="Google Shape;328;p23"/>
+            <p:cNvPr id="355" name="Google Shape;355;p27"/>
             <p:cNvSpPr txBox="1"/>
             <p:nvPr/>
           </p:nvSpPr>
@@ -14756,15 +16721,274 @@
   <p:clrMapOvr>
     <a:masterClrMapping/>
   </p:clrMapOvr>
+  <p:timing>
+    <p:tnLst>
+      <p:par>
+        <p:cTn dur="indefinite" nodeType="tmRoot" restart="never">
+          <p:childTnLst>
+            <p:seq concurrent="1" nextAc="seek">
+              <p:cTn dur="indefinite" id="2" nodeType="mainSeq">
+                <p:childTnLst>
+                  <p:par>
+                    <p:cTn fill="hold">
+                      <p:stCondLst>
+                        <p:cond delay="indefinite"/>
+                      </p:stCondLst>
+                      <p:childTnLst>
+                        <p:par>
+                          <p:cTn fill="hold">
+                            <p:stCondLst>
+                              <p:cond delay="0"/>
+                            </p:stCondLst>
+                            <p:childTnLst>
+                              <p:par>
+                                <p:cTn fill="hold" nodeType="clickEffect" presetClass="entr" presetID="10" presetSubtype="0">
+                                  <p:stCondLst>
+                                    <p:cond delay="0"/>
+                                  </p:stCondLst>
+                                  <p:childTnLst>
+                                    <p:set>
+                                      <p:cBhvr>
+                                        <p:cTn dur="1" fill="hold">
+                                          <p:stCondLst>
+                                            <p:cond delay="0"/>
+                                          </p:stCondLst>
+                                        </p:cTn>
+                                        <p:tgtEl>
+                                          <p:spTgt spid="313"/>
+                                        </p:tgtEl>
+                                        <p:attrNameLst>
+                                          <p:attrName>style.visibility</p:attrName>
+                                        </p:attrNameLst>
+                                      </p:cBhvr>
+                                      <p:to>
+                                        <p:strVal val="visible"/>
+                                      </p:to>
+                                    </p:set>
+                                    <p:animEffect filter="fade" transition="in">
+                                      <p:cBhvr>
+                                        <p:cTn dur="1000"/>
+                                        <p:tgtEl>
+                                          <p:spTgt spid="313"/>
+                                        </p:tgtEl>
+                                      </p:cBhvr>
+                                    </p:animEffect>
+                                  </p:childTnLst>
+                                </p:cTn>
+                              </p:par>
+                            </p:childTnLst>
+                          </p:cTn>
+                        </p:par>
+                        <p:par>
+                          <p:cTn fill="hold">
+                            <p:stCondLst>
+                              <p:cond delay="1000"/>
+                            </p:stCondLst>
+                            <p:childTnLst>
+                              <p:par>
+                                <p:cTn fill="hold" nodeType="afterEffect" presetClass="entr" presetID="10" presetSubtype="0">
+                                  <p:stCondLst>
+                                    <p:cond delay="0"/>
+                                  </p:stCondLst>
+                                  <p:childTnLst>
+                                    <p:set>
+                                      <p:cBhvr>
+                                        <p:cTn dur="1" fill="hold">
+                                          <p:stCondLst>
+                                            <p:cond delay="0"/>
+                                          </p:stCondLst>
+                                        </p:cTn>
+                                        <p:tgtEl>
+                                          <p:spTgt spid="340"/>
+                                        </p:tgtEl>
+                                        <p:attrNameLst>
+                                          <p:attrName>style.visibility</p:attrName>
+                                        </p:attrNameLst>
+                                      </p:cBhvr>
+                                      <p:to>
+                                        <p:strVal val="visible"/>
+                                      </p:to>
+                                    </p:set>
+                                    <p:animEffect filter="fade" transition="in">
+                                      <p:cBhvr>
+                                        <p:cTn dur="1500"/>
+                                        <p:tgtEl>
+                                          <p:spTgt spid="340"/>
+                                        </p:tgtEl>
+                                      </p:cBhvr>
+                                    </p:animEffect>
+                                  </p:childTnLst>
+                                </p:cTn>
+                              </p:par>
+                            </p:childTnLst>
+                          </p:cTn>
+                        </p:par>
+                        <p:par>
+                          <p:cTn fill="hold">
+                            <p:stCondLst>
+                              <p:cond delay="2500"/>
+                            </p:stCondLst>
+                            <p:childTnLst>
+                              <p:par>
+                                <p:cTn fill="hold" nodeType="afterEffect" presetClass="entr" presetID="10" presetSubtype="0">
+                                  <p:stCondLst>
+                                    <p:cond delay="0"/>
+                                  </p:stCondLst>
+                                  <p:childTnLst>
+                                    <p:set>
+                                      <p:cBhvr>
+                                        <p:cTn dur="1" fill="hold">
+                                          <p:stCondLst>
+                                            <p:cond delay="0"/>
+                                          </p:stCondLst>
+                                        </p:cTn>
+                                        <p:tgtEl>
+                                          <p:spTgt spid="344"/>
+                                        </p:tgtEl>
+                                        <p:attrNameLst>
+                                          <p:attrName>style.visibility</p:attrName>
+                                        </p:attrNameLst>
+                                      </p:cBhvr>
+                                      <p:to>
+                                        <p:strVal val="visible"/>
+                                      </p:to>
+                                    </p:set>
+                                    <p:animEffect filter="fade" transition="in">
+                                      <p:cBhvr>
+                                        <p:cTn dur="1500"/>
+                                        <p:tgtEl>
+                                          <p:spTgt spid="344"/>
+                                        </p:tgtEl>
+                                      </p:cBhvr>
+                                    </p:animEffect>
+                                  </p:childTnLst>
+                                </p:cTn>
+                              </p:par>
+                            </p:childTnLst>
+                          </p:cTn>
+                        </p:par>
+                        <p:par>
+                          <p:cTn fill="hold">
+                            <p:stCondLst>
+                              <p:cond delay="4000"/>
+                            </p:stCondLst>
+                            <p:childTnLst>
+                              <p:par>
+                                <p:cTn fill="hold" nodeType="afterEffect" presetClass="entr" presetID="10" presetSubtype="0">
+                                  <p:stCondLst>
+                                    <p:cond delay="0"/>
+                                  </p:stCondLst>
+                                  <p:childTnLst>
+                                    <p:set>
+                                      <p:cBhvr>
+                                        <p:cTn dur="1" fill="hold">
+                                          <p:stCondLst>
+                                            <p:cond delay="0"/>
+                                          </p:stCondLst>
+                                        </p:cTn>
+                                        <p:tgtEl>
+                                          <p:spTgt spid="348"/>
+                                        </p:tgtEl>
+                                        <p:attrNameLst>
+                                          <p:attrName>style.visibility</p:attrName>
+                                        </p:attrNameLst>
+                                      </p:cBhvr>
+                                      <p:to>
+                                        <p:strVal val="visible"/>
+                                      </p:to>
+                                    </p:set>
+                                    <p:animEffect filter="fade" transition="in">
+                                      <p:cBhvr>
+                                        <p:cTn dur="1500"/>
+                                        <p:tgtEl>
+                                          <p:spTgt spid="348"/>
+                                        </p:tgtEl>
+                                      </p:cBhvr>
+                                    </p:animEffect>
+                                  </p:childTnLst>
+                                </p:cTn>
+                              </p:par>
+                            </p:childTnLst>
+                          </p:cTn>
+                        </p:par>
+                        <p:par>
+                          <p:cTn fill="hold">
+                            <p:stCondLst>
+                              <p:cond delay="5500"/>
+                            </p:stCondLst>
+                            <p:childTnLst>
+                              <p:par>
+                                <p:cTn fill="hold" nodeType="afterEffect" presetClass="entr" presetID="10" presetSubtype="0">
+                                  <p:stCondLst>
+                                    <p:cond delay="0"/>
+                                  </p:stCondLst>
+                                  <p:childTnLst>
+                                    <p:set>
+                                      <p:cBhvr>
+                                        <p:cTn dur="1" fill="hold">
+                                          <p:stCondLst>
+                                            <p:cond delay="0"/>
+                                          </p:stCondLst>
+                                        </p:cTn>
+                                        <p:tgtEl>
+                                          <p:spTgt spid="352"/>
+                                        </p:tgtEl>
+                                        <p:attrNameLst>
+                                          <p:attrName>style.visibility</p:attrName>
+                                        </p:attrNameLst>
+                                      </p:cBhvr>
+                                      <p:to>
+                                        <p:strVal val="visible"/>
+                                      </p:to>
+                                    </p:set>
+                                    <p:animEffect filter="fade" transition="in">
+                                      <p:cBhvr>
+                                        <p:cTn dur="1500"/>
+                                        <p:tgtEl>
+                                          <p:spTgt spid="352"/>
+                                        </p:tgtEl>
+                                      </p:cBhvr>
+                                    </p:animEffect>
+                                  </p:childTnLst>
+                                </p:cTn>
+                              </p:par>
+                            </p:childTnLst>
+                          </p:cTn>
+                        </p:par>
+                      </p:childTnLst>
+                    </p:cTn>
+                  </p:par>
+                </p:childTnLst>
+              </p:cTn>
+              <p:prevCondLst>
+                <p:cond evt="onPrev">
+                  <p:tgtEl>
+                    <p:sldTgt/>
+                  </p:tgtEl>
+                </p:cond>
+              </p:prevCondLst>
+              <p:nextCondLst>
+                <p:cond evt="onNext">
+                  <p:tgtEl>
+                    <p:sldTgt/>
+                  </p:tgtEl>
+                </p:cond>
+              </p:nextCondLst>
+            </p:seq>
+          </p:childTnLst>
+        </p:cTn>
+      </p:par>
+    </p:tnLst>
+  </p:timing>
 </p:sld>
 </file>
 
-<file path=ppt/slides/slide12.xml><?xml version="1.0" encoding="utf-8"?>
+<file path=ppt/slides/slide16.xml><?xml version="1.0" encoding="utf-8"?>
 <p:sld xmlns:a="http://schemas.openxmlformats.org/drawingml/2006/main" xmlns:r="http://schemas.openxmlformats.org/officeDocument/2006/relationships" xmlns:mc="http://schemas.openxmlformats.org/markup-compatibility/2006" xmlns:mv="urn:schemas-microsoft-com:mac:vml" xmlns:p="http://schemas.openxmlformats.org/presentationml/2006/main" xmlns:c="http://schemas.openxmlformats.org/drawingml/2006/chart" xmlns:dgm="http://schemas.openxmlformats.org/drawingml/2006/diagram" xmlns:o="urn:schemas-microsoft-com:office:office" xmlns:v="urn:schemas-microsoft-com:vml" xmlns:pvml="urn:schemas-microsoft-com:office:powerpoint" xmlns:com="http://schemas.openxmlformats.org/drawingml/2006/compatibility" xmlns:p14="http://schemas.microsoft.com/office/powerpoint/2010/main" xmlns:p15="http://schemas.microsoft.com/office/powerpoint/2012/main" xmlns:ahyp="http://schemas.microsoft.com/office/drawing/2018/hyperlinkcolor">
   <p:cSld>
     <p:spTree>
       <p:nvGrpSpPr>
-        <p:cNvPr id="332" name="Shape 332"/>
+        <p:cNvPr id="359" name="Shape 359"/>
         <p:cNvGrpSpPr/>
         <p:nvPr/>
       </p:nvGrpSpPr>
@@ -14778,7 +17002,7 @@
       </p:grpSpPr>
       <p:sp>
         <p:nvSpPr>
-          <p:cNvPr id="333" name="Google Shape;333;p24"/>
+          <p:cNvPr id="360" name="Google Shape;360;p28"/>
           <p:cNvSpPr txBox="1"/>
           <p:nvPr>
             <p:ph type="title"/>
@@ -14786,8 +17010,8 @@
         </p:nvSpPr>
         <p:spPr>
           <a:xfrm>
-            <a:off x="2312016" y="205675"/>
-            <a:ext cx="4519800" cy="623400"/>
+            <a:off x="2312025" y="117800"/>
+            <a:ext cx="4519800" cy="711300"/>
           </a:xfrm>
           <a:prstGeom prst="rect">
             <a:avLst/>
@@ -14821,20 +17045,20 @@
               <a:buNone/>
             </a:pPr>
             <a:r>
-              <a:rPr lang="en">
+              <a:rPr lang="en" sz="3800">
                 <a:solidFill>
                   <a:schemeClr val="accent6"/>
                 </a:solidFill>
               </a:rPr>
               <a:t>About Team</a:t>
             </a:r>
-            <a:endParaRPr/>
+            <a:endParaRPr sz="3800"/>
           </a:p>
         </p:txBody>
       </p:sp>
       <p:grpSp>
         <p:nvGrpSpPr>
-          <p:cNvPr id="334" name="Google Shape;334;p24"/>
+          <p:cNvPr id="361" name="Google Shape;361;p28"/>
           <p:cNvGrpSpPr/>
           <p:nvPr/>
         </p:nvGrpSpPr>
@@ -14848,7 +17072,7 @@
         </p:grpSpPr>
         <p:sp>
           <p:nvSpPr>
-            <p:cNvPr id="335" name="Google Shape;335;p24"/>
+            <p:cNvPr id="362" name="Google Shape;362;p28"/>
             <p:cNvSpPr/>
             <p:nvPr/>
           </p:nvSpPr>
@@ -14927,7 +17151,7 @@
         </p:sp>
         <p:sp>
           <p:nvSpPr>
-            <p:cNvPr id="336" name="Google Shape;336;p24"/>
+            <p:cNvPr id="363" name="Google Shape;363;p28"/>
             <p:cNvSpPr/>
             <p:nvPr/>
           </p:nvSpPr>
@@ -15003,7 +17227,7 @@
         </p:sp>
         <p:sp>
           <p:nvSpPr>
-            <p:cNvPr id="337" name="Google Shape;337;p24"/>
+            <p:cNvPr id="364" name="Google Shape;364;p28"/>
             <p:cNvSpPr/>
             <p:nvPr/>
           </p:nvSpPr>
@@ -15076,7 +17300,7 @@
         </p:sp>
         <p:sp>
           <p:nvSpPr>
-            <p:cNvPr id="338" name="Google Shape;338;p24"/>
+            <p:cNvPr id="365" name="Google Shape;365;p28"/>
             <p:cNvSpPr txBox="1"/>
             <p:nvPr/>
           </p:nvSpPr>
@@ -15142,7 +17366,7 @@
         </p:sp>
         <p:sp>
           <p:nvSpPr>
-            <p:cNvPr id="339" name="Google Shape;339;p24"/>
+            <p:cNvPr id="366" name="Google Shape;366;p28"/>
             <p:cNvSpPr txBox="1"/>
             <p:nvPr/>
           </p:nvSpPr>
@@ -15230,7 +17454,7 @@
         </p:sp>
         <p:sp>
           <p:nvSpPr>
-            <p:cNvPr id="340" name="Google Shape;340;p24"/>
+            <p:cNvPr id="367" name="Google Shape;367;p28"/>
             <p:cNvSpPr/>
             <p:nvPr/>
           </p:nvSpPr>
@@ -15306,7 +17530,7 @@
         </p:sp>
         <p:sp>
           <p:nvSpPr>
-            <p:cNvPr id="341" name="Google Shape;341;p24"/>
+            <p:cNvPr id="368" name="Google Shape;368;p28"/>
             <p:cNvSpPr txBox="1"/>
             <p:nvPr/>
           </p:nvSpPr>
@@ -15413,7 +17637,7 @@
       </p:grpSp>
       <p:grpSp>
         <p:nvGrpSpPr>
-          <p:cNvPr id="342" name="Google Shape;342;p24"/>
+          <p:cNvPr id="369" name="Google Shape;369;p28"/>
           <p:cNvGrpSpPr/>
           <p:nvPr/>
         </p:nvGrpSpPr>
@@ -15427,7 +17651,7 @@
         </p:grpSpPr>
         <p:sp>
           <p:nvSpPr>
-            <p:cNvPr id="343" name="Google Shape;343;p24"/>
+            <p:cNvPr id="370" name="Google Shape;370;p28"/>
             <p:cNvSpPr/>
             <p:nvPr/>
           </p:nvSpPr>
@@ -15506,7 +17730,7 @@
         </p:sp>
         <p:sp>
           <p:nvSpPr>
-            <p:cNvPr id="344" name="Google Shape;344;p24"/>
+            <p:cNvPr id="371" name="Google Shape;371;p28"/>
             <p:cNvSpPr/>
             <p:nvPr/>
           </p:nvSpPr>
@@ -15582,7 +17806,7 @@
         </p:sp>
         <p:sp>
           <p:nvSpPr>
-            <p:cNvPr id="345" name="Google Shape;345;p24"/>
+            <p:cNvPr id="372" name="Google Shape;372;p28"/>
             <p:cNvSpPr/>
             <p:nvPr/>
           </p:nvSpPr>
@@ -15655,7 +17879,7 @@
         </p:sp>
         <p:sp>
           <p:nvSpPr>
-            <p:cNvPr id="346" name="Google Shape;346;p24"/>
+            <p:cNvPr id="373" name="Google Shape;373;p28"/>
             <p:cNvSpPr txBox="1"/>
             <p:nvPr/>
           </p:nvSpPr>
@@ -15740,7 +17964,7 @@
         </p:sp>
         <p:sp>
           <p:nvSpPr>
-            <p:cNvPr id="347" name="Google Shape;347;p24"/>
+            <p:cNvPr id="374" name="Google Shape;374;p28"/>
             <p:cNvSpPr txBox="1"/>
             <p:nvPr/>
           </p:nvSpPr>
@@ -15846,7 +18070,7 @@
         </p:sp>
         <p:sp>
           <p:nvSpPr>
-            <p:cNvPr id="348" name="Google Shape;348;p24"/>
+            <p:cNvPr id="375" name="Google Shape;375;p28"/>
             <p:cNvSpPr txBox="1"/>
             <p:nvPr/>
           </p:nvSpPr>
@@ -15912,7 +18136,7 @@
         </p:sp>
         <p:sp>
           <p:nvSpPr>
-            <p:cNvPr id="349" name="Google Shape;349;p24"/>
+            <p:cNvPr id="376" name="Google Shape;376;p28"/>
             <p:cNvSpPr/>
             <p:nvPr/>
           </p:nvSpPr>
@@ -15989,7 +18213,7 @@
       </p:grpSp>
       <p:grpSp>
         <p:nvGrpSpPr>
-          <p:cNvPr id="350" name="Google Shape;350;p24"/>
+          <p:cNvPr id="377" name="Google Shape;377;p28"/>
           <p:cNvGrpSpPr/>
           <p:nvPr/>
         </p:nvGrpSpPr>
@@ -16003,7 +18227,7 @@
         </p:grpSpPr>
         <p:sp>
           <p:nvSpPr>
-            <p:cNvPr id="351" name="Google Shape;351;p24"/>
+            <p:cNvPr id="378" name="Google Shape;378;p28"/>
             <p:cNvSpPr/>
             <p:nvPr/>
           </p:nvSpPr>
@@ -16082,7 +18306,7 @@
         </p:sp>
         <p:sp>
           <p:nvSpPr>
-            <p:cNvPr id="352" name="Google Shape;352;p24"/>
+            <p:cNvPr id="379" name="Google Shape;379;p28"/>
             <p:cNvSpPr/>
             <p:nvPr/>
           </p:nvSpPr>
@@ -16158,7 +18382,7 @@
         </p:sp>
         <p:sp>
           <p:nvSpPr>
-            <p:cNvPr id="353" name="Google Shape;353;p24"/>
+            <p:cNvPr id="380" name="Google Shape;380;p28"/>
             <p:cNvSpPr/>
             <p:nvPr/>
           </p:nvSpPr>
@@ -16231,7 +18455,7 @@
         </p:sp>
         <p:sp>
           <p:nvSpPr>
-            <p:cNvPr id="354" name="Google Shape;354;p24"/>
+            <p:cNvPr id="381" name="Google Shape;381;p28"/>
             <p:cNvSpPr txBox="1"/>
             <p:nvPr/>
           </p:nvSpPr>
@@ -16297,7 +18521,7 @@
         </p:sp>
         <p:sp>
           <p:nvSpPr>
-            <p:cNvPr id="355" name="Google Shape;355;p24"/>
+            <p:cNvPr id="382" name="Google Shape;382;p28"/>
             <p:cNvSpPr txBox="1"/>
             <p:nvPr/>
           </p:nvSpPr>
@@ -16354,7 +18578,7 @@
         </p:sp>
         <p:sp>
           <p:nvSpPr>
-            <p:cNvPr id="356" name="Google Shape;356;p24"/>
+            <p:cNvPr id="383" name="Google Shape;383;p28"/>
             <p:cNvSpPr txBox="1"/>
             <p:nvPr/>
           </p:nvSpPr>
@@ -16460,7 +18684,7 @@
         </p:sp>
         <p:sp>
           <p:nvSpPr>
-            <p:cNvPr id="357" name="Google Shape;357;p24"/>
+            <p:cNvPr id="384" name="Google Shape;384;p28"/>
             <p:cNvSpPr/>
             <p:nvPr/>
           </p:nvSpPr>
@@ -16537,7 +18761,7 @@
       </p:grpSp>
       <p:grpSp>
         <p:nvGrpSpPr>
-          <p:cNvPr id="358" name="Google Shape;358;p24"/>
+          <p:cNvPr id="385" name="Google Shape;385;p28"/>
           <p:cNvGrpSpPr/>
           <p:nvPr/>
         </p:nvGrpSpPr>
@@ -16551,7 +18775,7 @@
         </p:grpSpPr>
         <p:sp>
           <p:nvSpPr>
-            <p:cNvPr id="359" name="Google Shape;359;p24"/>
+            <p:cNvPr id="386" name="Google Shape;386;p28"/>
             <p:cNvSpPr/>
             <p:nvPr/>
           </p:nvSpPr>
@@ -16627,7 +18851,7 @@
         </p:sp>
         <p:sp>
           <p:nvSpPr>
-            <p:cNvPr id="360" name="Google Shape;360;p24"/>
+            <p:cNvPr id="387" name="Google Shape;387;p28"/>
             <p:cNvSpPr txBox="1"/>
             <p:nvPr/>
           </p:nvSpPr>
@@ -16693,7 +18917,7 @@
         </p:sp>
         <p:sp>
           <p:nvSpPr>
-            <p:cNvPr id="361" name="Google Shape;361;p24"/>
+            <p:cNvPr id="388" name="Google Shape;388;p28"/>
             <p:cNvSpPr/>
             <p:nvPr/>
           </p:nvSpPr>
@@ -16772,7 +18996,7 @@
         </p:sp>
         <p:sp>
           <p:nvSpPr>
-            <p:cNvPr id="362" name="Google Shape;362;p24"/>
+            <p:cNvPr id="389" name="Google Shape;389;p28"/>
             <p:cNvSpPr/>
             <p:nvPr/>
           </p:nvSpPr>
@@ -16845,7 +19069,7 @@
         </p:sp>
         <p:sp>
           <p:nvSpPr>
-            <p:cNvPr id="363" name="Google Shape;363;p24"/>
+            <p:cNvPr id="390" name="Google Shape;390;p28"/>
             <p:cNvSpPr txBox="1"/>
             <p:nvPr/>
           </p:nvSpPr>
@@ -16902,7 +19126,7 @@
         </p:sp>
         <p:sp>
           <p:nvSpPr>
-            <p:cNvPr id="364" name="Google Shape;364;p24"/>
+            <p:cNvPr id="391" name="Google Shape;391;p28"/>
             <p:cNvSpPr txBox="1"/>
             <p:nvPr/>
           </p:nvSpPr>
@@ -17008,7 +19232,7 @@
         </p:sp>
         <p:sp>
           <p:nvSpPr>
-            <p:cNvPr id="365" name="Google Shape;365;p24"/>
+            <p:cNvPr id="392" name="Google Shape;392;p28"/>
             <p:cNvSpPr/>
             <p:nvPr/>
           </p:nvSpPr>
@@ -17085,7 +19309,7 @@
       </p:grpSp>
       <p:pic>
         <p:nvPicPr>
-          <p:cNvPr id="366" name="Google Shape;366;p24"/>
+          <p:cNvPr id="393" name="Google Shape;393;p28"/>
           <p:cNvPicPr preferRelativeResize="0"/>
           <p:nvPr/>
         </p:nvPicPr>
@@ -17113,7 +19337,7 @@
       </p:pic>
       <p:pic>
         <p:nvPicPr>
-          <p:cNvPr id="367" name="Google Shape;367;p24"/>
+          <p:cNvPr id="394" name="Google Shape;394;p28"/>
           <p:cNvPicPr preferRelativeResize="0"/>
           <p:nvPr/>
         </p:nvPicPr>
@@ -17141,7 +19365,7 @@
       </p:pic>
       <p:pic>
         <p:nvPicPr>
-          <p:cNvPr id="368" name="Google Shape;368;p24"/>
+          <p:cNvPr id="395" name="Google Shape;395;p28"/>
           <p:cNvPicPr preferRelativeResize="0"/>
           <p:nvPr/>
         </p:nvPicPr>
@@ -17169,7 +19393,7 @@
       </p:pic>
       <p:pic>
         <p:nvPicPr>
-          <p:cNvPr id="369" name="Google Shape;369;p24"/>
+          <p:cNvPr id="396" name="Google Shape;396;p28"/>
           <p:cNvPicPr preferRelativeResize="0"/>
           <p:nvPr/>
         </p:nvPicPr>
@@ -17195,6 +19419,333 @@
           </a:ln>
         </p:spPr>
       </p:pic>
+      <p:sp>
+        <p:nvSpPr>
+          <p:cNvPr id="397" name="Google Shape;397;p28"/>
+          <p:cNvSpPr txBox="1"/>
+          <p:nvPr/>
+        </p:nvSpPr>
+        <p:spPr>
+          <a:xfrm>
+            <a:off x="1766850" y="2120225"/>
+            <a:ext cx="916200" cy="384900"/>
+          </a:xfrm>
+          <a:prstGeom prst="rect">
+            <a:avLst/>
+          </a:prstGeom>
+          <a:noFill/>
+          <a:ln>
+            <a:noFill/>
+          </a:ln>
+        </p:spPr>
+        <p:txBody>
+          <a:bodyPr anchorCtr="0" anchor="t" bIns="91425" lIns="91425" spcFirstLastPara="1" rIns="91425" wrap="square" tIns="91425">
+            <a:spAutoFit/>
+          </a:bodyPr>
+          <a:lstStyle/>
+          <a:p>
+            <a:pPr indent="0" lvl="0" marL="0" rtl="0" algn="l">
+              <a:spcBef>
+                <a:spcPts val="0"/>
+              </a:spcBef>
+              <a:spcAft>
+                <a:spcPts val="0"/>
+              </a:spcAft>
+              <a:buNone/>
+            </a:pPr>
+            <a:r>
+              <a:t/>
+            </a:r>
+            <a:endParaRPr sz="1300"/>
+          </a:p>
+        </p:txBody>
+      </p:sp>
+      <p:sp>
+        <p:nvSpPr>
+          <p:cNvPr id="398" name="Google Shape;398;p28"/>
+          <p:cNvSpPr txBox="1"/>
+          <p:nvPr/>
+        </p:nvSpPr>
+        <p:spPr>
+          <a:xfrm>
+            <a:off x="1625250" y="2277275"/>
+            <a:ext cx="1047000" cy="338700"/>
+          </a:xfrm>
+          <a:prstGeom prst="rect">
+            <a:avLst/>
+          </a:prstGeom>
+          <a:noFill/>
+          <a:ln>
+            <a:noFill/>
+          </a:ln>
+        </p:spPr>
+        <p:txBody>
+          <a:bodyPr anchorCtr="0" anchor="t" bIns="91425" lIns="91425" spcFirstLastPara="1" rIns="91425" wrap="square" tIns="91425">
+            <a:spAutoFit/>
+          </a:bodyPr>
+          <a:lstStyle/>
+          <a:p>
+            <a:pPr indent="0" lvl="0" marL="0" rtl="0" algn="l">
+              <a:spcBef>
+                <a:spcPts val="0"/>
+              </a:spcBef>
+              <a:spcAft>
+                <a:spcPts val="0"/>
+              </a:spcAft>
+              <a:buNone/>
+            </a:pPr>
+            <a:r>
+              <a:rPr b="1" lang="en" sz="1000">
+                <a:latin typeface="Times New Roman"/>
+                <a:ea typeface="Times New Roman"/>
+                <a:cs typeface="Times New Roman"/>
+                <a:sym typeface="Times New Roman"/>
+              </a:rPr>
+              <a:t>CSE,1st YEAR</a:t>
+            </a:r>
+            <a:endParaRPr b="1" sz="1000">
+              <a:latin typeface="Times New Roman"/>
+              <a:ea typeface="Times New Roman"/>
+              <a:cs typeface="Times New Roman"/>
+              <a:sym typeface="Times New Roman"/>
+            </a:endParaRPr>
+          </a:p>
+        </p:txBody>
+      </p:sp>
+      <p:sp>
+        <p:nvSpPr>
+          <p:cNvPr id="399" name="Google Shape;399;p28"/>
+          <p:cNvSpPr txBox="1"/>
+          <p:nvPr/>
+        </p:nvSpPr>
+        <p:spPr>
+          <a:xfrm>
+            <a:off x="5446850" y="2277275"/>
+            <a:ext cx="1151700" cy="554100"/>
+          </a:xfrm>
+          <a:prstGeom prst="rect">
+            <a:avLst/>
+          </a:prstGeom>
+          <a:noFill/>
+          <a:ln>
+            <a:noFill/>
+          </a:ln>
+        </p:spPr>
+        <p:txBody>
+          <a:bodyPr anchorCtr="0" anchor="t" bIns="91425" lIns="91425" spcFirstLastPara="1" rIns="91425" wrap="square" tIns="91425">
+            <a:spAutoFit/>
+          </a:bodyPr>
+          <a:lstStyle/>
+          <a:p>
+            <a:pPr indent="0" lvl="0" marL="0" rtl="0" algn="l">
+              <a:spcBef>
+                <a:spcPts val="0"/>
+              </a:spcBef>
+              <a:spcAft>
+                <a:spcPts val="0"/>
+              </a:spcAft>
+              <a:buClr>
+                <a:schemeClr val="accent6"/>
+              </a:buClr>
+              <a:buSzPts val="1100"/>
+              <a:buFont typeface="Arial"/>
+              <a:buNone/>
+            </a:pPr>
+            <a:r>
+              <a:rPr b="1" lang="en" sz="1000">
+                <a:solidFill>
+                  <a:schemeClr val="accent6"/>
+                </a:solidFill>
+                <a:latin typeface="Times New Roman"/>
+                <a:ea typeface="Times New Roman"/>
+                <a:cs typeface="Times New Roman"/>
+                <a:sym typeface="Times New Roman"/>
+              </a:rPr>
+              <a:t>CSE,1st YEAR</a:t>
+            </a:r>
+            <a:endParaRPr b="1" sz="1000">
+              <a:solidFill>
+                <a:schemeClr val="accent6"/>
+              </a:solidFill>
+              <a:latin typeface="Times New Roman"/>
+              <a:ea typeface="Times New Roman"/>
+              <a:cs typeface="Times New Roman"/>
+              <a:sym typeface="Times New Roman"/>
+            </a:endParaRPr>
+          </a:p>
+          <a:p>
+            <a:pPr indent="0" lvl="0" marL="0" rtl="0" algn="l">
+              <a:spcBef>
+                <a:spcPts val="0"/>
+              </a:spcBef>
+              <a:spcAft>
+                <a:spcPts val="0"/>
+              </a:spcAft>
+              <a:buNone/>
+            </a:pPr>
+            <a:r>
+              <a:t/>
+            </a:r>
+            <a:endParaRPr/>
+          </a:p>
+        </p:txBody>
+      </p:sp>
+      <p:sp>
+        <p:nvSpPr>
+          <p:cNvPr id="400" name="Google Shape;400;p28"/>
+          <p:cNvSpPr txBox="1"/>
+          <p:nvPr/>
+        </p:nvSpPr>
+        <p:spPr>
+          <a:xfrm>
+            <a:off x="1614450" y="4201175"/>
+            <a:ext cx="1047000" cy="554100"/>
+          </a:xfrm>
+          <a:prstGeom prst="rect">
+            <a:avLst/>
+          </a:prstGeom>
+          <a:noFill/>
+          <a:ln>
+            <a:noFill/>
+          </a:ln>
+        </p:spPr>
+        <p:txBody>
+          <a:bodyPr anchorCtr="0" anchor="t" bIns="91425" lIns="91425" spcFirstLastPara="1" rIns="91425" wrap="square" tIns="91425">
+            <a:spAutoFit/>
+          </a:bodyPr>
+          <a:lstStyle/>
+          <a:p>
+            <a:pPr indent="0" lvl="0" marL="0" rtl="0" algn="l">
+              <a:spcBef>
+                <a:spcPts val="0"/>
+              </a:spcBef>
+              <a:spcAft>
+                <a:spcPts val="0"/>
+              </a:spcAft>
+              <a:buClr>
+                <a:schemeClr val="accent6"/>
+              </a:buClr>
+              <a:buSzPts val="1100"/>
+              <a:buFont typeface="Arial"/>
+              <a:buNone/>
+            </a:pPr>
+            <a:r>
+              <a:rPr b="1" lang="en" sz="1000">
+                <a:solidFill>
+                  <a:schemeClr val="accent6"/>
+                </a:solidFill>
+                <a:latin typeface="Times New Roman"/>
+                <a:ea typeface="Times New Roman"/>
+                <a:cs typeface="Times New Roman"/>
+                <a:sym typeface="Times New Roman"/>
+              </a:rPr>
+              <a:t>CSE,1st YEAR</a:t>
+            </a:r>
+            <a:endParaRPr b="1" sz="1000">
+              <a:solidFill>
+                <a:schemeClr val="accent6"/>
+              </a:solidFill>
+              <a:latin typeface="Times New Roman"/>
+              <a:ea typeface="Times New Roman"/>
+              <a:cs typeface="Times New Roman"/>
+              <a:sym typeface="Times New Roman"/>
+            </a:endParaRPr>
+          </a:p>
+          <a:p>
+            <a:pPr indent="0" lvl="0" marL="0" rtl="0" algn="l">
+              <a:spcBef>
+                <a:spcPts val="0"/>
+              </a:spcBef>
+              <a:spcAft>
+                <a:spcPts val="0"/>
+              </a:spcAft>
+              <a:buNone/>
+            </a:pPr>
+            <a:r>
+              <a:t/>
+            </a:r>
+            <a:endParaRPr/>
+          </a:p>
+        </p:txBody>
+      </p:sp>
+      <p:sp>
+        <p:nvSpPr>
+          <p:cNvPr id="401" name="Google Shape;401;p28"/>
+          <p:cNvSpPr txBox="1"/>
+          <p:nvPr/>
+        </p:nvSpPr>
+        <p:spPr>
+          <a:xfrm>
+            <a:off x="5449175" y="4190425"/>
+            <a:ext cx="1151700" cy="554100"/>
+          </a:xfrm>
+          <a:prstGeom prst="rect">
+            <a:avLst/>
+          </a:prstGeom>
+          <a:noFill/>
+          <a:ln>
+            <a:noFill/>
+          </a:ln>
+        </p:spPr>
+        <p:txBody>
+          <a:bodyPr anchorCtr="0" anchor="t" bIns="91425" lIns="91425" spcFirstLastPara="1" rIns="91425" wrap="square" tIns="91425">
+            <a:spAutoFit/>
+          </a:bodyPr>
+          <a:lstStyle/>
+          <a:p>
+            <a:pPr indent="0" lvl="0" marL="0" rtl="0" algn="l">
+              <a:spcBef>
+                <a:spcPts val="0"/>
+              </a:spcBef>
+              <a:spcAft>
+                <a:spcPts val="0"/>
+              </a:spcAft>
+              <a:buClr>
+                <a:schemeClr val="accent6"/>
+              </a:buClr>
+              <a:buSzPts val="1100"/>
+              <a:buFont typeface="Arial"/>
+              <a:buNone/>
+            </a:pPr>
+            <a:r>
+              <a:rPr b="1" lang="en" sz="1000">
+                <a:solidFill>
+                  <a:schemeClr val="accent6"/>
+                </a:solidFill>
+                <a:latin typeface="Times New Roman"/>
+                <a:ea typeface="Times New Roman"/>
+                <a:cs typeface="Times New Roman"/>
+                <a:sym typeface="Times New Roman"/>
+              </a:rPr>
+              <a:t>CSE,1st YEAR</a:t>
+            </a:r>
+            <a:endParaRPr b="1" sz="1000">
+              <a:solidFill>
+                <a:schemeClr val="accent6"/>
+              </a:solidFill>
+              <a:latin typeface="Times New Roman"/>
+              <a:ea typeface="Times New Roman"/>
+              <a:cs typeface="Times New Roman"/>
+              <a:sym typeface="Times New Roman"/>
+            </a:endParaRPr>
+          </a:p>
+          <a:p>
+            <a:pPr indent="0" lvl="0" marL="0" rtl="0" algn="l">
+              <a:spcBef>
+                <a:spcPts val="0"/>
+              </a:spcBef>
+              <a:spcAft>
+                <a:spcPts val="0"/>
+              </a:spcAft>
+              <a:buNone/>
+            </a:pPr>
+            <a:r>
+              <a:t/>
+            </a:r>
+            <a:endParaRPr/>
+          </a:p>
+        </p:txBody>
+      </p:sp>
     </p:spTree>
   </p:cSld>
   <p:clrMapOvr>
@@ -17373,10 +19924,7 @@
             </a:bodyPr>
             <a:lstStyle/>
             <a:p>
-              <a:pPr indent="0" lvl="0" marL="0" marR="0" rtl="0" algn="r">
-                <a:lnSpc>
-                  <a:spcPct val="100000"/>
-                </a:lnSpc>
+              <a:pPr indent="0" lvl="0" marL="0" rtl="0" algn="r">
                 <a:spcBef>
                   <a:spcPts val="0"/>
                 </a:spcBef>
@@ -17400,23 +19948,42 @@
                   <a:cs typeface="Roboto"/>
                   <a:sym typeface="Roboto"/>
                 </a:rPr>
-                <a:t>Used the basics of Web development i.e. HTML, CSS, JS</a:t>
+                <a:t>Used the basics of Web development i.e. HTML, CSS, JS.</a:t>
               </a:r>
+              <a:endParaRPr sz="1200">
+                <a:solidFill>
+                  <a:schemeClr val="accent6"/>
+                </a:solidFill>
+                <a:latin typeface="Roboto"/>
+                <a:ea typeface="Roboto"/>
+                <a:cs typeface="Roboto"/>
+                <a:sym typeface="Roboto"/>
+              </a:endParaRPr>
+            </a:p>
+            <a:p>
+              <a:pPr indent="0" lvl="0" marL="0" marR="0" rtl="0" algn="r">
+                <a:lnSpc>
+                  <a:spcPct val="100000"/>
+                </a:lnSpc>
+                <a:spcBef>
+                  <a:spcPts val="0"/>
+                </a:spcBef>
+                <a:spcAft>
+                  <a:spcPts val="0"/>
+                </a:spcAft>
+                <a:buClr>
+                  <a:schemeClr val="accent6"/>
+                </a:buClr>
+                <a:buSzPts val="1100"/>
+                <a:buFont typeface="Arial"/>
+                <a:buNone/>
+              </a:pPr>
               <a:r>
-                <a:rPr b="0" i="0" lang="en" sz="1200" u="none" cap="none" strike="noStrike">
-                  <a:solidFill>
-                    <a:schemeClr val="accent6"/>
-                  </a:solidFill>
-                  <a:latin typeface="Roboto"/>
-                  <a:ea typeface="Roboto"/>
-                  <a:cs typeface="Roboto"/>
-                  <a:sym typeface="Roboto"/>
-                </a:rPr>
-                <a:t>.</a:t>
+                <a:t/>
               </a:r>
-              <a:endParaRPr b="0" i="0" sz="1200" u="none" cap="none" strike="noStrike">
+              <a:endParaRPr sz="1200">
                 <a:solidFill>
-                  <a:srgbClr val="000000"/>
+                  <a:schemeClr val="accent6"/>
                 </a:solidFill>
                 <a:latin typeface="Roboto"/>
                 <a:ea typeface="Roboto"/>
@@ -17756,10 +20323,10 @@
         </p:nvGrpSpPr>
         <p:grpSpPr>
           <a:xfrm>
-            <a:off x="536625" y="1853775"/>
-            <a:ext cx="4402080" cy="2476122"/>
-            <a:chOff x="536625" y="1853775"/>
-            <a:chExt cx="4402080" cy="2476122"/>
+            <a:off x="612825" y="3205075"/>
+            <a:ext cx="4325880" cy="1124822"/>
+            <a:chOff x="612825" y="3205075"/>
+            <a:chExt cx="4325880" cy="1124822"/>
           </a:xfrm>
         </p:grpSpPr>
         <p:sp>
@@ -17770,7 +20337,7 @@
           </p:nvSpPr>
           <p:spPr>
             <a:xfrm>
-              <a:off x="536625" y="1853775"/>
+              <a:off x="612825" y="3205075"/>
               <a:ext cx="2328900" cy="293100"/>
             </a:xfrm>
             <a:prstGeom prst="rect">
@@ -17836,7 +20403,7 @@
           </p:nvSpPr>
           <p:spPr>
             <a:xfrm>
-              <a:off x="559375" y="2184250"/>
+              <a:off x="612825" y="3498175"/>
               <a:ext cx="2037000" cy="693300"/>
             </a:xfrm>
             <a:prstGeom prst="rect">
@@ -17852,6 +20419,43 @@
               <a:noAutofit/>
             </a:bodyPr>
             <a:lstStyle/>
+            <a:p>
+              <a:pPr indent="0" lvl="0" marL="0" rtl="0" algn="l">
+                <a:spcBef>
+                  <a:spcPts val="0"/>
+                </a:spcBef>
+                <a:spcAft>
+                  <a:spcPts val="0"/>
+                </a:spcAft>
+                <a:buClr>
+                  <a:schemeClr val="accent6"/>
+                </a:buClr>
+                <a:buSzPts val="1200"/>
+                <a:buFont typeface="Arial"/>
+                <a:buNone/>
+              </a:pPr>
+              <a:r>
+                <a:rPr lang="en" sz="1200">
+                  <a:solidFill>
+                    <a:schemeClr val="accent6"/>
+                  </a:solidFill>
+                  <a:latin typeface="Roboto"/>
+                  <a:ea typeface="Roboto"/>
+                  <a:cs typeface="Roboto"/>
+                  <a:sym typeface="Roboto"/>
+                </a:rPr>
+                <a:t>The endless limits of open innovation shelters the project.</a:t>
+              </a:r>
+              <a:endParaRPr sz="1200">
+                <a:solidFill>
+                  <a:schemeClr val="accent6"/>
+                </a:solidFill>
+                <a:latin typeface="Roboto"/>
+                <a:ea typeface="Roboto"/>
+                <a:cs typeface="Roboto"/>
+                <a:sym typeface="Roboto"/>
+              </a:endParaRPr>
+            </a:p>
             <a:p>
               <a:pPr indent="0" lvl="0" marL="0" marR="0" rtl="0" algn="l">
                 <a:lnSpc>
@@ -17871,20 +20475,11 @@
                 <a:buNone/>
               </a:pPr>
               <a:r>
-                <a:rPr lang="en" sz="1200">
-                  <a:solidFill>
-                    <a:schemeClr val="accent6"/>
-                  </a:solidFill>
-                  <a:latin typeface="Roboto"/>
-                  <a:ea typeface="Roboto"/>
-                  <a:cs typeface="Roboto"/>
-                  <a:sym typeface="Roboto"/>
-                </a:rPr>
-                <a:t>The endless limits of open innovation shelters the project.</a:t>
+                <a:t/>
               </a:r>
-              <a:endParaRPr b="0" i="0" sz="1200" u="none" cap="none" strike="noStrike">
+              <a:endParaRPr sz="1200">
                 <a:solidFill>
-                  <a:srgbClr val="000000"/>
+                  <a:schemeClr val="accent6"/>
                 </a:solidFill>
                 <a:latin typeface="Roboto"/>
                 <a:ea typeface="Roboto"/>
@@ -18211,9 +20806,502 @@
           </p:txBody>
         </p:sp>
       </p:grpSp>
+      <p:grpSp>
+        <p:nvGrpSpPr>
+          <p:cNvPr id="77" name="Google Shape;77;p14"/>
+          <p:cNvGrpSpPr/>
+          <p:nvPr/>
+        </p:nvGrpSpPr>
+        <p:grpSpPr>
+          <a:xfrm>
+            <a:off x="612825" y="1240200"/>
+            <a:ext cx="3592591" cy="1976914"/>
+            <a:chOff x="612825" y="1240200"/>
+            <a:chExt cx="3592591" cy="1976914"/>
+          </a:xfrm>
+        </p:grpSpPr>
+        <p:sp>
+          <p:nvSpPr>
+            <p:cNvPr id="78" name="Google Shape;78;p14"/>
+            <p:cNvSpPr txBox="1"/>
+            <p:nvPr/>
+          </p:nvSpPr>
+          <p:spPr>
+            <a:xfrm>
+              <a:off x="612825" y="1240200"/>
+              <a:ext cx="2268000" cy="293100"/>
+            </a:xfrm>
+            <a:prstGeom prst="rect">
+              <a:avLst/>
+            </a:prstGeom>
+            <a:noFill/>
+            <a:ln>
+              <a:noFill/>
+            </a:ln>
+          </p:spPr>
+          <p:txBody>
+            <a:bodyPr anchorCtr="0" anchor="t" bIns="91425" lIns="91425" spcFirstLastPara="1" rIns="91425" wrap="square" tIns="91425">
+              <a:noAutofit/>
+            </a:bodyPr>
+            <a:lstStyle/>
+            <a:p>
+              <a:pPr indent="0" lvl="0" marL="0" marR="0" rtl="0" algn="l">
+                <a:lnSpc>
+                  <a:spcPct val="100000"/>
+                </a:lnSpc>
+                <a:spcBef>
+                  <a:spcPts val="0"/>
+                </a:spcBef>
+                <a:spcAft>
+                  <a:spcPts val="0"/>
+                </a:spcAft>
+                <a:buClr>
+                  <a:srgbClr val="000000"/>
+                </a:buClr>
+                <a:buSzPts val="1700"/>
+                <a:buFont typeface="Arial"/>
+                <a:buNone/>
+              </a:pPr>
+              <a:r>
+                <a:rPr b="1" i="0" lang="en" sz="1700" u="none" cap="none" strike="noStrike">
+                  <a:solidFill>
+                    <a:schemeClr val="accent2"/>
+                  </a:solidFill>
+                  <a:latin typeface="Fira Sans Extra Condensed"/>
+                  <a:ea typeface="Fira Sans Extra Condensed"/>
+                  <a:cs typeface="Fira Sans Extra Condensed"/>
+                  <a:sym typeface="Fira Sans Extra Condensed"/>
+                </a:rPr>
+                <a:t>Problem Statement</a:t>
+              </a:r>
+              <a:endParaRPr b="1" i="0" sz="1700" u="none" cap="none" strike="noStrike">
+                <a:solidFill>
+                  <a:schemeClr val="accent2"/>
+                </a:solidFill>
+                <a:latin typeface="Fira Sans Extra Condensed"/>
+                <a:ea typeface="Fira Sans Extra Condensed"/>
+                <a:cs typeface="Fira Sans Extra Condensed"/>
+                <a:sym typeface="Fira Sans Extra Condensed"/>
+              </a:endParaRPr>
+            </a:p>
+          </p:txBody>
+        </p:sp>
+        <p:sp>
+          <p:nvSpPr>
+            <p:cNvPr id="79" name="Google Shape;79;p14"/>
+            <p:cNvSpPr txBox="1"/>
+            <p:nvPr/>
+          </p:nvSpPr>
+          <p:spPr>
+            <a:xfrm>
+              <a:off x="612825" y="1533300"/>
+              <a:ext cx="2037000" cy="879300"/>
+            </a:xfrm>
+            <a:prstGeom prst="rect">
+              <a:avLst/>
+            </a:prstGeom>
+            <a:noFill/>
+            <a:ln>
+              <a:noFill/>
+            </a:ln>
+          </p:spPr>
+          <p:txBody>
+            <a:bodyPr anchorCtr="0" anchor="t" bIns="91425" lIns="91425" spcFirstLastPara="1" rIns="91425" wrap="square" tIns="91425">
+              <a:noAutofit/>
+            </a:bodyPr>
+            <a:lstStyle/>
+            <a:p>
+              <a:pPr indent="0" lvl="0" marL="0" rtl="0" algn="l">
+                <a:lnSpc>
+                  <a:spcPct val="123000"/>
+                </a:lnSpc>
+                <a:spcBef>
+                  <a:spcPts val="0"/>
+                </a:spcBef>
+                <a:spcAft>
+                  <a:spcPts val="0"/>
+                </a:spcAft>
+                <a:buClr>
+                  <a:schemeClr val="accent6"/>
+                </a:buClr>
+                <a:buSzPts val="1100"/>
+                <a:buFont typeface="Arial"/>
+                <a:buNone/>
+              </a:pPr>
+              <a:r>
+                <a:rPr lang="en" sz="1200">
+                  <a:latin typeface="Roboto"/>
+                  <a:ea typeface="Roboto"/>
+                  <a:cs typeface="Roboto"/>
+                  <a:sym typeface="Roboto"/>
+                </a:rPr>
+                <a:t>Increase awareness of your overall health and wellness during menstrual cycle.</a:t>
+              </a:r>
+              <a:endParaRPr sz="1200">
+                <a:latin typeface="Roboto"/>
+                <a:ea typeface="Roboto"/>
+                <a:cs typeface="Roboto"/>
+                <a:sym typeface="Roboto"/>
+              </a:endParaRPr>
+            </a:p>
+            <a:p>
+              <a:pPr indent="0" lvl="0" marL="0" marR="0" rtl="0" algn="l">
+                <a:lnSpc>
+                  <a:spcPct val="100000"/>
+                </a:lnSpc>
+                <a:spcBef>
+                  <a:spcPts val="0"/>
+                </a:spcBef>
+                <a:spcAft>
+                  <a:spcPts val="0"/>
+                </a:spcAft>
+                <a:buClr>
+                  <a:srgbClr val="000000"/>
+                </a:buClr>
+                <a:buSzPts val="1200"/>
+                <a:buFont typeface="Arial"/>
+                <a:buNone/>
+              </a:pPr>
+              <a:r>
+                <a:rPr b="0" i="0" lang="en" sz="900" u="none" cap="none" strike="noStrike">
+                  <a:latin typeface="Roboto"/>
+                  <a:ea typeface="Roboto"/>
+                  <a:cs typeface="Roboto"/>
+                  <a:sym typeface="Roboto"/>
+                </a:rPr>
+                <a:t>.</a:t>
+              </a:r>
+              <a:endParaRPr b="0" i="0" sz="900" u="none" cap="none" strike="noStrike">
+                <a:latin typeface="Roboto"/>
+                <a:ea typeface="Roboto"/>
+                <a:cs typeface="Roboto"/>
+                <a:sym typeface="Roboto"/>
+              </a:endParaRPr>
+            </a:p>
+          </p:txBody>
+        </p:sp>
+        <p:sp>
+          <p:nvSpPr>
+            <p:cNvPr id="80" name="Google Shape;80;p14"/>
+            <p:cNvSpPr/>
+            <p:nvPr/>
+          </p:nvSpPr>
+          <p:spPr>
+            <a:xfrm>
+              <a:off x="3092508" y="2412578"/>
+              <a:ext cx="631071" cy="804536"/>
+            </a:xfrm>
+            <a:custGeom>
+              <a:rect b="b" l="l" r="r" t="t"/>
+              <a:pathLst>
+                <a:path extrusionOk="0" h="5612" w="4402">
+                  <a:moveTo>
+                    <a:pt x="456" y="1"/>
+                  </a:moveTo>
+                  <a:cubicBezTo>
+                    <a:pt x="159" y="963"/>
+                    <a:pt x="0" y="1994"/>
+                    <a:pt x="0" y="3054"/>
+                  </a:cubicBezTo>
+                  <a:cubicBezTo>
+                    <a:pt x="0" y="3936"/>
+                    <a:pt x="109" y="4789"/>
+                    <a:pt x="318" y="5611"/>
+                  </a:cubicBezTo>
+                  <a:lnTo>
+                    <a:pt x="4173" y="5611"/>
+                  </a:lnTo>
+                  <a:cubicBezTo>
+                    <a:pt x="3847" y="4818"/>
+                    <a:pt x="3658" y="3956"/>
+                    <a:pt x="3658" y="3054"/>
+                  </a:cubicBezTo>
+                  <a:cubicBezTo>
+                    <a:pt x="3658" y="1954"/>
+                    <a:pt x="3926" y="913"/>
+                    <a:pt x="4402" y="1"/>
+                  </a:cubicBezTo>
+                  <a:close/>
+                </a:path>
+              </a:pathLst>
+            </a:custGeom>
+            <a:solidFill>
+              <a:schemeClr val="accent1"/>
+            </a:solidFill>
+            <a:ln cap="flat" cmpd="sng" w="9525">
+              <a:solidFill>
+                <a:schemeClr val="accent1"/>
+              </a:solidFill>
+              <a:prstDash val="solid"/>
+              <a:round/>
+              <a:headEnd len="sm" w="sm" type="none"/>
+              <a:tailEnd len="sm" w="sm" type="none"/>
+            </a:ln>
+          </p:spPr>
+          <p:txBody>
+            <a:bodyPr anchorCtr="0" anchor="ctr" bIns="91425" lIns="91425" spcFirstLastPara="1" rIns="91425" wrap="square" tIns="91425">
+              <a:noAutofit/>
+            </a:bodyPr>
+            <a:lstStyle/>
+            <a:p>
+              <a:pPr indent="0" lvl="0" marL="0" marR="0" rtl="0" algn="l">
+                <a:lnSpc>
+                  <a:spcPct val="100000"/>
+                </a:lnSpc>
+                <a:spcBef>
+                  <a:spcPts val="0"/>
+                </a:spcBef>
+                <a:spcAft>
+                  <a:spcPts val="0"/>
+                </a:spcAft>
+                <a:buClr>
+                  <a:srgbClr val="000000"/>
+                </a:buClr>
+                <a:buSzPts val="1400"/>
+                <a:buFont typeface="Arial"/>
+                <a:buNone/>
+              </a:pPr>
+              <a:r>
+                <a:t/>
+              </a:r>
+              <a:endParaRPr b="0" i="0" sz="1400" u="none" cap="none" strike="noStrike">
+                <a:solidFill>
+                  <a:srgbClr val="000000"/>
+                </a:solidFill>
+                <a:latin typeface="Arial"/>
+                <a:ea typeface="Arial"/>
+                <a:cs typeface="Arial"/>
+                <a:sym typeface="Arial"/>
+              </a:endParaRPr>
+            </a:p>
+          </p:txBody>
+        </p:sp>
+        <p:sp>
+          <p:nvSpPr>
+            <p:cNvPr id="81" name="Google Shape;81;p14"/>
+            <p:cNvSpPr/>
+            <p:nvPr/>
+          </p:nvSpPr>
+          <p:spPr>
+            <a:xfrm>
+              <a:off x="3649609" y="1416352"/>
+              <a:ext cx="555807" cy="651141"/>
+            </a:xfrm>
+            <a:custGeom>
+              <a:rect b="b" l="l" r="r" t="t"/>
+              <a:pathLst>
+                <a:path extrusionOk="0" h="4542" w="3877">
+                  <a:moveTo>
+                    <a:pt x="3876" y="1"/>
+                  </a:moveTo>
+                  <a:cubicBezTo>
+                    <a:pt x="2439" y="367"/>
+                    <a:pt x="1130" y="1032"/>
+                    <a:pt x="0" y="1924"/>
+                  </a:cubicBezTo>
+                  <a:lnTo>
+                    <a:pt x="2617" y="4541"/>
+                  </a:lnTo>
+                  <a:cubicBezTo>
+                    <a:pt x="3014" y="4273"/>
+                    <a:pt x="3430" y="4035"/>
+                    <a:pt x="3876" y="3857"/>
+                  </a:cubicBezTo>
+                  <a:lnTo>
+                    <a:pt x="3876" y="1"/>
+                  </a:lnTo>
+                  <a:close/>
+                </a:path>
+              </a:pathLst>
+            </a:custGeom>
+            <a:solidFill>
+              <a:schemeClr val="accent1"/>
+            </a:solidFill>
+            <a:ln cap="flat" cmpd="sng" w="9525">
+              <a:solidFill>
+                <a:schemeClr val="accent1"/>
+              </a:solidFill>
+              <a:prstDash val="solid"/>
+              <a:round/>
+              <a:headEnd len="sm" w="sm" type="none"/>
+              <a:tailEnd len="sm" w="sm" type="none"/>
+            </a:ln>
+          </p:spPr>
+          <p:txBody>
+            <a:bodyPr anchorCtr="0" anchor="ctr" bIns="91425" lIns="91425" spcFirstLastPara="1" rIns="91425" wrap="square" tIns="91425">
+              <a:noAutofit/>
+            </a:bodyPr>
+            <a:lstStyle/>
+            <a:p>
+              <a:pPr indent="0" lvl="0" marL="0" marR="0" rtl="0" algn="l">
+                <a:lnSpc>
+                  <a:spcPct val="100000"/>
+                </a:lnSpc>
+                <a:spcBef>
+                  <a:spcPts val="0"/>
+                </a:spcBef>
+                <a:spcAft>
+                  <a:spcPts val="0"/>
+                </a:spcAft>
+                <a:buClr>
+                  <a:srgbClr val="000000"/>
+                </a:buClr>
+                <a:buSzPts val="1400"/>
+                <a:buFont typeface="Arial"/>
+                <a:buNone/>
+              </a:pPr>
+              <a:r>
+                <a:t/>
+              </a:r>
+              <a:endParaRPr b="0" i="0" sz="1400" u="none" cap="none" strike="noStrike">
+                <a:solidFill>
+                  <a:srgbClr val="000000"/>
+                </a:solidFill>
+                <a:latin typeface="Arial"/>
+                <a:ea typeface="Arial"/>
+                <a:cs typeface="Arial"/>
+                <a:sym typeface="Arial"/>
+              </a:endParaRPr>
+            </a:p>
+          </p:txBody>
+        </p:sp>
+        <p:sp>
+          <p:nvSpPr>
+            <p:cNvPr id="82" name="Google Shape;82;p14"/>
+            <p:cNvSpPr/>
+            <p:nvPr/>
+          </p:nvSpPr>
+          <p:spPr>
+            <a:xfrm>
+              <a:off x="3153580" y="1434129"/>
+              <a:ext cx="1051832" cy="1782968"/>
+            </a:xfrm>
+            <a:custGeom>
+              <a:rect b="b" l="l" r="r" t="t"/>
+              <a:pathLst>
+                <a:path extrusionOk="0" h="12437" w="7337">
+                  <a:moveTo>
+                    <a:pt x="1188" y="1"/>
+                  </a:moveTo>
+                  <a:cubicBezTo>
+                    <a:pt x="584" y="1"/>
+                    <a:pt x="0" y="470"/>
+                    <a:pt x="0" y="1175"/>
+                  </a:cubicBezTo>
+                  <a:lnTo>
+                    <a:pt x="0" y="6826"/>
+                  </a:lnTo>
+                  <a:lnTo>
+                    <a:pt x="3976" y="6826"/>
+                  </a:lnTo>
+                  <a:cubicBezTo>
+                    <a:pt x="3500" y="7738"/>
+                    <a:pt x="3232" y="8779"/>
+                    <a:pt x="3232" y="9879"/>
+                  </a:cubicBezTo>
+                  <a:cubicBezTo>
+                    <a:pt x="3232" y="10781"/>
+                    <a:pt x="3421" y="11643"/>
+                    <a:pt x="3747" y="12436"/>
+                  </a:cubicBezTo>
+                  <a:lnTo>
+                    <a:pt x="5245" y="12436"/>
+                  </a:lnTo>
+                  <a:cubicBezTo>
+                    <a:pt x="4828" y="11673"/>
+                    <a:pt x="4590" y="10801"/>
+                    <a:pt x="4590" y="9879"/>
+                  </a:cubicBezTo>
+                  <a:cubicBezTo>
+                    <a:pt x="4590" y="8739"/>
+                    <a:pt x="4947" y="7688"/>
+                    <a:pt x="5552" y="6826"/>
+                  </a:cubicBezTo>
+                  <a:cubicBezTo>
+                    <a:pt x="5958" y="6261"/>
+                    <a:pt x="6464" y="5765"/>
+                    <a:pt x="7058" y="5398"/>
+                  </a:cubicBezTo>
+                  <a:cubicBezTo>
+                    <a:pt x="7148" y="5339"/>
+                    <a:pt x="7237" y="5279"/>
+                    <a:pt x="7336" y="5230"/>
+                  </a:cubicBezTo>
+                  <a:lnTo>
+                    <a:pt x="7336" y="3733"/>
+                  </a:lnTo>
+                  <a:cubicBezTo>
+                    <a:pt x="6890" y="3911"/>
+                    <a:pt x="6474" y="4149"/>
+                    <a:pt x="6077" y="4417"/>
+                  </a:cubicBezTo>
+                  <a:lnTo>
+                    <a:pt x="2003" y="342"/>
+                  </a:lnTo>
+                  <a:cubicBezTo>
+                    <a:pt x="1767" y="106"/>
+                    <a:pt x="1475" y="1"/>
+                    <a:pt x="1188" y="1"/>
+                  </a:cubicBezTo>
+                  <a:close/>
+                </a:path>
+              </a:pathLst>
+            </a:custGeom>
+            <a:solidFill>
+              <a:schemeClr val="accent2"/>
+            </a:solidFill>
+            <a:ln cap="flat" cmpd="sng" w="9525">
+              <a:solidFill>
+                <a:schemeClr val="accent2"/>
+              </a:solidFill>
+              <a:prstDash val="solid"/>
+              <a:round/>
+              <a:headEnd len="sm" w="sm" type="none"/>
+              <a:tailEnd len="sm" w="sm" type="none"/>
+            </a:ln>
+          </p:spPr>
+          <p:txBody>
+            <a:bodyPr anchorCtr="0" anchor="ctr" bIns="91425" lIns="91425" spcFirstLastPara="1" rIns="91425" wrap="square" tIns="91425">
+              <a:noAutofit/>
+            </a:bodyPr>
+            <a:lstStyle/>
+            <a:p>
+              <a:pPr indent="0" lvl="0" marL="0" marR="0" rtl="0" algn="l">
+                <a:lnSpc>
+                  <a:spcPct val="100000"/>
+                </a:lnSpc>
+                <a:spcBef>
+                  <a:spcPts val="0"/>
+                </a:spcBef>
+                <a:spcAft>
+                  <a:spcPts val="0"/>
+                </a:spcAft>
+                <a:buClr>
+                  <a:srgbClr val="000000"/>
+                </a:buClr>
+                <a:buSzPts val="1400"/>
+                <a:buFont typeface="Arial"/>
+                <a:buNone/>
+              </a:pPr>
+              <a:r>
+                <a:t/>
+              </a:r>
+              <a:endParaRPr b="0" i="0" sz="1400" u="none" cap="none" strike="noStrike">
+                <a:solidFill>
+                  <a:srgbClr val="000000"/>
+                </a:solidFill>
+                <a:latin typeface="Arial"/>
+                <a:ea typeface="Arial"/>
+                <a:cs typeface="Arial"/>
+                <a:sym typeface="Arial"/>
+              </a:endParaRPr>
+            </a:p>
+          </p:txBody>
+        </p:sp>
+      </p:grpSp>
       <p:sp>
         <p:nvSpPr>
-          <p:cNvPr id="77" name="Google Shape;77;p14"/>
+          <p:cNvPr id="83" name="Google Shape;83;p14"/>
           <p:cNvSpPr/>
           <p:nvPr/>
         </p:nvSpPr>
@@ -18286,13 +21374,13 @@
       </p:sp>
       <p:grpSp>
         <p:nvGrpSpPr>
-          <p:cNvPr id="78" name="Google Shape;78;p14"/>
+          <p:cNvPr id="84" name="Google Shape;84;p14"/>
           <p:cNvGrpSpPr/>
           <p:nvPr/>
         </p:nvGrpSpPr>
         <p:grpSpPr>
           <a:xfrm>
-            <a:off x="5163284" y="1640176"/>
+            <a:off x="5163345" y="1640179"/>
             <a:ext cx="365344" cy="289753"/>
             <a:chOff x="-62882850" y="1999375"/>
             <a:chExt cx="315850" cy="250500"/>
@@ -18300,7 +21388,7 @@
         </p:grpSpPr>
         <p:sp>
           <p:nvSpPr>
-            <p:cNvPr id="79" name="Google Shape;79;p14"/>
+            <p:cNvPr id="85" name="Google Shape;85;p14"/>
             <p:cNvSpPr/>
             <p:nvPr/>
           </p:nvSpPr>
@@ -18467,7 +21555,7 @@
         </p:sp>
         <p:sp>
           <p:nvSpPr>
-            <p:cNvPr id="80" name="Google Shape;80;p14"/>
+            <p:cNvPr id="86" name="Google Shape;86;p14"/>
             <p:cNvSpPr/>
             <p:nvPr/>
           </p:nvSpPr>
@@ -18622,21 +21710,21 @@
       </p:grpSp>
       <p:grpSp>
         <p:nvGrpSpPr>
-          <p:cNvPr id="81" name="Google Shape;81;p14"/>
+          <p:cNvPr id="87" name="Google Shape;87;p14"/>
           <p:cNvGrpSpPr/>
           <p:nvPr/>
         </p:nvGrpSpPr>
         <p:grpSpPr>
           <a:xfrm>
-            <a:off x="4296569" y="2575232"/>
-            <a:ext cx="550835" cy="550502"/>
-            <a:chOff x="6479471" y="2079003"/>
-            <a:chExt cx="348917" cy="348706"/>
+            <a:off x="4296582" y="2575232"/>
+            <a:ext cx="550772" cy="550502"/>
+            <a:chOff x="6479471" y="2079002"/>
+            <a:chExt cx="348877" cy="348706"/>
           </a:xfrm>
         </p:grpSpPr>
         <p:sp>
           <p:nvSpPr>
-            <p:cNvPr id="82" name="Google Shape;82;p14"/>
+            <p:cNvPr id="88" name="Google Shape;88;p14"/>
             <p:cNvSpPr/>
             <p:nvPr/>
           </p:nvSpPr>
@@ -18726,13 +21814,13 @@
         </p:sp>
         <p:grpSp>
           <p:nvGrpSpPr>
-            <p:cNvPr id="83" name="Google Shape;83;p14"/>
+            <p:cNvPr id="89" name="Google Shape;89;p14"/>
             <p:cNvGrpSpPr/>
             <p:nvPr/>
           </p:nvGrpSpPr>
           <p:grpSpPr>
             <a:xfrm>
-              <a:off x="6520577" y="2079003"/>
+              <a:off x="6520537" y="2079002"/>
               <a:ext cx="307811" cy="348706"/>
               <a:chOff x="-60218325" y="2304850"/>
               <a:chExt cx="279625" cy="316775"/>
@@ -18740,7 +21828,7 @@
           </p:grpSpPr>
           <p:sp>
             <p:nvSpPr>
-              <p:cNvPr id="84" name="Google Shape;84;p14"/>
+              <p:cNvPr id="90" name="Google Shape;90;p14"/>
               <p:cNvSpPr/>
               <p:nvPr/>
             </p:nvSpPr>
@@ -18923,7 +22011,7 @@
           </p:sp>
           <p:sp>
             <p:nvSpPr>
-              <p:cNvPr id="85" name="Google Shape;85;p14"/>
+              <p:cNvPr id="91" name="Google Shape;91;p14"/>
               <p:cNvSpPr/>
               <p:nvPr/>
             </p:nvSpPr>
@@ -19102,7 +22190,7 @@
           </p:sp>
           <p:sp>
             <p:nvSpPr>
-              <p:cNvPr id="86" name="Google Shape;86;p14"/>
+              <p:cNvPr id="92" name="Google Shape;92;p14"/>
               <p:cNvSpPr/>
               <p:nvPr/>
             </p:nvSpPr>
@@ -19205,7 +22293,7 @@
           </p:sp>
           <p:sp>
             <p:nvSpPr>
-              <p:cNvPr id="87" name="Google Shape;87;p14"/>
+              <p:cNvPr id="93" name="Google Shape;93;p14"/>
               <p:cNvSpPr/>
               <p:nvPr/>
             </p:nvSpPr>
@@ -19308,7 +22396,7 @@
           </p:sp>
           <p:sp>
             <p:nvSpPr>
-              <p:cNvPr id="88" name="Google Shape;88;p14"/>
+              <p:cNvPr id="94" name="Google Shape;94;p14"/>
               <p:cNvSpPr/>
               <p:nvPr/>
             </p:nvSpPr>
@@ -19411,7 +22499,7 @@
           </p:sp>
           <p:sp>
             <p:nvSpPr>
-              <p:cNvPr id="89" name="Google Shape;89;p14"/>
+              <p:cNvPr id="95" name="Google Shape;95;p14"/>
               <p:cNvSpPr/>
               <p:nvPr/>
             </p:nvSpPr>
@@ -19514,7 +22602,7 @@
           </p:sp>
           <p:sp>
             <p:nvSpPr>
-              <p:cNvPr id="90" name="Google Shape;90;p14"/>
+              <p:cNvPr id="96" name="Google Shape;96;p14"/>
               <p:cNvSpPr/>
               <p:nvPr/>
             </p:nvSpPr>
@@ -19606,7 +22694,7 @@
       </p:grpSp>
       <p:grpSp>
         <p:nvGrpSpPr>
-          <p:cNvPr id="91" name="Google Shape;91;p14"/>
+          <p:cNvPr id="97" name="Google Shape;97;p14"/>
           <p:cNvGrpSpPr/>
           <p:nvPr/>
         </p:nvGrpSpPr>
@@ -19620,7 +22708,7 @@
         </p:grpSpPr>
         <p:sp>
           <p:nvSpPr>
-            <p:cNvPr id="92" name="Google Shape;92;p14"/>
+            <p:cNvPr id="98" name="Google Shape;98;p14"/>
             <p:cNvSpPr txBox="1"/>
             <p:nvPr/>
           </p:nvSpPr>
@@ -19686,7 +22774,7 @@
         </p:sp>
         <p:sp>
           <p:nvSpPr>
-            <p:cNvPr id="93" name="Google Shape;93;p14"/>
+            <p:cNvPr id="99" name="Google Shape;99;p14"/>
             <p:cNvSpPr txBox="1"/>
             <p:nvPr/>
           </p:nvSpPr>
@@ -19709,10 +22797,7 @@
             </a:bodyPr>
             <a:lstStyle/>
             <a:p>
-              <a:pPr indent="0" lvl="0" marL="0" marR="0" rtl="0" algn="r">
-                <a:lnSpc>
-                  <a:spcPct val="100000"/>
-                </a:lnSpc>
+              <a:pPr indent="0" lvl="0" marL="0" rtl="0" algn="r">
                 <a:spcBef>
                   <a:spcPts val="0"/>
                 </a:spcBef>
@@ -19738,9 +22823,40 @@
                 </a:rPr>
                 <a:t>Started with research on menstruation and developing a tracker, and adding information from verified sources</a:t>
               </a:r>
-              <a:endParaRPr b="0" i="0" sz="1200" u="none" cap="none" strike="noStrike">
+              <a:endParaRPr sz="1200">
                 <a:solidFill>
-                  <a:srgbClr val="000000"/>
+                  <a:schemeClr val="accent6"/>
+                </a:solidFill>
+                <a:latin typeface="Roboto"/>
+                <a:ea typeface="Roboto"/>
+                <a:cs typeface="Roboto"/>
+                <a:sym typeface="Roboto"/>
+              </a:endParaRPr>
+            </a:p>
+            <a:p>
+              <a:pPr indent="0" lvl="0" marL="0" marR="0" rtl="0" algn="r">
+                <a:lnSpc>
+                  <a:spcPct val="100000"/>
+                </a:lnSpc>
+                <a:spcBef>
+                  <a:spcPts val="0"/>
+                </a:spcBef>
+                <a:spcAft>
+                  <a:spcPts val="0"/>
+                </a:spcAft>
+                <a:buClr>
+                  <a:schemeClr val="accent6"/>
+                </a:buClr>
+                <a:buSzPts val="1100"/>
+                <a:buFont typeface="Arial"/>
+                <a:buNone/>
+              </a:pPr>
+              <a:r>
+                <a:t/>
+              </a:r>
+              <a:endParaRPr sz="1200">
+                <a:solidFill>
+                  <a:schemeClr val="accent6"/>
                 </a:solidFill>
                 <a:latin typeface="Roboto"/>
                 <a:ea typeface="Roboto"/>
@@ -19752,7 +22868,7 @@
         </p:sp>
         <p:sp>
           <p:nvSpPr>
-            <p:cNvPr id="94" name="Google Shape;94;p14"/>
+            <p:cNvPr id="100" name="Google Shape;100;p14"/>
             <p:cNvSpPr/>
             <p:nvPr/>
           </p:nvSpPr>
@@ -19841,7 +22957,7 @@
         </p:sp>
         <p:sp>
           <p:nvSpPr>
-            <p:cNvPr id="95" name="Google Shape;95;p14"/>
+            <p:cNvPr id="101" name="Google Shape;101;p14"/>
             <p:cNvSpPr/>
             <p:nvPr/>
           </p:nvSpPr>
@@ -19940,7 +23056,7 @@
         </p:sp>
         <p:sp>
           <p:nvSpPr>
-            <p:cNvPr id="96" name="Google Shape;96;p14"/>
+            <p:cNvPr id="102" name="Google Shape;102;p14"/>
             <p:cNvSpPr/>
             <p:nvPr/>
           </p:nvSpPr>
@@ -20064,344 +23180,270 @@
           </p:txBody>
         </p:sp>
       </p:grpSp>
-      <p:grpSp>
-        <p:nvGrpSpPr>
-          <p:cNvPr id="97" name="Google Shape;97;p14"/>
-          <p:cNvGrpSpPr/>
-          <p:nvPr/>
-        </p:nvGrpSpPr>
-        <p:grpSpPr>
-          <a:xfrm>
-            <a:off x="3135283" y="1413752"/>
-            <a:ext cx="1112908" cy="1800762"/>
-            <a:chOff x="3092508" y="1416352"/>
-            <a:chExt cx="1112908" cy="1800762"/>
-          </a:xfrm>
-        </p:grpSpPr>
-        <p:sp>
-          <p:nvSpPr>
-            <p:cNvPr id="98" name="Google Shape;98;p14"/>
-            <p:cNvSpPr/>
-            <p:nvPr/>
-          </p:nvSpPr>
-          <p:spPr>
-            <a:xfrm>
-              <a:off x="3092508" y="2412578"/>
-              <a:ext cx="631071" cy="804536"/>
-            </a:xfrm>
-            <a:custGeom>
-              <a:rect b="b" l="l" r="r" t="t"/>
-              <a:pathLst>
-                <a:path extrusionOk="0" h="5612" w="4402">
-                  <a:moveTo>
-                    <a:pt x="456" y="1"/>
-                  </a:moveTo>
-                  <a:cubicBezTo>
-                    <a:pt x="159" y="963"/>
-                    <a:pt x="0" y="1994"/>
-                    <a:pt x="0" y="3054"/>
-                  </a:cubicBezTo>
-                  <a:cubicBezTo>
-                    <a:pt x="0" y="3936"/>
-                    <a:pt x="109" y="4789"/>
-                    <a:pt x="318" y="5611"/>
-                  </a:cubicBezTo>
-                  <a:lnTo>
-                    <a:pt x="4173" y="5611"/>
-                  </a:lnTo>
-                  <a:cubicBezTo>
-                    <a:pt x="3847" y="4818"/>
-                    <a:pt x="3658" y="3956"/>
-                    <a:pt x="3658" y="3054"/>
-                  </a:cubicBezTo>
-                  <a:cubicBezTo>
-                    <a:pt x="3658" y="1954"/>
-                    <a:pt x="3926" y="913"/>
-                    <a:pt x="4402" y="1"/>
-                  </a:cubicBezTo>
-                  <a:close/>
-                </a:path>
-              </a:pathLst>
-            </a:custGeom>
-            <a:solidFill>
-              <a:schemeClr val="accent1"/>
-            </a:solidFill>
-            <a:ln cap="flat" cmpd="sng" w="9525">
-              <a:solidFill>
-                <a:schemeClr val="accent1"/>
-              </a:solidFill>
-              <a:prstDash val="solid"/>
-              <a:round/>
-              <a:headEnd len="sm" w="sm" type="none"/>
-              <a:tailEnd len="sm" w="sm" type="none"/>
-            </a:ln>
-          </p:spPr>
-          <p:txBody>
-            <a:bodyPr anchorCtr="0" anchor="ctr" bIns="91425" lIns="91425" spcFirstLastPara="1" rIns="91425" wrap="square" tIns="91425">
-              <a:noAutofit/>
-            </a:bodyPr>
-            <a:lstStyle/>
-            <a:p>
-              <a:pPr indent="0" lvl="0" marL="0" marR="0" rtl="0" algn="l">
-                <a:lnSpc>
-                  <a:spcPct val="100000"/>
-                </a:lnSpc>
-                <a:spcBef>
-                  <a:spcPts val="0"/>
-                </a:spcBef>
-                <a:spcAft>
-                  <a:spcPts val="0"/>
-                </a:spcAft>
-                <a:buClr>
-                  <a:srgbClr val="000000"/>
-                </a:buClr>
-                <a:buSzPts val="1400"/>
-                <a:buFont typeface="Arial"/>
-                <a:buNone/>
-              </a:pPr>
-              <a:r>
-                <a:t/>
-              </a:r>
-              <a:endParaRPr b="0" i="0" sz="1400" u="none" cap="none" strike="noStrike">
-                <a:solidFill>
-                  <a:srgbClr val="000000"/>
-                </a:solidFill>
-                <a:latin typeface="Arial"/>
-                <a:ea typeface="Arial"/>
-                <a:cs typeface="Arial"/>
-                <a:sym typeface="Arial"/>
-              </a:endParaRPr>
-            </a:p>
-          </p:txBody>
-        </p:sp>
-        <p:sp>
-          <p:nvSpPr>
-            <p:cNvPr id="99" name="Google Shape;99;p14"/>
-            <p:cNvSpPr/>
-            <p:nvPr/>
-          </p:nvSpPr>
-          <p:spPr>
-            <a:xfrm>
-              <a:off x="3649609" y="1416352"/>
-              <a:ext cx="555807" cy="651141"/>
-            </a:xfrm>
-            <a:custGeom>
-              <a:rect b="b" l="l" r="r" t="t"/>
-              <a:pathLst>
-                <a:path extrusionOk="0" h="4542" w="3877">
-                  <a:moveTo>
-                    <a:pt x="3876" y="1"/>
-                  </a:moveTo>
-                  <a:cubicBezTo>
-                    <a:pt x="2439" y="367"/>
-                    <a:pt x="1130" y="1032"/>
-                    <a:pt x="0" y="1924"/>
-                  </a:cubicBezTo>
-                  <a:lnTo>
-                    <a:pt x="2617" y="4541"/>
-                  </a:lnTo>
-                  <a:cubicBezTo>
-                    <a:pt x="3014" y="4273"/>
-                    <a:pt x="3430" y="4035"/>
-                    <a:pt x="3876" y="3857"/>
-                  </a:cubicBezTo>
-                  <a:lnTo>
-                    <a:pt x="3876" y="1"/>
-                  </a:lnTo>
-                  <a:close/>
-                </a:path>
-              </a:pathLst>
-            </a:custGeom>
-            <a:solidFill>
-              <a:schemeClr val="accent1"/>
-            </a:solidFill>
-            <a:ln cap="flat" cmpd="sng" w="9525">
-              <a:solidFill>
-                <a:schemeClr val="accent1"/>
-              </a:solidFill>
-              <a:prstDash val="solid"/>
-              <a:round/>
-              <a:headEnd len="sm" w="sm" type="none"/>
-              <a:tailEnd len="sm" w="sm" type="none"/>
-            </a:ln>
-          </p:spPr>
-          <p:txBody>
-            <a:bodyPr anchorCtr="0" anchor="ctr" bIns="91425" lIns="91425" spcFirstLastPara="1" rIns="91425" wrap="square" tIns="91425">
-              <a:noAutofit/>
-            </a:bodyPr>
-            <a:lstStyle/>
-            <a:p>
-              <a:pPr indent="0" lvl="0" marL="0" marR="0" rtl="0" algn="l">
-                <a:lnSpc>
-                  <a:spcPct val="100000"/>
-                </a:lnSpc>
-                <a:spcBef>
-                  <a:spcPts val="0"/>
-                </a:spcBef>
-                <a:spcAft>
-                  <a:spcPts val="0"/>
-                </a:spcAft>
-                <a:buClr>
-                  <a:srgbClr val="000000"/>
-                </a:buClr>
-                <a:buSzPts val="1400"/>
-                <a:buFont typeface="Arial"/>
-                <a:buNone/>
-              </a:pPr>
-              <a:r>
-                <a:t/>
-              </a:r>
-              <a:endParaRPr b="0" i="0" sz="1400" u="none" cap="none" strike="noStrike">
-                <a:solidFill>
-                  <a:srgbClr val="000000"/>
-                </a:solidFill>
-                <a:latin typeface="Arial"/>
-                <a:ea typeface="Arial"/>
-                <a:cs typeface="Arial"/>
-                <a:sym typeface="Arial"/>
-              </a:endParaRPr>
-            </a:p>
-          </p:txBody>
-        </p:sp>
-        <p:sp>
-          <p:nvSpPr>
-            <p:cNvPr id="100" name="Google Shape;100;p14"/>
-            <p:cNvSpPr/>
-            <p:nvPr/>
-          </p:nvSpPr>
-          <p:spPr>
-            <a:xfrm>
-              <a:off x="3153580" y="1434129"/>
-              <a:ext cx="1051832" cy="1782968"/>
-            </a:xfrm>
-            <a:custGeom>
-              <a:rect b="b" l="l" r="r" t="t"/>
-              <a:pathLst>
-                <a:path extrusionOk="0" h="12437" w="7337">
-                  <a:moveTo>
-                    <a:pt x="1188" y="1"/>
-                  </a:moveTo>
-                  <a:cubicBezTo>
-                    <a:pt x="584" y="1"/>
-                    <a:pt x="0" y="470"/>
-                    <a:pt x="0" y="1175"/>
-                  </a:cubicBezTo>
-                  <a:lnTo>
-                    <a:pt x="0" y="6826"/>
-                  </a:lnTo>
-                  <a:lnTo>
-                    <a:pt x="3976" y="6826"/>
-                  </a:lnTo>
-                  <a:cubicBezTo>
-                    <a:pt x="3500" y="7738"/>
-                    <a:pt x="3232" y="8779"/>
-                    <a:pt x="3232" y="9879"/>
-                  </a:cubicBezTo>
-                  <a:cubicBezTo>
-                    <a:pt x="3232" y="10781"/>
-                    <a:pt x="3421" y="11643"/>
-                    <a:pt x="3747" y="12436"/>
-                  </a:cubicBezTo>
-                  <a:lnTo>
-                    <a:pt x="5245" y="12436"/>
-                  </a:lnTo>
-                  <a:cubicBezTo>
-                    <a:pt x="4828" y="11673"/>
-                    <a:pt x="4590" y="10801"/>
-                    <a:pt x="4590" y="9879"/>
-                  </a:cubicBezTo>
-                  <a:cubicBezTo>
-                    <a:pt x="4590" y="8739"/>
-                    <a:pt x="4947" y="7688"/>
-                    <a:pt x="5552" y="6826"/>
-                  </a:cubicBezTo>
-                  <a:cubicBezTo>
-                    <a:pt x="5958" y="6261"/>
-                    <a:pt x="6464" y="5765"/>
-                    <a:pt x="7058" y="5398"/>
-                  </a:cubicBezTo>
-                  <a:cubicBezTo>
-                    <a:pt x="7148" y="5339"/>
-                    <a:pt x="7237" y="5279"/>
-                    <a:pt x="7336" y="5230"/>
-                  </a:cubicBezTo>
-                  <a:lnTo>
-                    <a:pt x="7336" y="3733"/>
-                  </a:lnTo>
-                  <a:cubicBezTo>
-                    <a:pt x="6890" y="3911"/>
-                    <a:pt x="6474" y="4149"/>
-                    <a:pt x="6077" y="4417"/>
-                  </a:cubicBezTo>
-                  <a:lnTo>
-                    <a:pt x="2003" y="342"/>
-                  </a:lnTo>
-                  <a:cubicBezTo>
-                    <a:pt x="1767" y="106"/>
-                    <a:pt x="1475" y="1"/>
-                    <a:pt x="1188" y="1"/>
-                  </a:cubicBezTo>
-                  <a:close/>
-                </a:path>
-              </a:pathLst>
-            </a:custGeom>
-            <a:solidFill>
-              <a:schemeClr val="accent2"/>
-            </a:solidFill>
-            <a:ln cap="flat" cmpd="sng" w="9525">
-              <a:solidFill>
-                <a:schemeClr val="accent2"/>
-              </a:solidFill>
-              <a:prstDash val="solid"/>
-              <a:round/>
-              <a:headEnd len="sm" w="sm" type="none"/>
-              <a:tailEnd len="sm" w="sm" type="none"/>
-            </a:ln>
-          </p:spPr>
-          <p:txBody>
-            <a:bodyPr anchorCtr="0" anchor="ctr" bIns="91425" lIns="91425" spcFirstLastPara="1" rIns="91425" wrap="square" tIns="91425">
-              <a:noAutofit/>
-            </a:bodyPr>
-            <a:lstStyle/>
-            <a:p>
-              <a:pPr indent="0" lvl="0" marL="0" marR="0" rtl="0" algn="l">
-                <a:lnSpc>
-                  <a:spcPct val="100000"/>
-                </a:lnSpc>
-                <a:spcBef>
-                  <a:spcPts val="0"/>
-                </a:spcBef>
-                <a:spcAft>
-                  <a:spcPts val="0"/>
-                </a:spcAft>
-                <a:buClr>
-                  <a:srgbClr val="000000"/>
-                </a:buClr>
-                <a:buSzPts val="1400"/>
-                <a:buFont typeface="Arial"/>
-                <a:buNone/>
-              </a:pPr>
-              <a:r>
-                <a:t/>
-              </a:r>
-              <a:endParaRPr b="0" i="0" sz="1400" u="none" cap="none" strike="noStrike">
-                <a:solidFill>
-                  <a:srgbClr val="000000"/>
-                </a:solidFill>
-                <a:latin typeface="Arial"/>
-                <a:ea typeface="Arial"/>
-                <a:cs typeface="Arial"/>
-                <a:sym typeface="Arial"/>
-              </a:endParaRPr>
-            </a:p>
-          </p:txBody>
-        </p:sp>
-      </p:grpSp>
     </p:spTree>
   </p:cSld>
   <p:clrMapOvr>
     <a:masterClrMapping/>
   </p:clrMapOvr>
+  <p:timing>
+    <p:tnLst>
+      <p:par>
+        <p:cTn dur="indefinite" nodeType="tmRoot" restart="never">
+          <p:childTnLst>
+            <p:seq concurrent="1" nextAc="seek">
+              <p:cTn dur="indefinite" id="2" nodeType="mainSeq">
+                <p:childTnLst>
+                  <p:par>
+                    <p:cTn fill="hold">
+                      <p:stCondLst>
+                        <p:cond delay="indefinite"/>
+                      </p:stCondLst>
+                      <p:childTnLst>
+                        <p:par>
+                          <p:cTn fill="hold">
+                            <p:stCondLst>
+                              <p:cond delay="0"/>
+                            </p:stCondLst>
+                            <p:childTnLst>
+                              <p:par>
+                                <p:cTn fill="hold" nodeType="clickEffect" presetClass="entr" presetID="10" presetSubtype="0">
+                                  <p:stCondLst>
+                                    <p:cond delay="0"/>
+                                  </p:stCondLst>
+                                  <p:childTnLst>
+                                    <p:set>
+                                      <p:cBhvr>
+                                        <p:cTn dur="1" fill="hold">
+                                          <p:stCondLst>
+                                            <p:cond delay="0"/>
+                                          </p:stCondLst>
+                                        </p:cTn>
+                                        <p:tgtEl>
+                                          <p:spTgt spid="64"/>
+                                        </p:tgtEl>
+                                        <p:attrNameLst>
+                                          <p:attrName>style.visibility</p:attrName>
+                                        </p:attrNameLst>
+                                      </p:cBhvr>
+                                      <p:to>
+                                        <p:strVal val="visible"/>
+                                      </p:to>
+                                    </p:set>
+                                    <p:animEffect filter="fade" transition="in">
+                                      <p:cBhvr>
+                                        <p:cTn dur="1000"/>
+                                        <p:tgtEl>
+                                          <p:spTgt spid="64"/>
+                                        </p:tgtEl>
+                                      </p:cBhvr>
+                                    </p:animEffect>
+                                  </p:childTnLst>
+                                </p:cTn>
+                              </p:par>
+                            </p:childTnLst>
+                          </p:cTn>
+                        </p:par>
+                        <p:par>
+                          <p:cTn fill="hold">
+                            <p:stCondLst>
+                              <p:cond delay="1000"/>
+                            </p:stCondLst>
+                            <p:childTnLst>
+                              <p:par>
+                                <p:cTn fill="hold" nodeType="afterEffect" presetClass="entr" presetID="10" presetSubtype="0">
+                                  <p:stCondLst>
+                                    <p:cond delay="0"/>
+                                  </p:stCondLst>
+                                  <p:childTnLst>
+                                    <p:set>
+                                      <p:cBhvr>
+                                        <p:cTn dur="1" fill="hold">
+                                          <p:stCondLst>
+                                            <p:cond delay="0"/>
+                                          </p:stCondLst>
+                                        </p:cTn>
+                                        <p:tgtEl>
+                                          <p:spTgt spid="77"/>
+                                        </p:tgtEl>
+                                        <p:attrNameLst>
+                                          <p:attrName>style.visibility</p:attrName>
+                                        </p:attrNameLst>
+                                      </p:cBhvr>
+                                      <p:to>
+                                        <p:strVal val="visible"/>
+                                      </p:to>
+                                    </p:set>
+                                    <p:animEffect filter="fade" transition="in">
+                                      <p:cBhvr>
+                                        <p:cTn dur="1000"/>
+                                        <p:tgtEl>
+                                          <p:spTgt spid="77"/>
+                                        </p:tgtEl>
+                                      </p:cBhvr>
+                                    </p:animEffect>
+                                  </p:childTnLst>
+                                </p:cTn>
+                              </p:par>
+                            </p:childTnLst>
+                          </p:cTn>
+                        </p:par>
+                        <p:par>
+                          <p:cTn fill="hold">
+                            <p:stCondLst>
+                              <p:cond delay="2000"/>
+                            </p:stCondLst>
+                            <p:childTnLst>
+                              <p:par>
+                                <p:cTn fill="hold" nodeType="afterEffect" presetClass="entr" presetID="10" presetSubtype="0">
+                                  <p:stCondLst>
+                                    <p:cond delay="0"/>
+                                  </p:stCondLst>
+                                  <p:childTnLst>
+                                    <p:set>
+                                      <p:cBhvr>
+                                        <p:cTn dur="1" fill="hold">
+                                          <p:stCondLst>
+                                            <p:cond delay="0"/>
+                                          </p:stCondLst>
+                                        </p:cTn>
+                                        <p:tgtEl>
+                                          <p:spTgt spid="97"/>
+                                        </p:tgtEl>
+                                        <p:attrNameLst>
+                                          <p:attrName>style.visibility</p:attrName>
+                                        </p:attrNameLst>
+                                      </p:cBhvr>
+                                      <p:to>
+                                        <p:strVal val="visible"/>
+                                      </p:to>
+                                    </p:set>
+                                    <p:animEffect filter="fade" transition="in">
+                                      <p:cBhvr>
+                                        <p:cTn dur="1000"/>
+                                        <p:tgtEl>
+                                          <p:spTgt spid="97"/>
+                                        </p:tgtEl>
+                                      </p:cBhvr>
+                                    </p:animEffect>
+                                  </p:childTnLst>
+                                </p:cTn>
+                              </p:par>
+                            </p:childTnLst>
+                          </p:cTn>
+                        </p:par>
+                        <p:par>
+                          <p:cTn fill="hold">
+                            <p:stCondLst>
+                              <p:cond delay="3000"/>
+                            </p:stCondLst>
+                            <p:childTnLst>
+                              <p:par>
+                                <p:cTn fill="hold" nodeType="afterEffect" presetClass="entr" presetID="10" presetSubtype="0">
+                                  <p:stCondLst>
+                                    <p:cond delay="0"/>
+                                  </p:stCondLst>
+                                  <p:childTnLst>
+                                    <p:set>
+                                      <p:cBhvr>
+                                        <p:cTn dur="1" fill="hold">
+                                          <p:stCondLst>
+                                            <p:cond delay="0"/>
+                                          </p:stCondLst>
+                                        </p:cTn>
+                                        <p:tgtEl>
+                                          <p:spTgt spid="71"/>
+                                        </p:tgtEl>
+                                        <p:attrNameLst>
+                                          <p:attrName>style.visibility</p:attrName>
+                                        </p:attrNameLst>
+                                      </p:cBhvr>
+                                      <p:to>
+                                        <p:strVal val="visible"/>
+                                      </p:to>
+                                    </p:set>
+                                    <p:animEffect filter="fade" transition="in">
+                                      <p:cBhvr>
+                                        <p:cTn dur="1000"/>
+                                        <p:tgtEl>
+                                          <p:spTgt spid="71"/>
+                                        </p:tgtEl>
+                                      </p:cBhvr>
+                                    </p:animEffect>
+                                  </p:childTnLst>
+                                </p:cTn>
+                              </p:par>
+                            </p:childTnLst>
+                          </p:cTn>
+                        </p:par>
+                        <p:par>
+                          <p:cTn fill="hold">
+                            <p:stCondLst>
+                              <p:cond delay="4000"/>
+                            </p:stCondLst>
+                            <p:childTnLst>
+                              <p:par>
+                                <p:cTn fill="hold" nodeType="afterEffect" presetClass="entr" presetID="10" presetSubtype="0">
+                                  <p:stCondLst>
+                                    <p:cond delay="0"/>
+                                  </p:stCondLst>
+                                  <p:childTnLst>
+                                    <p:set>
+                                      <p:cBhvr>
+                                        <p:cTn dur="1" fill="hold">
+                                          <p:stCondLst>
+                                            <p:cond delay="0"/>
+                                          </p:stCondLst>
+                                        </p:cTn>
+                                        <p:tgtEl>
+                                          <p:spTgt spid="65"/>
+                                        </p:tgtEl>
+                                        <p:attrNameLst>
+                                          <p:attrName>style.visibility</p:attrName>
+                                        </p:attrNameLst>
+                                      </p:cBhvr>
+                                      <p:to>
+                                        <p:strVal val="visible"/>
+                                      </p:to>
+                                    </p:set>
+                                    <p:animEffect filter="fade" transition="in">
+                                      <p:cBhvr>
+                                        <p:cTn dur="1000"/>
+                                        <p:tgtEl>
+                                          <p:spTgt spid="65"/>
+                                        </p:tgtEl>
+                                      </p:cBhvr>
+                                    </p:animEffect>
+                                  </p:childTnLst>
+                                </p:cTn>
+                              </p:par>
+                            </p:childTnLst>
+                          </p:cTn>
+                        </p:par>
+                      </p:childTnLst>
+                    </p:cTn>
+                  </p:par>
+                </p:childTnLst>
+              </p:cTn>
+              <p:prevCondLst>
+                <p:cond evt="onPrev">
+                  <p:tgtEl>
+                    <p:sldTgt/>
+                  </p:tgtEl>
+                </p:cond>
+              </p:prevCondLst>
+              <p:nextCondLst>
+                <p:cond evt="onNext">
+                  <p:tgtEl>
+                    <p:sldTgt/>
+                  </p:tgtEl>
+                </p:cond>
+              </p:nextCondLst>
+            </p:seq>
+          </p:childTnLst>
+        </p:cTn>
+      </p:par>
+    </p:tnLst>
+  </p:timing>
 </p:sld>
 </file>
 
@@ -20410,7 +23452,7 @@
   <p:cSld>
     <p:spTree>
       <p:nvGrpSpPr>
-        <p:cNvPr id="104" name="Shape 104"/>
+        <p:cNvPr id="106" name="Shape 106"/>
         <p:cNvGrpSpPr/>
         <p:nvPr/>
       </p:nvGrpSpPr>
@@ -20424,7 +23466,7 @@
       </p:grpSpPr>
       <p:sp>
         <p:nvSpPr>
-          <p:cNvPr id="105" name="Google Shape;105;p15"/>
+          <p:cNvPr id="107" name="Google Shape;107;p15"/>
           <p:cNvSpPr/>
           <p:nvPr/>
         </p:nvSpPr>
@@ -20515,7 +23557,7 @@
       </p:sp>
       <p:sp>
         <p:nvSpPr>
-          <p:cNvPr id="106" name="Google Shape;106;p15"/>
+          <p:cNvPr id="108" name="Google Shape;108;p15"/>
           <p:cNvSpPr/>
           <p:nvPr/>
         </p:nvSpPr>
@@ -20600,7 +23642,7 @@
       </p:sp>
       <p:sp>
         <p:nvSpPr>
-          <p:cNvPr id="107" name="Google Shape;107;p15"/>
+          <p:cNvPr id="109" name="Google Shape;109;p15"/>
           <p:cNvSpPr/>
           <p:nvPr/>
         </p:nvSpPr>
@@ -20676,7 +23718,7 @@
       </p:sp>
       <p:sp>
         <p:nvSpPr>
-          <p:cNvPr id="108" name="Google Shape;108;p15"/>
+          <p:cNvPr id="110" name="Google Shape;110;p15"/>
           <p:cNvSpPr txBox="1"/>
           <p:nvPr/>
         </p:nvSpPr>
@@ -20742,7 +23784,7 @@
       </p:sp>
       <p:sp>
         <p:nvSpPr>
-          <p:cNvPr id="109" name="Google Shape;109;p15"/>
+          <p:cNvPr id="111" name="Google Shape;111;p15"/>
           <p:cNvSpPr/>
           <p:nvPr/>
         </p:nvSpPr>
@@ -20827,7 +23869,7 @@
       </p:sp>
       <p:sp>
         <p:nvSpPr>
-          <p:cNvPr id="110" name="Google Shape;110;p15"/>
+          <p:cNvPr id="112" name="Google Shape;112;p15"/>
           <p:cNvSpPr txBox="1"/>
           <p:nvPr/>
         </p:nvSpPr>
@@ -20924,7 +23966,7 @@
       </p:sp>
       <p:sp>
         <p:nvSpPr>
-          <p:cNvPr id="111" name="Google Shape;111;p15"/>
+          <p:cNvPr id="113" name="Google Shape;113;p15"/>
           <p:cNvSpPr/>
           <p:nvPr/>
         </p:nvSpPr>
@@ -21015,7 +24057,7 @@
       </p:sp>
       <p:sp>
         <p:nvSpPr>
-          <p:cNvPr id="112" name="Google Shape;112;p15"/>
+          <p:cNvPr id="114" name="Google Shape;114;p15"/>
           <p:cNvSpPr/>
           <p:nvPr/>
         </p:nvSpPr>
@@ -21091,7 +24133,7 @@
       </p:sp>
       <p:sp>
         <p:nvSpPr>
-          <p:cNvPr id="113" name="Google Shape;113;p15"/>
+          <p:cNvPr id="115" name="Google Shape;115;p15"/>
           <p:cNvSpPr txBox="1"/>
           <p:nvPr/>
         </p:nvSpPr>
@@ -21157,7 +24199,7 @@
       </p:sp>
       <p:sp>
         <p:nvSpPr>
-          <p:cNvPr id="114" name="Google Shape;114;p15"/>
+          <p:cNvPr id="116" name="Google Shape;116;p15"/>
           <p:cNvSpPr/>
           <p:nvPr/>
         </p:nvSpPr>
@@ -21242,7 +24284,7 @@
       </p:sp>
       <p:sp>
         <p:nvSpPr>
-          <p:cNvPr id="115" name="Google Shape;115;p15"/>
+          <p:cNvPr id="117" name="Google Shape;117;p15"/>
           <p:cNvSpPr/>
           <p:nvPr/>
         </p:nvSpPr>
@@ -21327,7 +24369,7 @@
       </p:sp>
       <p:sp>
         <p:nvSpPr>
-          <p:cNvPr id="116" name="Google Shape;116;p15"/>
+          <p:cNvPr id="118" name="Google Shape;118;p15"/>
           <p:cNvSpPr txBox="1"/>
           <p:nvPr/>
         </p:nvSpPr>
@@ -21393,7 +24435,7 @@
       </p:sp>
       <p:sp>
         <p:nvSpPr>
-          <p:cNvPr id="117" name="Google Shape;117;p15"/>
+          <p:cNvPr id="119" name="Google Shape;119;p15"/>
           <p:cNvSpPr txBox="1"/>
           <p:nvPr>
             <p:ph type="title"/>
@@ -21449,7 +24491,7 @@
       </p:sp>
       <p:sp>
         <p:nvSpPr>
-          <p:cNvPr id="118" name="Google Shape;118;p15"/>
+          <p:cNvPr id="120" name="Google Shape;120;p15"/>
           <p:cNvSpPr/>
           <p:nvPr/>
         </p:nvSpPr>
@@ -21534,7 +24576,7 @@
       </p:sp>
       <p:sp>
         <p:nvSpPr>
-          <p:cNvPr id="119" name="Google Shape;119;p15"/>
+          <p:cNvPr id="121" name="Google Shape;121;p15"/>
           <p:cNvSpPr/>
           <p:nvPr/>
         </p:nvSpPr>
@@ -21610,7 +24652,7 @@
       </p:sp>
       <p:sp>
         <p:nvSpPr>
-          <p:cNvPr id="120" name="Google Shape;120;p15"/>
+          <p:cNvPr id="122" name="Google Shape;122;p15"/>
           <p:cNvSpPr txBox="1"/>
           <p:nvPr/>
         </p:nvSpPr>
@@ -21676,7 +24718,7 @@
       </p:sp>
       <p:sp>
         <p:nvSpPr>
-          <p:cNvPr id="121" name="Google Shape;121;p15"/>
+          <p:cNvPr id="123" name="Google Shape;123;p15"/>
           <p:cNvSpPr/>
           <p:nvPr/>
         </p:nvSpPr>
@@ -21761,7 +24803,7 @@
       </p:sp>
       <p:sp>
         <p:nvSpPr>
-          <p:cNvPr id="122" name="Google Shape;122;p15"/>
+          <p:cNvPr id="124" name="Google Shape;124;p15"/>
           <p:cNvSpPr/>
           <p:nvPr/>
         </p:nvSpPr>
@@ -21846,7 +24888,7 @@
       </p:sp>
       <p:sp>
         <p:nvSpPr>
-          <p:cNvPr id="123" name="Google Shape;123;p15"/>
+          <p:cNvPr id="125" name="Google Shape;125;p15"/>
           <p:cNvSpPr txBox="1"/>
           <p:nvPr/>
         </p:nvSpPr>
@@ -21939,6 +24981,343 @@
   <p:clrMapOvr>
     <a:masterClrMapping/>
   </p:clrMapOvr>
+  <p:timing>
+    <p:tnLst>
+      <p:par>
+        <p:cTn dur="indefinite" nodeType="tmRoot" restart="never">
+          <p:childTnLst>
+            <p:seq concurrent="1" nextAc="seek">
+              <p:cTn dur="indefinite" id="2" nodeType="mainSeq">
+                <p:childTnLst>
+                  <p:par>
+                    <p:cTn fill="hold">
+                      <p:stCondLst>
+                        <p:cond delay="indefinite"/>
+                      </p:stCondLst>
+                      <p:childTnLst>
+                        <p:par>
+                          <p:cTn fill="hold">
+                            <p:stCondLst>
+                              <p:cond delay="0"/>
+                            </p:stCondLst>
+                            <p:childTnLst>
+                              <p:par>
+                                <p:cTn fill="hold" nodeType="clickEffect" presetClass="entr" presetID="10" presetSubtype="0">
+                                  <p:stCondLst>
+                                    <p:cond delay="0"/>
+                                  </p:stCondLst>
+                                  <p:childTnLst>
+                                    <p:set>
+                                      <p:cBhvr>
+                                        <p:cTn dur="1" fill="hold">
+                                          <p:stCondLst>
+                                            <p:cond delay="0"/>
+                                          </p:stCondLst>
+                                        </p:cTn>
+                                        <p:tgtEl>
+                                          <p:spTgt spid="119"/>
+                                        </p:tgtEl>
+                                        <p:attrNameLst>
+                                          <p:attrName>style.visibility</p:attrName>
+                                        </p:attrNameLst>
+                                      </p:cBhvr>
+                                      <p:to>
+                                        <p:strVal val="visible"/>
+                                      </p:to>
+                                    </p:set>
+                                    <p:animEffect filter="fade" transition="in">
+                                      <p:cBhvr>
+                                        <p:cTn dur="1000"/>
+                                        <p:tgtEl>
+                                          <p:spTgt spid="119"/>
+                                        </p:tgtEl>
+                                      </p:cBhvr>
+                                    </p:animEffect>
+                                  </p:childTnLst>
+                                </p:cTn>
+                              </p:par>
+                            </p:childTnLst>
+                          </p:cTn>
+                        </p:par>
+                        <p:par>
+                          <p:cTn fill="hold">
+                            <p:stCondLst>
+                              <p:cond delay="1000"/>
+                            </p:stCondLst>
+                            <p:childTnLst>
+                              <p:par>
+                                <p:cTn fill="hold" nodeType="afterEffect" presetClass="entr" presetID="10" presetSubtype="0">
+                                  <p:stCondLst>
+                                    <p:cond delay="0"/>
+                                  </p:stCondLst>
+                                  <p:childTnLst>
+                                    <p:set>
+                                      <p:cBhvr>
+                                        <p:cTn dur="1" fill="hold">
+                                          <p:stCondLst>
+                                            <p:cond delay="0"/>
+                                          </p:stCondLst>
+                                        </p:cTn>
+                                        <p:tgtEl>
+                                          <p:spTgt spid="122"/>
+                                        </p:tgtEl>
+                                        <p:attrNameLst>
+                                          <p:attrName>style.visibility</p:attrName>
+                                        </p:attrNameLst>
+                                      </p:cBhvr>
+                                      <p:to>
+                                        <p:strVal val="visible"/>
+                                      </p:to>
+                                    </p:set>
+                                    <p:animEffect filter="fade" transition="in">
+                                      <p:cBhvr>
+                                        <p:cTn dur="1000"/>
+                                        <p:tgtEl>
+                                          <p:spTgt spid="122"/>
+                                        </p:tgtEl>
+                                      </p:cBhvr>
+                                    </p:animEffect>
+                                  </p:childTnLst>
+                                </p:cTn>
+                              </p:par>
+                            </p:childTnLst>
+                          </p:cTn>
+                        </p:par>
+                        <p:par>
+                          <p:cTn fill="hold">
+                            <p:stCondLst>
+                              <p:cond delay="2000"/>
+                            </p:stCondLst>
+                            <p:childTnLst>
+                              <p:par>
+                                <p:cTn fill="hold" nodeType="afterEffect" presetClass="entr" presetID="10" presetSubtype="0">
+                                  <p:stCondLst>
+                                    <p:cond delay="0"/>
+                                  </p:stCondLst>
+                                  <p:childTnLst>
+                                    <p:set>
+                                      <p:cBhvr>
+                                        <p:cTn dur="1" fill="hold">
+                                          <p:stCondLst>
+                                            <p:cond delay="0"/>
+                                          </p:stCondLst>
+                                        </p:cTn>
+                                        <p:tgtEl>
+                                          <p:spTgt spid="125">
+                                            <p:txEl>
+                                              <p:pRg end="0" st="0"/>
+                                            </p:txEl>
+                                          </p:spTgt>
+                                        </p:tgtEl>
+                                        <p:attrNameLst>
+                                          <p:attrName>style.visibility</p:attrName>
+                                        </p:attrNameLst>
+                                      </p:cBhvr>
+                                      <p:to>
+                                        <p:strVal val="visible"/>
+                                      </p:to>
+                                    </p:set>
+                                    <p:animEffect filter="fade" transition="in">
+                                      <p:cBhvr>
+                                        <p:cTn dur="1000"/>
+                                        <p:tgtEl>
+                                          <p:spTgt spid="125">
+                                            <p:txEl>
+                                              <p:pRg end="0" st="0"/>
+                                            </p:txEl>
+                                          </p:spTgt>
+                                        </p:tgtEl>
+                                      </p:cBhvr>
+                                    </p:animEffect>
+                                  </p:childTnLst>
+                                </p:cTn>
+                              </p:par>
+                            </p:childTnLst>
+                          </p:cTn>
+                        </p:par>
+                        <p:par>
+                          <p:cTn fill="hold">
+                            <p:stCondLst>
+                              <p:cond delay="3000"/>
+                            </p:stCondLst>
+                            <p:childTnLst>
+                              <p:par>
+                                <p:cTn fill="hold" nodeType="afterEffect" presetClass="entr" presetID="10" presetSubtype="0">
+                                  <p:stCondLst>
+                                    <p:cond delay="0"/>
+                                  </p:stCondLst>
+                                  <p:childTnLst>
+                                    <p:set>
+                                      <p:cBhvr>
+                                        <p:cTn dur="1" fill="hold">
+                                          <p:stCondLst>
+                                            <p:cond delay="0"/>
+                                          </p:stCondLst>
+                                        </p:cTn>
+                                        <p:tgtEl>
+                                          <p:spTgt spid="115"/>
+                                        </p:tgtEl>
+                                        <p:attrNameLst>
+                                          <p:attrName>style.visibility</p:attrName>
+                                        </p:attrNameLst>
+                                      </p:cBhvr>
+                                      <p:to>
+                                        <p:strVal val="visible"/>
+                                      </p:to>
+                                    </p:set>
+                                    <p:animEffect filter="fade" transition="in">
+                                      <p:cBhvr>
+                                        <p:cTn dur="1000"/>
+                                        <p:tgtEl>
+                                          <p:spTgt spid="115"/>
+                                        </p:tgtEl>
+                                      </p:cBhvr>
+                                    </p:animEffect>
+                                  </p:childTnLst>
+                                </p:cTn>
+                              </p:par>
+                              <p:par>
+                                <p:cTn fill="hold" nodeType="withEffect" presetClass="entr" presetID="10" presetSubtype="0">
+                                  <p:stCondLst>
+                                    <p:cond delay="0"/>
+                                  </p:stCondLst>
+                                  <p:childTnLst>
+                                    <p:set>
+                                      <p:cBhvr>
+                                        <p:cTn dur="1" fill="hold">
+                                          <p:stCondLst>
+                                            <p:cond delay="0"/>
+                                          </p:stCondLst>
+                                        </p:cTn>
+                                        <p:tgtEl>
+                                          <p:spTgt spid="118"/>
+                                        </p:tgtEl>
+                                        <p:attrNameLst>
+                                          <p:attrName>style.visibility</p:attrName>
+                                        </p:attrNameLst>
+                                      </p:cBhvr>
+                                      <p:to>
+                                        <p:strVal val="visible"/>
+                                      </p:to>
+                                    </p:set>
+                                    <p:animEffect filter="fade" transition="in">
+                                      <p:cBhvr>
+                                        <p:cTn dur="1000"/>
+                                        <p:tgtEl>
+                                          <p:spTgt spid="118"/>
+                                        </p:tgtEl>
+                                      </p:cBhvr>
+                                    </p:animEffect>
+                                  </p:childTnLst>
+                                </p:cTn>
+                              </p:par>
+                            </p:childTnLst>
+                          </p:cTn>
+                        </p:par>
+                        <p:par>
+                          <p:cTn fill="hold">
+                            <p:stCondLst>
+                              <p:cond delay="4000"/>
+                            </p:stCondLst>
+                            <p:childTnLst>
+                              <p:par>
+                                <p:cTn fill="hold" nodeType="afterEffect" presetClass="entr" presetID="10" presetSubtype="0">
+                                  <p:stCondLst>
+                                    <p:cond delay="0"/>
+                                  </p:stCondLst>
+                                  <p:childTnLst>
+                                    <p:set>
+                                      <p:cBhvr>
+                                        <p:cTn dur="1" fill="hold">
+                                          <p:stCondLst>
+                                            <p:cond delay="0"/>
+                                          </p:stCondLst>
+                                        </p:cTn>
+                                        <p:tgtEl>
+                                          <p:spTgt spid="110"/>
+                                        </p:tgtEl>
+                                        <p:attrNameLst>
+                                          <p:attrName>style.visibility</p:attrName>
+                                        </p:attrNameLst>
+                                      </p:cBhvr>
+                                      <p:to>
+                                        <p:strVal val="visible"/>
+                                      </p:to>
+                                    </p:set>
+                                    <p:animEffect filter="fade" transition="in">
+                                      <p:cBhvr>
+                                        <p:cTn dur="1000"/>
+                                        <p:tgtEl>
+                                          <p:spTgt spid="110"/>
+                                        </p:tgtEl>
+                                      </p:cBhvr>
+                                    </p:animEffect>
+                                  </p:childTnLst>
+                                </p:cTn>
+                              </p:par>
+                              <p:par>
+                                <p:cTn fill="hold" nodeType="withEffect" presetClass="entr" presetID="10" presetSubtype="0">
+                                  <p:stCondLst>
+                                    <p:cond delay="0"/>
+                                  </p:stCondLst>
+                                  <p:childTnLst>
+                                    <p:set>
+                                      <p:cBhvr>
+                                        <p:cTn dur="1" fill="hold">
+                                          <p:stCondLst>
+                                            <p:cond delay="0"/>
+                                          </p:stCondLst>
+                                        </p:cTn>
+                                        <p:tgtEl>
+                                          <p:spTgt spid="112"/>
+                                        </p:tgtEl>
+                                        <p:attrNameLst>
+                                          <p:attrName>style.visibility</p:attrName>
+                                        </p:attrNameLst>
+                                      </p:cBhvr>
+                                      <p:to>
+                                        <p:strVal val="visible"/>
+                                      </p:to>
+                                    </p:set>
+                                    <p:animEffect filter="fade" transition="in">
+                                      <p:cBhvr>
+                                        <p:cTn dur="1000"/>
+                                        <p:tgtEl>
+                                          <p:spTgt spid="112"/>
+                                        </p:tgtEl>
+                                      </p:cBhvr>
+                                    </p:animEffect>
+                                  </p:childTnLst>
+                                </p:cTn>
+                              </p:par>
+                            </p:childTnLst>
+                          </p:cTn>
+                        </p:par>
+                      </p:childTnLst>
+                    </p:cTn>
+                  </p:par>
+                </p:childTnLst>
+              </p:cTn>
+              <p:prevCondLst>
+                <p:cond evt="onPrev">
+                  <p:tgtEl>
+                    <p:sldTgt/>
+                  </p:tgtEl>
+                </p:cond>
+              </p:prevCondLst>
+              <p:nextCondLst>
+                <p:cond evt="onNext">
+                  <p:tgtEl>
+                    <p:sldTgt/>
+                  </p:tgtEl>
+                </p:cond>
+              </p:nextCondLst>
+            </p:seq>
+          </p:childTnLst>
+        </p:cTn>
+      </p:par>
+    </p:tnLst>
+  </p:timing>
 </p:sld>
 </file>
 
@@ -21947,7 +25326,7 @@
   <p:cSld>
     <p:spTree>
       <p:nvGrpSpPr>
-        <p:cNvPr id="127" name="Shape 127"/>
+        <p:cNvPr id="129" name="Shape 129"/>
         <p:cNvGrpSpPr/>
         <p:nvPr/>
       </p:nvGrpSpPr>
@@ -21961,7 +25340,7 @@
       </p:grpSpPr>
       <p:sp>
         <p:nvSpPr>
-          <p:cNvPr id="128" name="Google Shape;128;p16"/>
+          <p:cNvPr id="130" name="Google Shape;130;p16"/>
           <p:cNvSpPr txBox="1"/>
           <p:nvPr>
             <p:ph type="title"/>
@@ -22017,7 +25396,7 @@
       </p:sp>
       <p:sp>
         <p:nvSpPr>
-          <p:cNvPr id="129" name="Google Shape;129;p16"/>
+          <p:cNvPr id="131" name="Google Shape;131;p16"/>
           <p:cNvSpPr/>
           <p:nvPr/>
         </p:nvSpPr>
@@ -22260,7 +25639,7 @@
       </p:sp>
       <p:grpSp>
         <p:nvGrpSpPr>
-          <p:cNvPr id="130" name="Google Shape;130;p16"/>
+          <p:cNvPr id="132" name="Google Shape;132;p16"/>
           <p:cNvGrpSpPr/>
           <p:nvPr/>
         </p:nvGrpSpPr>
@@ -22274,7 +25653,7 @@
         </p:grpSpPr>
         <p:sp>
           <p:nvSpPr>
-            <p:cNvPr id="131" name="Google Shape;131;p16"/>
+            <p:cNvPr id="133" name="Google Shape;133;p16"/>
             <p:cNvSpPr/>
             <p:nvPr/>
           </p:nvSpPr>
@@ -22364,7 +25743,7 @@
         </p:sp>
         <p:sp>
           <p:nvSpPr>
-            <p:cNvPr id="132" name="Google Shape;132;p16"/>
+            <p:cNvPr id="134" name="Google Shape;134;p16"/>
             <p:cNvSpPr/>
             <p:nvPr/>
           </p:nvSpPr>
@@ -22451,7 +25830,7 @@
         </p:sp>
         <p:sp>
           <p:nvSpPr>
-            <p:cNvPr id="133" name="Google Shape;133;p16"/>
+            <p:cNvPr id="135" name="Google Shape;135;p16"/>
             <p:cNvSpPr/>
             <p:nvPr/>
           </p:nvSpPr>
@@ -22538,7 +25917,7 @@
         </p:sp>
         <p:sp>
           <p:nvSpPr>
-            <p:cNvPr id="134" name="Google Shape;134;p16"/>
+            <p:cNvPr id="136" name="Google Shape;136;p16"/>
             <p:cNvSpPr/>
             <p:nvPr/>
           </p:nvSpPr>
@@ -22746,7 +26125,7 @@
         </p:sp>
         <p:sp>
           <p:nvSpPr>
-            <p:cNvPr id="135" name="Google Shape;135;p16"/>
+            <p:cNvPr id="137" name="Google Shape;137;p16"/>
             <p:cNvSpPr/>
             <p:nvPr/>
           </p:nvSpPr>
@@ -22833,7 +26212,7 @@
         </p:sp>
         <p:sp>
           <p:nvSpPr>
-            <p:cNvPr id="136" name="Google Shape;136;p16"/>
+            <p:cNvPr id="138" name="Google Shape;138;p16"/>
             <p:cNvSpPr/>
             <p:nvPr/>
           </p:nvSpPr>
@@ -22921,7 +26300,7 @@
       </p:grpSp>
       <p:sp>
         <p:nvSpPr>
-          <p:cNvPr id="137" name="Google Shape;137;p16"/>
+          <p:cNvPr id="139" name="Google Shape;139;p16"/>
           <p:cNvSpPr/>
           <p:nvPr/>
         </p:nvSpPr>
@@ -23176,7 +26555,7 @@
       </p:sp>
       <p:grpSp>
         <p:nvGrpSpPr>
-          <p:cNvPr id="138" name="Google Shape;138;p16"/>
+          <p:cNvPr id="140" name="Google Shape;140;p16"/>
           <p:cNvGrpSpPr/>
           <p:nvPr/>
         </p:nvGrpSpPr>
@@ -23190,7 +26569,7 @@
         </p:grpSpPr>
         <p:sp>
           <p:nvSpPr>
-            <p:cNvPr id="139" name="Google Shape;139;p16"/>
+            <p:cNvPr id="141" name="Google Shape;141;p16"/>
             <p:cNvSpPr/>
             <p:nvPr/>
           </p:nvSpPr>
@@ -23330,7 +26709,7 @@
         </p:sp>
         <p:sp>
           <p:nvSpPr>
-            <p:cNvPr id="140" name="Google Shape;140;p16"/>
+            <p:cNvPr id="142" name="Google Shape;142;p16"/>
             <p:cNvSpPr/>
             <p:nvPr/>
           </p:nvSpPr>
@@ -23455,7 +26834,7 @@
         </p:sp>
         <p:sp>
           <p:nvSpPr>
-            <p:cNvPr id="141" name="Google Shape;141;p16"/>
+            <p:cNvPr id="143" name="Google Shape;143;p16"/>
             <p:cNvSpPr/>
             <p:nvPr/>
           </p:nvSpPr>
@@ -23638,7 +27017,7 @@
       </p:grpSp>
       <p:sp>
         <p:nvSpPr>
-          <p:cNvPr id="142" name="Google Shape;142;p16"/>
+          <p:cNvPr id="144" name="Google Shape;144;p16"/>
           <p:cNvSpPr/>
           <p:nvPr/>
         </p:nvSpPr>
@@ -23734,7 +27113,7 @@
       </p:sp>
       <p:sp>
         <p:nvSpPr>
-          <p:cNvPr id="143" name="Google Shape;143;p16"/>
+          <p:cNvPr id="145" name="Google Shape;145;p16"/>
           <p:cNvSpPr/>
           <p:nvPr/>
         </p:nvSpPr>
@@ -23830,7 +27209,7 @@
       </p:sp>
       <p:sp>
         <p:nvSpPr>
-          <p:cNvPr id="144" name="Google Shape;144;p16"/>
+          <p:cNvPr id="146" name="Google Shape;146;p16"/>
           <p:cNvSpPr/>
           <p:nvPr/>
         </p:nvSpPr>
@@ -23926,7 +27305,7 @@
       </p:sp>
       <p:sp>
         <p:nvSpPr>
-          <p:cNvPr id="145" name="Google Shape;145;p16"/>
+          <p:cNvPr id="147" name="Google Shape;147;p16"/>
           <p:cNvSpPr/>
           <p:nvPr/>
         </p:nvSpPr>
@@ -24022,7 +27401,7 @@
       </p:sp>
       <p:sp>
         <p:nvSpPr>
-          <p:cNvPr id="146" name="Google Shape;146;p16"/>
+          <p:cNvPr id="148" name="Google Shape;148;p16"/>
           <p:cNvSpPr/>
           <p:nvPr/>
         </p:nvSpPr>
@@ -24099,7 +27478,7 @@
       </p:sp>
       <p:sp>
         <p:nvSpPr>
-          <p:cNvPr id="147" name="Google Shape;147;p16"/>
+          <p:cNvPr id="149" name="Google Shape;149;p16"/>
           <p:cNvSpPr/>
           <p:nvPr/>
         </p:nvSpPr>
@@ -24179,7 +27558,7 @@
       </p:sp>
       <p:sp>
         <p:nvSpPr>
-          <p:cNvPr id="148" name="Google Shape;148;p16"/>
+          <p:cNvPr id="150" name="Google Shape;150;p16"/>
           <p:cNvSpPr/>
           <p:nvPr/>
         </p:nvSpPr>
@@ -24259,7 +27638,7 @@
       </p:sp>
       <p:sp>
         <p:nvSpPr>
-          <p:cNvPr id="149" name="Google Shape;149;p16"/>
+          <p:cNvPr id="151" name="Google Shape;151;p16"/>
           <p:cNvSpPr/>
           <p:nvPr/>
         </p:nvSpPr>
@@ -24362,7 +27741,7 @@
       </p:sp>
       <p:sp>
         <p:nvSpPr>
-          <p:cNvPr id="150" name="Google Shape;150;p16"/>
+          <p:cNvPr id="152" name="Google Shape;152;p16"/>
           <p:cNvSpPr/>
           <p:nvPr/>
         </p:nvSpPr>
@@ -24465,7 +27844,7 @@
       </p:sp>
       <p:sp>
         <p:nvSpPr>
-          <p:cNvPr id="151" name="Google Shape;151;p16"/>
+          <p:cNvPr id="153" name="Google Shape;153;p16"/>
           <p:cNvSpPr/>
           <p:nvPr/>
         </p:nvSpPr>
@@ -24568,7 +27947,7 @@
       </p:sp>
       <p:sp>
         <p:nvSpPr>
-          <p:cNvPr id="152" name="Google Shape;152;p16"/>
+          <p:cNvPr id="154" name="Google Shape;154;p16"/>
           <p:cNvSpPr/>
           <p:nvPr/>
         </p:nvSpPr>
@@ -24671,7 +28050,7 @@
       </p:sp>
       <p:sp>
         <p:nvSpPr>
-          <p:cNvPr id="153" name="Google Shape;153;p16"/>
+          <p:cNvPr id="155" name="Google Shape;155;p16"/>
           <p:cNvSpPr/>
           <p:nvPr/>
         </p:nvSpPr>
@@ -24774,7 +28153,7 @@
       </p:sp>
       <p:sp>
         <p:nvSpPr>
-          <p:cNvPr id="154" name="Google Shape;154;p16"/>
+          <p:cNvPr id="156" name="Google Shape;156;p16"/>
           <p:cNvSpPr/>
           <p:nvPr/>
         </p:nvSpPr>
@@ -24877,7 +28256,7 @@
       </p:sp>
       <p:grpSp>
         <p:nvGrpSpPr>
-          <p:cNvPr id="155" name="Google Shape;155;p16"/>
+          <p:cNvPr id="157" name="Google Shape;157;p16"/>
           <p:cNvGrpSpPr/>
           <p:nvPr/>
         </p:nvGrpSpPr>
@@ -24891,7 +28270,7 @@
         </p:grpSpPr>
         <p:sp>
           <p:nvSpPr>
-            <p:cNvPr id="156" name="Google Shape;156;p16"/>
+            <p:cNvPr id="158" name="Google Shape;158;p16"/>
             <p:cNvSpPr/>
             <p:nvPr/>
           </p:nvSpPr>
@@ -24993,7 +28372,7 @@
         </p:sp>
         <p:sp>
           <p:nvSpPr>
-            <p:cNvPr id="157" name="Google Shape;157;p16"/>
+            <p:cNvPr id="159" name="Google Shape;159;p16"/>
             <p:cNvSpPr txBox="1"/>
             <p:nvPr/>
           </p:nvSpPr>
@@ -25059,7 +28438,7 @@
         </p:sp>
         <p:sp>
           <p:nvSpPr>
-            <p:cNvPr id="158" name="Google Shape;158;p16"/>
+            <p:cNvPr id="160" name="Google Shape;160;p16"/>
             <p:cNvSpPr txBox="1"/>
             <p:nvPr/>
           </p:nvSpPr>
@@ -25126,7 +28505,7 @@
       </p:grpSp>
       <p:grpSp>
         <p:nvGrpSpPr>
-          <p:cNvPr id="159" name="Google Shape;159;p16"/>
+          <p:cNvPr id="161" name="Google Shape;161;p16"/>
           <p:cNvGrpSpPr/>
           <p:nvPr/>
         </p:nvGrpSpPr>
@@ -25140,7 +28519,7 @@
         </p:grpSpPr>
         <p:sp>
           <p:nvSpPr>
-            <p:cNvPr id="160" name="Google Shape;160;p16"/>
+            <p:cNvPr id="162" name="Google Shape;162;p16"/>
             <p:cNvSpPr/>
             <p:nvPr/>
           </p:nvSpPr>
@@ -25239,7 +28618,7 @@
         </p:sp>
         <p:sp>
           <p:nvSpPr>
-            <p:cNvPr id="161" name="Google Shape;161;p16"/>
+            <p:cNvPr id="163" name="Google Shape;163;p16"/>
             <p:cNvSpPr txBox="1"/>
             <p:nvPr/>
           </p:nvSpPr>
@@ -25305,7 +28684,7 @@
         </p:sp>
         <p:sp>
           <p:nvSpPr>
-            <p:cNvPr id="162" name="Google Shape;162;p16"/>
+            <p:cNvPr id="164" name="Google Shape;164;p16"/>
             <p:cNvSpPr txBox="1"/>
             <p:nvPr/>
           </p:nvSpPr>
@@ -25372,7 +28751,7 @@
       </p:grpSp>
       <p:grpSp>
         <p:nvGrpSpPr>
-          <p:cNvPr id="163" name="Google Shape;163;p16"/>
+          <p:cNvPr id="165" name="Google Shape;165;p16"/>
           <p:cNvGrpSpPr/>
           <p:nvPr/>
         </p:nvGrpSpPr>
@@ -25386,7 +28765,7 @@
         </p:grpSpPr>
         <p:sp>
           <p:nvSpPr>
-            <p:cNvPr id="164" name="Google Shape;164;p16"/>
+            <p:cNvPr id="166" name="Google Shape;166;p16"/>
             <p:cNvSpPr/>
             <p:nvPr/>
           </p:nvSpPr>
@@ -25488,7 +28867,7 @@
         </p:sp>
         <p:sp>
           <p:nvSpPr>
-            <p:cNvPr id="165" name="Google Shape;165;p16"/>
+            <p:cNvPr id="167" name="Google Shape;167;p16"/>
             <p:cNvSpPr txBox="1"/>
             <p:nvPr/>
           </p:nvSpPr>
@@ -25554,7 +28933,7 @@
         </p:sp>
         <p:sp>
           <p:nvSpPr>
-            <p:cNvPr id="166" name="Google Shape;166;p16"/>
+            <p:cNvPr id="168" name="Google Shape;168;p16"/>
             <p:cNvSpPr txBox="1"/>
             <p:nvPr/>
           </p:nvSpPr>
@@ -25621,7 +29000,7 @@
       </p:grpSp>
       <p:grpSp>
         <p:nvGrpSpPr>
-          <p:cNvPr id="167" name="Google Shape;167;p16"/>
+          <p:cNvPr id="169" name="Google Shape;169;p16"/>
           <p:cNvGrpSpPr/>
           <p:nvPr/>
         </p:nvGrpSpPr>
@@ -25635,7 +29014,7 @@
         </p:grpSpPr>
         <p:sp>
           <p:nvSpPr>
-            <p:cNvPr id="168" name="Google Shape;168;p16"/>
+            <p:cNvPr id="170" name="Google Shape;170;p16"/>
             <p:cNvSpPr/>
             <p:nvPr/>
           </p:nvSpPr>
@@ -25734,7 +29113,7 @@
         </p:sp>
         <p:sp>
           <p:nvSpPr>
-            <p:cNvPr id="169" name="Google Shape;169;p16"/>
+            <p:cNvPr id="171" name="Google Shape;171;p16"/>
             <p:cNvSpPr txBox="1"/>
             <p:nvPr/>
           </p:nvSpPr>
@@ -25800,7 +29179,7 @@
         </p:sp>
         <p:sp>
           <p:nvSpPr>
-            <p:cNvPr id="170" name="Google Shape;170;p16"/>
+            <p:cNvPr id="172" name="Google Shape;172;p16"/>
             <p:cNvSpPr txBox="1"/>
             <p:nvPr/>
           </p:nvSpPr>
@@ -25867,7 +29246,7 @@
       </p:grpSp>
       <p:sp>
         <p:nvSpPr>
-          <p:cNvPr id="171" name="Google Shape;171;p16"/>
+          <p:cNvPr id="173" name="Google Shape;173;p16"/>
           <p:cNvSpPr txBox="1"/>
           <p:nvPr/>
         </p:nvSpPr>
@@ -25936,6 +29315,265 @@
   <p:clrMapOvr>
     <a:masterClrMapping/>
   </p:clrMapOvr>
+  <p:timing>
+    <p:tnLst>
+      <p:par>
+        <p:cTn dur="indefinite" nodeType="tmRoot" restart="never">
+          <p:childTnLst>
+            <p:seq concurrent="1" nextAc="seek">
+              <p:cTn dur="indefinite" id="2" nodeType="mainSeq">
+                <p:childTnLst>
+                  <p:par>
+                    <p:cTn fill="hold">
+                      <p:stCondLst>
+                        <p:cond delay="indefinite"/>
+                      </p:stCondLst>
+                      <p:childTnLst>
+                        <p:par>
+                          <p:cTn fill="hold">
+                            <p:stCondLst>
+                              <p:cond delay="0"/>
+                            </p:stCondLst>
+                            <p:childTnLst>
+                              <p:par>
+                                <p:cTn fill="hold" nodeType="clickEffect" presetClass="entr" presetID="10" presetSubtype="0">
+                                  <p:stCondLst>
+                                    <p:cond delay="0"/>
+                                  </p:stCondLst>
+                                  <p:childTnLst>
+                                    <p:set>
+                                      <p:cBhvr>
+                                        <p:cTn dur="1" fill="hold">
+                                          <p:stCondLst>
+                                            <p:cond delay="0"/>
+                                          </p:stCondLst>
+                                        </p:cTn>
+                                        <p:tgtEl>
+                                          <p:spTgt spid="130"/>
+                                        </p:tgtEl>
+                                        <p:attrNameLst>
+                                          <p:attrName>style.visibility</p:attrName>
+                                        </p:attrNameLst>
+                                      </p:cBhvr>
+                                      <p:to>
+                                        <p:strVal val="visible"/>
+                                      </p:to>
+                                    </p:set>
+                                    <p:animEffect filter="fade" transition="in">
+                                      <p:cBhvr>
+                                        <p:cTn dur="1000"/>
+                                        <p:tgtEl>
+                                          <p:spTgt spid="130"/>
+                                        </p:tgtEl>
+                                      </p:cBhvr>
+                                    </p:animEffect>
+                                  </p:childTnLst>
+                                </p:cTn>
+                              </p:par>
+                            </p:childTnLst>
+                          </p:cTn>
+                        </p:par>
+                        <p:par>
+                          <p:cTn fill="hold">
+                            <p:stCondLst>
+                              <p:cond delay="1000"/>
+                            </p:stCondLst>
+                            <p:childTnLst>
+                              <p:par>
+                                <p:cTn fill="hold" nodeType="afterEffect" presetClass="entr" presetID="10" presetSubtype="0">
+                                  <p:stCondLst>
+                                    <p:cond delay="0"/>
+                                  </p:stCondLst>
+                                  <p:childTnLst>
+                                    <p:set>
+                                      <p:cBhvr>
+                                        <p:cTn dur="1" fill="hold">
+                                          <p:stCondLst>
+                                            <p:cond delay="0"/>
+                                          </p:stCondLst>
+                                        </p:cTn>
+                                        <p:tgtEl>
+                                          <p:spTgt spid="165"/>
+                                        </p:tgtEl>
+                                        <p:attrNameLst>
+                                          <p:attrName>style.visibility</p:attrName>
+                                        </p:attrNameLst>
+                                      </p:cBhvr>
+                                      <p:to>
+                                        <p:strVal val="visible"/>
+                                      </p:to>
+                                    </p:set>
+                                    <p:animEffect filter="fade" transition="in">
+                                      <p:cBhvr>
+                                        <p:cTn dur="2500"/>
+                                        <p:tgtEl>
+                                          <p:spTgt spid="165"/>
+                                        </p:tgtEl>
+                                      </p:cBhvr>
+                                    </p:animEffect>
+                                  </p:childTnLst>
+                                </p:cTn>
+                              </p:par>
+                            </p:childTnLst>
+                          </p:cTn>
+                        </p:par>
+                        <p:par>
+                          <p:cTn fill="hold">
+                            <p:stCondLst>
+                              <p:cond delay="3500"/>
+                            </p:stCondLst>
+                            <p:childTnLst>
+                              <p:par>
+                                <p:cTn fill="hold" nodeType="afterEffect" presetClass="entr" presetID="10" presetSubtype="0">
+                                  <p:stCondLst>
+                                    <p:cond delay="0"/>
+                                  </p:stCondLst>
+                                  <p:childTnLst>
+                                    <p:set>
+                                      <p:cBhvr>
+                                        <p:cTn dur="1" fill="hold">
+                                          <p:stCondLst>
+                                            <p:cond delay="0"/>
+                                          </p:stCondLst>
+                                        </p:cTn>
+                                        <p:tgtEl>
+                                          <p:spTgt spid="157"/>
+                                        </p:tgtEl>
+                                        <p:attrNameLst>
+                                          <p:attrName>style.visibility</p:attrName>
+                                        </p:attrNameLst>
+                                      </p:cBhvr>
+                                      <p:to>
+                                        <p:strVal val="visible"/>
+                                      </p:to>
+                                    </p:set>
+                                    <p:animEffect filter="fade" transition="in">
+                                      <p:cBhvr>
+                                        <p:cTn dur="1000"/>
+                                        <p:tgtEl>
+                                          <p:spTgt spid="157"/>
+                                        </p:tgtEl>
+                                      </p:cBhvr>
+                                    </p:animEffect>
+                                  </p:childTnLst>
+                                </p:cTn>
+                              </p:par>
+                            </p:childTnLst>
+                          </p:cTn>
+                        </p:par>
+                        <p:par>
+                          <p:cTn fill="hold">
+                            <p:stCondLst>
+                              <p:cond delay="4500"/>
+                            </p:stCondLst>
+                            <p:childTnLst>
+                              <p:par>
+                                <p:cTn fill="hold" nodeType="afterEffect" presetClass="entr" presetID="10" presetSubtype="0">
+                                  <p:stCondLst>
+                                    <p:cond delay="0"/>
+                                  </p:stCondLst>
+                                  <p:childTnLst>
+                                    <p:set>
+                                      <p:cBhvr>
+                                        <p:cTn dur="1" fill="hold">
+                                          <p:stCondLst>
+                                            <p:cond delay="0"/>
+                                          </p:stCondLst>
+                                        </p:cTn>
+                                        <p:tgtEl>
+                                          <p:spTgt spid="169"/>
+                                        </p:tgtEl>
+                                        <p:attrNameLst>
+                                          <p:attrName>style.visibility</p:attrName>
+                                        </p:attrNameLst>
+                                      </p:cBhvr>
+                                      <p:to>
+                                        <p:strVal val="visible"/>
+                                      </p:to>
+                                    </p:set>
+                                    <p:animEffect filter="fade" transition="in">
+                                      <p:cBhvr>
+                                        <p:cTn dur="1000"/>
+                                        <p:tgtEl>
+                                          <p:spTgt spid="169"/>
+                                        </p:tgtEl>
+                                      </p:cBhvr>
+                                    </p:animEffect>
+                                  </p:childTnLst>
+                                </p:cTn>
+                              </p:par>
+                            </p:childTnLst>
+                          </p:cTn>
+                        </p:par>
+                        <p:par>
+                          <p:cTn fill="hold">
+                            <p:stCondLst>
+                              <p:cond delay="5500"/>
+                            </p:stCondLst>
+                            <p:childTnLst>
+                              <p:par>
+                                <p:cTn fill="hold" nodeType="afterEffect" presetClass="entr" presetID="10" presetSubtype="0">
+                                  <p:stCondLst>
+                                    <p:cond delay="0"/>
+                                  </p:stCondLst>
+                                  <p:childTnLst>
+                                    <p:set>
+                                      <p:cBhvr>
+                                        <p:cTn dur="1" fill="hold">
+                                          <p:stCondLst>
+                                            <p:cond delay="0"/>
+                                          </p:stCondLst>
+                                        </p:cTn>
+                                        <p:tgtEl>
+                                          <p:spTgt spid="161"/>
+                                        </p:tgtEl>
+                                        <p:attrNameLst>
+                                          <p:attrName>style.visibility</p:attrName>
+                                        </p:attrNameLst>
+                                      </p:cBhvr>
+                                      <p:to>
+                                        <p:strVal val="visible"/>
+                                      </p:to>
+                                    </p:set>
+                                    <p:animEffect filter="fade" transition="in">
+                                      <p:cBhvr>
+                                        <p:cTn dur="1000"/>
+                                        <p:tgtEl>
+                                          <p:spTgt spid="161"/>
+                                        </p:tgtEl>
+                                      </p:cBhvr>
+                                    </p:animEffect>
+                                  </p:childTnLst>
+                                </p:cTn>
+                              </p:par>
+                            </p:childTnLst>
+                          </p:cTn>
+                        </p:par>
+                      </p:childTnLst>
+                    </p:cTn>
+                  </p:par>
+                </p:childTnLst>
+              </p:cTn>
+              <p:prevCondLst>
+                <p:cond evt="onPrev">
+                  <p:tgtEl>
+                    <p:sldTgt/>
+                  </p:tgtEl>
+                </p:cond>
+              </p:prevCondLst>
+              <p:nextCondLst>
+                <p:cond evt="onNext">
+                  <p:tgtEl>
+                    <p:sldTgt/>
+                  </p:tgtEl>
+                </p:cond>
+              </p:nextCondLst>
+            </p:seq>
+          </p:childTnLst>
+        </p:cTn>
+      </p:par>
+    </p:tnLst>
+  </p:timing>
 </p:sld>
 </file>
 
@@ -25944,7 +29582,7 @@
   <p:cSld>
     <p:spTree>
       <p:nvGrpSpPr>
-        <p:cNvPr id="175" name="Shape 175"/>
+        <p:cNvPr id="177" name="Shape 177"/>
         <p:cNvGrpSpPr/>
         <p:nvPr/>
       </p:nvGrpSpPr>
@@ -25958,7 +29596,7 @@
       </p:grpSpPr>
       <p:sp>
         <p:nvSpPr>
-          <p:cNvPr id="176" name="Google Shape;176;p17"/>
+          <p:cNvPr id="178" name="Google Shape;178;p17"/>
           <p:cNvSpPr txBox="1"/>
           <p:nvPr>
             <p:ph type="title"/>
@@ -26014,7 +29652,7 @@
       </p:sp>
       <p:sp>
         <p:nvSpPr>
-          <p:cNvPr id="177" name="Google Shape;177;p17"/>
+          <p:cNvPr id="179" name="Google Shape;179;p17"/>
           <p:cNvSpPr txBox="1"/>
           <p:nvPr>
             <p:ph type="title"/>
@@ -26236,6 +29874,349 @@
   <p:clrMapOvr>
     <a:masterClrMapping/>
   </p:clrMapOvr>
+  <p:timing>
+    <p:tnLst>
+      <p:par>
+        <p:cTn dur="indefinite" nodeType="tmRoot" restart="never">
+          <p:childTnLst>
+            <p:seq concurrent="1" nextAc="seek">
+              <p:cTn dur="indefinite" id="2" nodeType="mainSeq">
+                <p:childTnLst>
+                  <p:par>
+                    <p:cTn fill="hold">
+                      <p:stCondLst>
+                        <p:cond delay="indefinite"/>
+                      </p:stCondLst>
+                      <p:childTnLst>
+                        <p:par>
+                          <p:cTn fill="hold">
+                            <p:stCondLst>
+                              <p:cond delay="0"/>
+                            </p:stCondLst>
+                            <p:childTnLst>
+                              <p:par>
+                                <p:cTn fill="hold" nodeType="clickEffect" presetClass="entr" presetID="10" presetSubtype="0">
+                                  <p:stCondLst>
+                                    <p:cond delay="0"/>
+                                  </p:stCondLst>
+                                  <p:childTnLst>
+                                    <p:set>
+                                      <p:cBhvr>
+                                        <p:cTn dur="1" fill="hold">
+                                          <p:stCondLst>
+                                            <p:cond delay="0"/>
+                                          </p:stCondLst>
+                                        </p:cTn>
+                                        <p:tgtEl>
+                                          <p:spTgt spid="178"/>
+                                        </p:tgtEl>
+                                        <p:attrNameLst>
+                                          <p:attrName>style.visibility</p:attrName>
+                                        </p:attrNameLst>
+                                      </p:cBhvr>
+                                      <p:to>
+                                        <p:strVal val="visible"/>
+                                      </p:to>
+                                    </p:set>
+                                    <p:animEffect filter="fade" transition="in">
+                                      <p:cBhvr>
+                                        <p:cTn dur="1000"/>
+                                        <p:tgtEl>
+                                          <p:spTgt spid="178"/>
+                                        </p:tgtEl>
+                                      </p:cBhvr>
+                                    </p:animEffect>
+                                  </p:childTnLst>
+                                </p:cTn>
+                              </p:par>
+                            </p:childTnLst>
+                          </p:cTn>
+                        </p:par>
+                        <p:par>
+                          <p:cTn fill="hold">
+                            <p:stCondLst>
+                              <p:cond delay="1000"/>
+                            </p:stCondLst>
+                            <p:childTnLst>
+                              <p:par>
+                                <p:cTn fill="hold" nodeType="afterEffect" presetClass="entr" presetID="10" presetSubtype="0">
+                                  <p:stCondLst>
+                                    <p:cond delay="0"/>
+                                  </p:stCondLst>
+                                  <p:childTnLst>
+                                    <p:set>
+                                      <p:cBhvr>
+                                        <p:cTn dur="1" fill="hold">
+                                          <p:stCondLst>
+                                            <p:cond delay="0"/>
+                                          </p:stCondLst>
+                                        </p:cTn>
+                                        <p:tgtEl>
+                                          <p:spTgt spid="179">
+                                            <p:txEl>
+                                              <p:pRg end="0" st="0"/>
+                                            </p:txEl>
+                                          </p:spTgt>
+                                        </p:tgtEl>
+                                        <p:attrNameLst>
+                                          <p:attrName>style.visibility</p:attrName>
+                                        </p:attrNameLst>
+                                      </p:cBhvr>
+                                      <p:to>
+                                        <p:strVal val="visible"/>
+                                      </p:to>
+                                    </p:set>
+                                    <p:animEffect filter="fade" transition="in">
+                                      <p:cBhvr>
+                                        <p:cTn dur="1000"/>
+                                        <p:tgtEl>
+                                          <p:spTgt spid="179">
+                                            <p:txEl>
+                                              <p:pRg end="0" st="0"/>
+                                            </p:txEl>
+                                          </p:spTgt>
+                                        </p:tgtEl>
+                                      </p:cBhvr>
+                                    </p:animEffect>
+                                  </p:childTnLst>
+                                </p:cTn>
+                              </p:par>
+                            </p:childTnLst>
+                          </p:cTn>
+                        </p:par>
+                        <p:par>
+                          <p:cTn fill="hold">
+                            <p:stCondLst>
+                              <p:cond delay="2000"/>
+                            </p:stCondLst>
+                            <p:childTnLst>
+                              <p:par>
+                                <p:cTn fill="hold" nodeType="afterEffect" presetClass="entr" presetID="10" presetSubtype="0">
+                                  <p:stCondLst>
+                                    <p:cond delay="0"/>
+                                  </p:stCondLst>
+                                  <p:childTnLst>
+                                    <p:set>
+                                      <p:cBhvr>
+                                        <p:cTn dur="1" fill="hold">
+                                          <p:stCondLst>
+                                            <p:cond delay="0"/>
+                                          </p:stCondLst>
+                                        </p:cTn>
+                                        <p:tgtEl>
+                                          <p:spTgt spid="179">
+                                            <p:txEl>
+                                              <p:pRg end="1" st="1"/>
+                                            </p:txEl>
+                                          </p:spTgt>
+                                        </p:tgtEl>
+                                        <p:attrNameLst>
+                                          <p:attrName>style.visibility</p:attrName>
+                                        </p:attrNameLst>
+                                      </p:cBhvr>
+                                      <p:to>
+                                        <p:strVal val="visible"/>
+                                      </p:to>
+                                    </p:set>
+                                    <p:animEffect filter="fade" transition="in">
+                                      <p:cBhvr>
+                                        <p:cTn dur="1000"/>
+                                        <p:tgtEl>
+                                          <p:spTgt spid="179">
+                                            <p:txEl>
+                                              <p:pRg end="1" st="1"/>
+                                            </p:txEl>
+                                          </p:spTgt>
+                                        </p:tgtEl>
+                                      </p:cBhvr>
+                                    </p:animEffect>
+                                  </p:childTnLst>
+                                </p:cTn>
+                              </p:par>
+                            </p:childTnLst>
+                          </p:cTn>
+                        </p:par>
+                        <p:par>
+                          <p:cTn fill="hold">
+                            <p:stCondLst>
+                              <p:cond delay="3000"/>
+                            </p:stCondLst>
+                            <p:childTnLst>
+                              <p:par>
+                                <p:cTn fill="hold" nodeType="afterEffect" presetClass="entr" presetID="10" presetSubtype="0">
+                                  <p:stCondLst>
+                                    <p:cond delay="0"/>
+                                  </p:stCondLst>
+                                  <p:childTnLst>
+                                    <p:set>
+                                      <p:cBhvr>
+                                        <p:cTn dur="1" fill="hold">
+                                          <p:stCondLst>
+                                            <p:cond delay="0"/>
+                                          </p:stCondLst>
+                                        </p:cTn>
+                                        <p:tgtEl>
+                                          <p:spTgt spid="179">
+                                            <p:txEl>
+                                              <p:pRg end="2" st="2"/>
+                                            </p:txEl>
+                                          </p:spTgt>
+                                        </p:tgtEl>
+                                        <p:attrNameLst>
+                                          <p:attrName>style.visibility</p:attrName>
+                                        </p:attrNameLst>
+                                      </p:cBhvr>
+                                      <p:to>
+                                        <p:strVal val="visible"/>
+                                      </p:to>
+                                    </p:set>
+                                    <p:animEffect filter="fade" transition="in">
+                                      <p:cBhvr>
+                                        <p:cTn dur="1000"/>
+                                        <p:tgtEl>
+                                          <p:spTgt spid="179">
+                                            <p:txEl>
+                                              <p:pRg end="2" st="2"/>
+                                            </p:txEl>
+                                          </p:spTgt>
+                                        </p:tgtEl>
+                                      </p:cBhvr>
+                                    </p:animEffect>
+                                  </p:childTnLst>
+                                </p:cTn>
+                              </p:par>
+                            </p:childTnLst>
+                          </p:cTn>
+                        </p:par>
+                        <p:par>
+                          <p:cTn fill="hold">
+                            <p:stCondLst>
+                              <p:cond delay="4000"/>
+                            </p:stCondLst>
+                            <p:childTnLst>
+                              <p:par>
+                                <p:cTn fill="hold" nodeType="afterEffect" presetClass="entr" presetID="10" presetSubtype="0">
+                                  <p:stCondLst>
+                                    <p:cond delay="0"/>
+                                  </p:stCondLst>
+                                  <p:childTnLst>
+                                    <p:set>
+                                      <p:cBhvr>
+                                        <p:cTn dur="1" fill="hold">
+                                          <p:stCondLst>
+                                            <p:cond delay="0"/>
+                                          </p:stCondLst>
+                                        </p:cTn>
+                                        <p:tgtEl>
+                                          <p:spTgt spid="179">
+                                            <p:txEl>
+                                              <p:pRg end="3" st="3"/>
+                                            </p:txEl>
+                                          </p:spTgt>
+                                        </p:tgtEl>
+                                        <p:attrNameLst>
+                                          <p:attrName>style.visibility</p:attrName>
+                                        </p:attrNameLst>
+                                      </p:cBhvr>
+                                      <p:to>
+                                        <p:strVal val="visible"/>
+                                      </p:to>
+                                    </p:set>
+                                    <p:animEffect filter="fade" transition="in">
+                                      <p:cBhvr>
+                                        <p:cTn dur="1000"/>
+                                        <p:tgtEl>
+                                          <p:spTgt spid="179">
+                                            <p:txEl>
+                                              <p:pRg end="3" st="3"/>
+                                            </p:txEl>
+                                          </p:spTgt>
+                                        </p:tgtEl>
+                                      </p:cBhvr>
+                                    </p:animEffect>
+                                  </p:childTnLst>
+                                </p:cTn>
+                              </p:par>
+                            </p:childTnLst>
+                          </p:cTn>
+                        </p:par>
+                        <p:par>
+                          <p:cTn fill="hold">
+                            <p:stCondLst>
+                              <p:cond delay="5000"/>
+                            </p:stCondLst>
+                            <p:childTnLst>
+                              <p:par>
+                                <p:cTn fill="hold" nodeType="afterEffect" presetClass="entr" presetID="10" presetSubtype="0">
+                                  <p:stCondLst>
+                                    <p:cond delay="0"/>
+                                  </p:stCondLst>
+                                  <p:childTnLst>
+                                    <p:set>
+                                      <p:cBhvr>
+                                        <p:cTn dur="1" fill="hold">
+                                          <p:stCondLst>
+                                            <p:cond delay="0"/>
+                                          </p:stCondLst>
+                                        </p:cTn>
+                                        <p:tgtEl>
+                                          <p:spTgt spid="179">
+                                            <p:txEl>
+                                              <p:pRg end="4" st="4"/>
+                                            </p:txEl>
+                                          </p:spTgt>
+                                        </p:tgtEl>
+                                        <p:attrNameLst>
+                                          <p:attrName>style.visibility</p:attrName>
+                                        </p:attrNameLst>
+                                      </p:cBhvr>
+                                      <p:to>
+                                        <p:strVal val="visible"/>
+                                      </p:to>
+                                    </p:set>
+                                    <p:animEffect filter="fade" transition="in">
+                                      <p:cBhvr>
+                                        <p:cTn dur="1000"/>
+                                        <p:tgtEl>
+                                          <p:spTgt spid="179">
+                                            <p:txEl>
+                                              <p:pRg end="4" st="4"/>
+                                            </p:txEl>
+                                          </p:spTgt>
+                                        </p:tgtEl>
+                                      </p:cBhvr>
+                                    </p:animEffect>
+                                  </p:childTnLst>
+                                </p:cTn>
+                              </p:par>
+                            </p:childTnLst>
+                          </p:cTn>
+                        </p:par>
+                      </p:childTnLst>
+                    </p:cTn>
+                  </p:par>
+                </p:childTnLst>
+              </p:cTn>
+              <p:prevCondLst>
+                <p:cond evt="onPrev">
+                  <p:tgtEl>
+                    <p:sldTgt/>
+                  </p:tgtEl>
+                </p:cond>
+              </p:prevCondLst>
+              <p:nextCondLst>
+                <p:cond evt="onNext">
+                  <p:tgtEl>
+                    <p:sldTgt/>
+                  </p:tgtEl>
+                </p:cond>
+              </p:nextCondLst>
+            </p:seq>
+          </p:childTnLst>
+        </p:cTn>
+      </p:par>
+    </p:tnLst>
+  </p:timing>
 </p:sld>
 </file>
 
@@ -26244,7 +30225,7 @@
   <p:cSld>
     <p:spTree>
       <p:nvGrpSpPr>
-        <p:cNvPr id="181" name="Shape 181"/>
+        <p:cNvPr id="183" name="Shape 183"/>
         <p:cNvGrpSpPr/>
         <p:nvPr/>
       </p:nvGrpSpPr>
@@ -26258,7 +30239,7 @@
       </p:grpSpPr>
       <p:sp>
         <p:nvSpPr>
-          <p:cNvPr id="182" name="Google Shape;182;p18"/>
+          <p:cNvPr id="184" name="Google Shape;184;p18"/>
           <p:cNvSpPr txBox="1"/>
           <p:nvPr>
             <p:ph type="title"/>
@@ -26266,8 +30247,8 @@
         </p:nvSpPr>
         <p:spPr>
           <a:xfrm>
-            <a:off x="2312016" y="205675"/>
-            <a:ext cx="4519800" cy="623400"/>
+            <a:off x="2159626" y="281875"/>
+            <a:ext cx="4833900" cy="699600"/>
           </a:xfrm>
           <a:prstGeom prst="rect">
             <a:avLst/>
@@ -26301,20 +30282,20 @@
               <a:buNone/>
             </a:pPr>
             <a:r>
-              <a:rPr lang="en">
+              <a:rPr lang="en" sz="3400">
                 <a:solidFill>
                   <a:schemeClr val="accent6"/>
                 </a:solidFill>
               </a:rPr>
               <a:t>Growth Plan of the Product</a:t>
             </a:r>
-            <a:endParaRPr/>
+            <a:endParaRPr sz="3400"/>
           </a:p>
         </p:txBody>
       </p:sp>
       <p:grpSp>
         <p:nvGrpSpPr>
-          <p:cNvPr id="183" name="Google Shape;183;p18"/>
+          <p:cNvPr id="185" name="Google Shape;185;p18"/>
           <p:cNvGrpSpPr/>
           <p:nvPr/>
         </p:nvGrpSpPr>
@@ -26328,7 +30309,7 @@
         </p:grpSpPr>
         <p:grpSp>
           <p:nvGrpSpPr>
-            <p:cNvPr id="184" name="Google Shape;184;p18"/>
+            <p:cNvPr id="186" name="Google Shape;186;p18"/>
             <p:cNvGrpSpPr/>
             <p:nvPr/>
           </p:nvGrpSpPr>
@@ -26342,7 +30323,7 @@
           </p:grpSpPr>
           <p:sp>
             <p:nvSpPr>
-              <p:cNvPr id="185" name="Google Shape;185;p18"/>
+              <p:cNvPr id="187" name="Google Shape;187;p18"/>
               <p:cNvSpPr/>
               <p:nvPr/>
             </p:nvSpPr>
@@ -26495,7 +30476,7 @@
           </p:sp>
           <p:sp>
             <p:nvSpPr>
-              <p:cNvPr id="186" name="Google Shape;186;p18"/>
+              <p:cNvPr id="188" name="Google Shape;188;p18"/>
               <p:cNvSpPr/>
               <p:nvPr/>
             </p:nvSpPr>
@@ -26671,7 +30652,7 @@
           </p:sp>
           <p:sp>
             <p:nvSpPr>
-              <p:cNvPr id="187" name="Google Shape;187;p18"/>
+              <p:cNvPr id="189" name="Google Shape;189;p18"/>
               <p:cNvSpPr/>
               <p:nvPr/>
             </p:nvSpPr>
@@ -26733,7 +30714,7 @@
         </p:grpSp>
         <p:sp>
           <p:nvSpPr>
-            <p:cNvPr id="188" name="Google Shape;188;p18"/>
+            <p:cNvPr id="190" name="Google Shape;190;p18"/>
             <p:cNvSpPr txBox="1"/>
             <p:nvPr/>
           </p:nvSpPr>
@@ -26799,7 +30780,7 @@
         </p:sp>
         <p:sp>
           <p:nvSpPr>
-            <p:cNvPr id="189" name="Google Shape;189;p18"/>
+            <p:cNvPr id="191" name="Google Shape;191;p18"/>
             <p:cNvSpPr txBox="1"/>
             <p:nvPr/>
           </p:nvSpPr>
@@ -26865,7 +30846,7 @@
         </p:sp>
         <p:sp>
           <p:nvSpPr>
-            <p:cNvPr id="190" name="Google Shape;190;p18"/>
+            <p:cNvPr id="192" name="Google Shape;192;p18"/>
             <p:cNvSpPr txBox="1"/>
             <p:nvPr/>
           </p:nvSpPr>
@@ -26932,7 +30913,7 @@
       </p:grpSp>
       <p:grpSp>
         <p:nvGrpSpPr>
-          <p:cNvPr id="191" name="Google Shape;191;p18"/>
+          <p:cNvPr id="193" name="Google Shape;193;p18"/>
           <p:cNvGrpSpPr/>
           <p:nvPr/>
         </p:nvGrpSpPr>
@@ -26946,7 +30927,7 @@
         </p:grpSpPr>
         <p:grpSp>
           <p:nvGrpSpPr>
-            <p:cNvPr id="192" name="Google Shape;192;p18"/>
+            <p:cNvPr id="194" name="Google Shape;194;p18"/>
             <p:cNvGrpSpPr/>
             <p:nvPr/>
           </p:nvGrpSpPr>
@@ -26960,7 +30941,7 @@
           </p:grpSpPr>
           <p:sp>
             <p:nvSpPr>
-              <p:cNvPr id="193" name="Google Shape;193;p18"/>
+              <p:cNvPr id="195" name="Google Shape;195;p18"/>
               <p:cNvSpPr/>
               <p:nvPr/>
             </p:nvSpPr>
@@ -27069,7 +31050,7 @@
           </p:sp>
           <p:sp>
             <p:nvSpPr>
-              <p:cNvPr id="194" name="Google Shape;194;p18"/>
+              <p:cNvPr id="196" name="Google Shape;196;p18"/>
               <p:cNvSpPr/>
               <p:nvPr/>
             </p:nvSpPr>
@@ -27202,7 +31183,7 @@
           </p:sp>
           <p:sp>
             <p:nvSpPr>
-              <p:cNvPr id="195" name="Google Shape;195;p18"/>
+              <p:cNvPr id="197" name="Google Shape;197;p18"/>
               <p:cNvSpPr/>
               <p:nvPr/>
             </p:nvSpPr>
@@ -27264,7 +31245,7 @@
         </p:grpSp>
         <p:sp>
           <p:nvSpPr>
-            <p:cNvPr id="196" name="Google Shape;196;p18"/>
+            <p:cNvPr id="198" name="Google Shape;198;p18"/>
             <p:cNvSpPr txBox="1"/>
             <p:nvPr/>
           </p:nvSpPr>
@@ -27361,7 +31342,7 @@
         </p:sp>
         <p:sp>
           <p:nvSpPr>
-            <p:cNvPr id="197" name="Google Shape;197;p18"/>
+            <p:cNvPr id="199" name="Google Shape;199;p18"/>
             <p:cNvSpPr txBox="1"/>
             <p:nvPr/>
           </p:nvSpPr>
@@ -27506,7 +31487,7 @@
         </p:sp>
         <p:sp>
           <p:nvSpPr>
-            <p:cNvPr id="198" name="Google Shape;198;p18"/>
+            <p:cNvPr id="200" name="Google Shape;200;p18"/>
             <p:cNvSpPr txBox="1"/>
             <p:nvPr/>
           </p:nvSpPr>
@@ -27573,7 +31554,7 @@
       </p:grpSp>
       <p:grpSp>
         <p:nvGrpSpPr>
-          <p:cNvPr id="199" name="Google Shape;199;p18"/>
+          <p:cNvPr id="201" name="Google Shape;201;p18"/>
           <p:cNvGrpSpPr/>
           <p:nvPr/>
         </p:nvGrpSpPr>
@@ -27587,7 +31568,7 @@
         </p:grpSpPr>
         <p:grpSp>
           <p:nvGrpSpPr>
-            <p:cNvPr id="200" name="Google Shape;200;p18"/>
+            <p:cNvPr id="202" name="Google Shape;202;p18"/>
             <p:cNvGrpSpPr/>
             <p:nvPr/>
           </p:nvGrpSpPr>
@@ -27601,7 +31582,7 @@
           </p:grpSpPr>
           <p:sp>
             <p:nvSpPr>
-              <p:cNvPr id="201" name="Google Shape;201;p18"/>
+              <p:cNvPr id="203" name="Google Shape;203;p18"/>
               <p:cNvSpPr/>
               <p:nvPr/>
             </p:nvSpPr>
@@ -27710,7 +31691,7 @@
           </p:sp>
           <p:sp>
             <p:nvSpPr>
-              <p:cNvPr id="202" name="Google Shape;202;p18"/>
+              <p:cNvPr id="204" name="Google Shape;204;p18"/>
               <p:cNvSpPr/>
               <p:nvPr/>
             </p:nvSpPr>
@@ -27843,7 +31824,7 @@
           </p:sp>
           <p:sp>
             <p:nvSpPr>
-              <p:cNvPr id="203" name="Google Shape;203;p18"/>
+              <p:cNvPr id="205" name="Google Shape;205;p18"/>
               <p:cNvSpPr/>
               <p:nvPr/>
             </p:nvSpPr>
@@ -27905,7 +31886,7 @@
         </p:grpSp>
         <p:sp>
           <p:nvSpPr>
-            <p:cNvPr id="204" name="Google Shape;204;p18"/>
+            <p:cNvPr id="206" name="Google Shape;206;p18"/>
             <p:cNvSpPr txBox="1"/>
             <p:nvPr/>
           </p:nvSpPr>
@@ -28002,7 +31983,7 @@
         </p:sp>
         <p:sp>
           <p:nvSpPr>
-            <p:cNvPr id="205" name="Google Shape;205;p18"/>
+            <p:cNvPr id="207" name="Google Shape;207;p18"/>
             <p:cNvSpPr txBox="1"/>
             <p:nvPr/>
           </p:nvSpPr>
@@ -28147,7 +32128,7 @@
         </p:sp>
         <p:sp>
           <p:nvSpPr>
-            <p:cNvPr id="206" name="Google Shape;206;p18"/>
+            <p:cNvPr id="208" name="Google Shape;208;p18"/>
             <p:cNvSpPr txBox="1"/>
             <p:nvPr/>
           </p:nvSpPr>
@@ -28188,6 +32169,18 @@
                 <a:buNone/>
               </a:pPr>
               <a:r>
+                <a:rPr b="1" lang="en" sz="3000">
+                  <a:solidFill>
+                    <a:srgbClr val="FFFFFF"/>
+                  </a:solidFill>
+                  <a:latin typeface="Roboto"/>
+                  <a:ea typeface="Roboto"/>
+                  <a:cs typeface="Roboto"/>
+                  <a:sym typeface="Roboto"/>
+                </a:rPr>
+                <a:t>60</a:t>
+              </a:r>
+              <a:r>
                 <a:rPr b="1" i="0" lang="en" sz="3000" u="none" cap="none" strike="noStrike">
                   <a:solidFill>
                     <a:srgbClr val="FFFFFF"/>
@@ -28197,7 +32190,7 @@
                   <a:cs typeface="Roboto"/>
                   <a:sym typeface="Roboto"/>
                 </a:rPr>
-                <a:t>50%</a:t>
+                <a:t>%</a:t>
               </a:r>
               <a:endParaRPr b="1" i="0" sz="3000" u="none" cap="none" strike="noStrike">
                 <a:solidFill>
@@ -28214,7 +32207,7 @@
       </p:grpSp>
       <p:grpSp>
         <p:nvGrpSpPr>
-          <p:cNvPr id="207" name="Google Shape;207;p18"/>
+          <p:cNvPr id="209" name="Google Shape;209;p18"/>
           <p:cNvGrpSpPr/>
           <p:nvPr/>
         </p:nvGrpSpPr>
@@ -28228,7 +32221,7 @@
         </p:grpSpPr>
         <p:grpSp>
           <p:nvGrpSpPr>
-            <p:cNvPr id="208" name="Google Shape;208;p18"/>
+            <p:cNvPr id="210" name="Google Shape;210;p18"/>
             <p:cNvGrpSpPr/>
             <p:nvPr/>
           </p:nvGrpSpPr>
@@ -28242,7 +32235,7 @@
           </p:grpSpPr>
           <p:sp>
             <p:nvSpPr>
-              <p:cNvPr id="209" name="Google Shape;209;p18"/>
+              <p:cNvPr id="211" name="Google Shape;211;p18"/>
               <p:cNvSpPr/>
               <p:nvPr/>
             </p:nvSpPr>
@@ -28351,7 +32344,7 @@
           </p:sp>
           <p:sp>
             <p:nvSpPr>
-              <p:cNvPr id="210" name="Google Shape;210;p18"/>
+              <p:cNvPr id="212" name="Google Shape;212;p18"/>
               <p:cNvSpPr/>
               <p:nvPr/>
             </p:nvSpPr>
@@ -28484,7 +32477,7 @@
           </p:sp>
           <p:sp>
             <p:nvSpPr>
-              <p:cNvPr id="211" name="Google Shape;211;p18"/>
+              <p:cNvPr id="213" name="Google Shape;213;p18"/>
               <p:cNvSpPr/>
               <p:nvPr/>
             </p:nvSpPr>
@@ -28546,7 +32539,7 @@
         </p:grpSp>
         <p:sp>
           <p:nvSpPr>
-            <p:cNvPr id="212" name="Google Shape;212;p18"/>
+            <p:cNvPr id="214" name="Google Shape;214;p18"/>
             <p:cNvSpPr txBox="1"/>
             <p:nvPr/>
           </p:nvSpPr>
@@ -28643,7 +32636,7 @@
         </p:sp>
         <p:sp>
           <p:nvSpPr>
-            <p:cNvPr id="213" name="Google Shape;213;p18"/>
+            <p:cNvPr id="215" name="Google Shape;215;p18"/>
             <p:cNvSpPr txBox="1"/>
             <p:nvPr/>
           </p:nvSpPr>
@@ -28693,7 +32686,7 @@
                   <a:cs typeface="Roboto"/>
                   <a:sym typeface="Roboto"/>
                 </a:rPr>
-                <a:t>Linked the multiple pages and other handles associated with the team and the project.</a:t>
+                <a:t>Designed the Period Tracker and Linked the multiple pages and other handles associated with the team and the project.</a:t>
               </a:r>
               <a:endParaRPr b="0" i="0" sz="1200" u="none" cap="none" strike="noStrike">
                 <a:solidFill>
@@ -28740,7 +32733,7 @@
         </p:sp>
         <p:sp>
           <p:nvSpPr>
-            <p:cNvPr id="214" name="Google Shape;214;p18"/>
+            <p:cNvPr id="216" name="Google Shape;216;p18"/>
             <p:cNvSpPr txBox="1"/>
             <p:nvPr/>
           </p:nvSpPr>
@@ -28781,6 +32774,18 @@
                 <a:buNone/>
               </a:pPr>
               <a:r>
+                <a:rPr b="1" lang="en" sz="3000">
+                  <a:solidFill>
+                    <a:srgbClr val="FFFFFF"/>
+                  </a:solidFill>
+                  <a:latin typeface="Roboto"/>
+                  <a:ea typeface="Roboto"/>
+                  <a:cs typeface="Roboto"/>
+                  <a:sym typeface="Roboto"/>
+                </a:rPr>
+                <a:t>90</a:t>
+              </a:r>
+              <a:r>
                 <a:rPr b="1" i="0" lang="en" sz="3000" u="none" cap="none" strike="noStrike">
                   <a:solidFill>
                     <a:srgbClr val="FFFFFF"/>
@@ -28790,7 +32795,7 @@
                   <a:cs typeface="Roboto"/>
                   <a:sym typeface="Roboto"/>
                 </a:rPr>
-                <a:t>75%</a:t>
+                <a:t>%</a:t>
               </a:r>
               <a:endParaRPr b="1" i="0" sz="3000" u="none" cap="none" strike="noStrike">
                 <a:solidFill>
@@ -28805,67 +32810,270 @@
           </p:txBody>
         </p:sp>
       </p:grpSp>
-      <p:sp>
-        <p:nvSpPr>
-          <p:cNvPr id="215" name="Google Shape;215;p18"/>
-          <p:cNvSpPr txBox="1"/>
-          <p:nvPr>
-            <p:ph type="title"/>
-          </p:nvPr>
-        </p:nvSpPr>
-        <p:spPr>
-          <a:xfrm>
-            <a:off x="1793100" y="692585"/>
-            <a:ext cx="5601000" cy="623400"/>
-          </a:xfrm>
-          <a:prstGeom prst="rect">
-            <a:avLst/>
-          </a:prstGeom>
-          <a:noFill/>
-          <a:ln>
-            <a:noFill/>
-          </a:ln>
-        </p:spPr>
-        <p:txBody>
-          <a:bodyPr anchorCtr="0" anchor="t" bIns="91425" lIns="91425" spcFirstLastPara="1" rIns="91425" wrap="square" tIns="91425">
-            <a:noAutofit/>
-          </a:bodyPr>
-          <a:lstStyle/>
-          <a:p>
-            <a:pPr indent="0" lvl="0" marL="0" rtl="0" algn="ctr">
-              <a:lnSpc>
-                <a:spcPct val="100000"/>
-              </a:lnSpc>
-              <a:spcBef>
-                <a:spcPts val="0"/>
-              </a:spcBef>
-              <a:spcAft>
-                <a:spcPts val="0"/>
-              </a:spcAft>
-              <a:buClr>
-                <a:schemeClr val="accent6"/>
-              </a:buClr>
-              <a:buSzPts val="1100"/>
-              <a:buFont typeface="Arial"/>
-              <a:buNone/>
-            </a:pPr>
-            <a:r>
-              <a:rPr b="0" lang="en" sz="1900">
-                <a:solidFill>
-                  <a:schemeClr val="accent6"/>
-                </a:solidFill>
-              </a:rPr>
-              <a:t>(You can modify percentage according to your requirement)</a:t>
-            </a:r>
-            <a:endParaRPr b="0" sz="1900"/>
-          </a:p>
-        </p:txBody>
-      </p:sp>
     </p:spTree>
   </p:cSld>
   <p:clrMapOvr>
     <a:masterClrMapping/>
   </p:clrMapOvr>
+  <p:timing>
+    <p:tnLst>
+      <p:par>
+        <p:cTn dur="indefinite" nodeType="tmRoot" restart="never">
+          <p:childTnLst>
+            <p:seq concurrent="1" nextAc="seek">
+              <p:cTn dur="indefinite" id="2" nodeType="mainSeq">
+                <p:childTnLst>
+                  <p:par>
+                    <p:cTn fill="hold">
+                      <p:stCondLst>
+                        <p:cond delay="indefinite"/>
+                      </p:stCondLst>
+                      <p:childTnLst>
+                        <p:par>
+                          <p:cTn fill="hold">
+                            <p:stCondLst>
+                              <p:cond delay="0"/>
+                            </p:stCondLst>
+                            <p:childTnLst>
+                              <p:par>
+                                <p:cTn fill="hold" nodeType="clickEffect" presetClass="entr" presetID="10" presetSubtype="0">
+                                  <p:stCondLst>
+                                    <p:cond delay="0"/>
+                                  </p:stCondLst>
+                                  <p:childTnLst>
+                                    <p:set>
+                                      <p:cBhvr>
+                                        <p:cTn dur="1" fill="hold">
+                                          <p:stCondLst>
+                                            <p:cond delay="0"/>
+                                          </p:stCondLst>
+                                        </p:cTn>
+                                        <p:tgtEl>
+                                          <p:spTgt spid="184"/>
+                                        </p:tgtEl>
+                                        <p:attrNameLst>
+                                          <p:attrName>style.visibility</p:attrName>
+                                        </p:attrNameLst>
+                                      </p:cBhvr>
+                                      <p:to>
+                                        <p:strVal val="visible"/>
+                                      </p:to>
+                                    </p:set>
+                                    <p:animEffect filter="fade" transition="in">
+                                      <p:cBhvr>
+                                        <p:cTn dur="1000"/>
+                                        <p:tgtEl>
+                                          <p:spTgt spid="184"/>
+                                        </p:tgtEl>
+                                      </p:cBhvr>
+                                    </p:animEffect>
+                                  </p:childTnLst>
+                                </p:cTn>
+                              </p:par>
+                            </p:childTnLst>
+                          </p:cTn>
+                        </p:par>
+                        <p:par>
+                          <p:cTn fill="hold">
+                            <p:stCondLst>
+                              <p:cond delay="1000"/>
+                            </p:stCondLst>
+                            <p:childTnLst>
+                              <p:par>
+                                <p:cTn fill="hold" nodeType="afterEffect" presetClass="entr" presetID="10" presetSubtype="0">
+                                  <p:stCondLst>
+                                    <p:cond delay="0"/>
+                                  </p:stCondLst>
+                                  <p:childTnLst>
+                                    <p:set>
+                                      <p:cBhvr>
+                                        <p:cTn dur="1" fill="hold">
+                                          <p:stCondLst>
+                                            <p:cond delay="0"/>
+                                          </p:stCondLst>
+                                        </p:cTn>
+                                        <p:tgtEl>
+                                          <p:spTgt spid="185"/>
+                                        </p:tgtEl>
+                                        <p:attrNameLst>
+                                          <p:attrName>style.visibility</p:attrName>
+                                        </p:attrNameLst>
+                                      </p:cBhvr>
+                                      <p:to>
+                                        <p:strVal val="visible"/>
+                                      </p:to>
+                                    </p:set>
+                                    <p:animEffect filter="fade" transition="in">
+                                      <p:cBhvr>
+                                        <p:cTn dur="1800"/>
+                                        <p:tgtEl>
+                                          <p:spTgt spid="185"/>
+                                        </p:tgtEl>
+                                      </p:cBhvr>
+                                    </p:animEffect>
+                                  </p:childTnLst>
+                                </p:cTn>
+                              </p:par>
+                            </p:childTnLst>
+                          </p:cTn>
+                        </p:par>
+                        <p:par>
+                          <p:cTn fill="hold">
+                            <p:stCondLst>
+                              <p:cond delay="2800"/>
+                            </p:stCondLst>
+                            <p:childTnLst>
+                              <p:par>
+                                <p:cTn fill="hold" nodeType="afterEffect" presetClass="entr" presetID="10" presetSubtype="0">
+                                  <p:stCondLst>
+                                    <p:cond delay="0"/>
+                                  </p:stCondLst>
+                                  <p:childTnLst>
+                                    <p:set>
+                                      <p:cBhvr>
+                                        <p:cTn dur="1" fill="hold">
+                                          <p:stCondLst>
+                                            <p:cond delay="0"/>
+                                          </p:stCondLst>
+                                        </p:cTn>
+                                        <p:tgtEl>
+                                          <p:spTgt spid="193"/>
+                                        </p:tgtEl>
+                                        <p:attrNameLst>
+                                          <p:attrName>style.visibility</p:attrName>
+                                        </p:attrNameLst>
+                                      </p:cBhvr>
+                                      <p:to>
+                                        <p:strVal val="visible"/>
+                                      </p:to>
+                                    </p:set>
+                                    <p:animEffect filter="fade" transition="in">
+                                      <p:cBhvr>
+                                        <p:cTn dur="1800"/>
+                                        <p:tgtEl>
+                                          <p:spTgt spid="193"/>
+                                        </p:tgtEl>
+                                      </p:cBhvr>
+                                    </p:animEffect>
+                                  </p:childTnLst>
+                                </p:cTn>
+                              </p:par>
+                            </p:childTnLst>
+                          </p:cTn>
+                        </p:par>
+                        <p:par>
+                          <p:cTn fill="hold">
+                            <p:stCondLst>
+                              <p:cond delay="4600"/>
+                            </p:stCondLst>
+                            <p:childTnLst>
+                              <p:par>
+                                <p:cTn fill="hold" nodeType="afterEffect" presetClass="entr" presetID="10" presetSubtype="0">
+                                  <p:stCondLst>
+                                    <p:cond delay="0"/>
+                                  </p:stCondLst>
+                                  <p:childTnLst>
+                                    <p:set>
+                                      <p:cBhvr>
+                                        <p:cTn dur="1" fill="hold">
+                                          <p:stCondLst>
+                                            <p:cond delay="0"/>
+                                          </p:stCondLst>
+                                        </p:cTn>
+                                        <p:tgtEl>
+                                          <p:spTgt spid="201"/>
+                                        </p:tgtEl>
+                                        <p:attrNameLst>
+                                          <p:attrName>style.visibility</p:attrName>
+                                        </p:attrNameLst>
+                                      </p:cBhvr>
+                                      <p:to>
+                                        <p:strVal val="visible"/>
+                                      </p:to>
+                                    </p:set>
+                                    <p:animEffect filter="fade" transition="in">
+                                      <p:cBhvr>
+                                        <p:cTn dur="1000"/>
+                                        <p:tgtEl>
+                                          <p:spTgt spid="201"/>
+                                        </p:tgtEl>
+                                      </p:cBhvr>
+                                    </p:animEffect>
+                                  </p:childTnLst>
+                                </p:cTn>
+                              </p:par>
+                            </p:childTnLst>
+                          </p:cTn>
+                        </p:par>
+                        <p:par>
+                          <p:cTn fill="hold">
+                            <p:stCondLst>
+                              <p:cond delay="5600"/>
+                            </p:stCondLst>
+                            <p:childTnLst>
+                              <p:par>
+                                <p:cTn fill="hold" nodeType="afterEffect" presetClass="entr" presetID="10" presetSubtype="0">
+                                  <p:stCondLst>
+                                    <p:cond delay="0"/>
+                                  </p:stCondLst>
+                                  <p:childTnLst>
+                                    <p:set>
+                                      <p:cBhvr>
+                                        <p:cTn dur="1" fill="hold">
+                                          <p:stCondLst>
+                                            <p:cond delay="0"/>
+                                          </p:stCondLst>
+                                        </p:cTn>
+                                        <p:tgtEl>
+                                          <p:spTgt spid="209"/>
+                                        </p:tgtEl>
+                                        <p:attrNameLst>
+                                          <p:attrName>style.visibility</p:attrName>
+                                        </p:attrNameLst>
+                                      </p:cBhvr>
+                                      <p:to>
+                                        <p:strVal val="visible"/>
+                                      </p:to>
+                                    </p:set>
+                                    <p:animEffect filter="fade" transition="in">
+                                      <p:cBhvr>
+                                        <p:cTn dur="1800"/>
+                                        <p:tgtEl>
+                                          <p:spTgt spid="209"/>
+                                        </p:tgtEl>
+                                      </p:cBhvr>
+                                    </p:animEffect>
+                                  </p:childTnLst>
+                                </p:cTn>
+                              </p:par>
+                            </p:childTnLst>
+                          </p:cTn>
+                        </p:par>
+                      </p:childTnLst>
+                    </p:cTn>
+                  </p:par>
+                </p:childTnLst>
+              </p:cTn>
+              <p:prevCondLst>
+                <p:cond evt="onPrev">
+                  <p:tgtEl>
+                    <p:sldTgt/>
+                  </p:tgtEl>
+                </p:cond>
+              </p:prevCondLst>
+              <p:nextCondLst>
+                <p:cond evt="onNext">
+                  <p:tgtEl>
+                    <p:sldTgt/>
+                  </p:tgtEl>
+                </p:cond>
+              </p:nextCondLst>
+            </p:seq>
+          </p:childTnLst>
+        </p:cTn>
+      </p:par>
+    </p:tnLst>
+  </p:timing>
 </p:sld>
 </file>
 
@@ -28874,7 +33082,7 @@
   <p:cSld>
     <p:spTree>
       <p:nvGrpSpPr>
-        <p:cNvPr id="219" name="Shape 219"/>
+        <p:cNvPr id="220" name="Shape 220"/>
         <p:cNvGrpSpPr/>
         <p:nvPr/>
       </p:nvGrpSpPr>
@@ -28888,7 +33096,7 @@
       </p:grpSpPr>
       <p:sp>
         <p:nvSpPr>
-          <p:cNvPr id="220" name="Google Shape;220;p19"/>
+          <p:cNvPr id="221" name="Google Shape;221;p19"/>
           <p:cNvSpPr txBox="1"/>
           <p:nvPr>
             <p:ph type="title"/>
@@ -28936,7 +33144,7 @@
       </p:sp>
       <p:grpSp>
         <p:nvGrpSpPr>
-          <p:cNvPr id="221" name="Google Shape;221;p19"/>
+          <p:cNvPr id="222" name="Google Shape;222;p19"/>
           <p:cNvGrpSpPr/>
           <p:nvPr/>
         </p:nvGrpSpPr>
@@ -28950,7 +33158,7 @@
         </p:grpSpPr>
         <p:grpSp>
           <p:nvGrpSpPr>
-            <p:cNvPr id="222" name="Google Shape;222;p19"/>
+            <p:cNvPr id="223" name="Google Shape;223;p19"/>
             <p:cNvGrpSpPr/>
             <p:nvPr/>
           </p:nvGrpSpPr>
@@ -28964,7 +33172,7 @@
           </p:grpSpPr>
           <p:cxnSp>
             <p:nvCxnSpPr>
-              <p:cNvPr id="223" name="Google Shape;223;p19"/>
+              <p:cNvPr id="224" name="Google Shape;224;p19"/>
               <p:cNvCxnSpPr/>
               <p:nvPr/>
             </p:nvCxnSpPr>
@@ -28990,7 +33198,7 @@
           </p:cxnSp>
           <p:sp>
             <p:nvSpPr>
-              <p:cNvPr id="224" name="Google Shape;224;p19"/>
+              <p:cNvPr id="225" name="Google Shape;225;p19"/>
               <p:cNvSpPr/>
               <p:nvPr/>
             </p:nvSpPr>
@@ -29105,7 +33313,7 @@
           </p:sp>
           <p:sp>
             <p:nvSpPr>
-              <p:cNvPr id="225" name="Google Shape;225;p19"/>
+              <p:cNvPr id="226" name="Google Shape;226;p19"/>
               <p:cNvSpPr/>
               <p:nvPr/>
             </p:nvSpPr>
@@ -29206,7 +33414,7 @@
           </p:sp>
           <p:sp>
             <p:nvSpPr>
-              <p:cNvPr id="226" name="Google Shape;226;p19"/>
+              <p:cNvPr id="227" name="Google Shape;227;p19"/>
               <p:cNvSpPr/>
               <p:nvPr/>
             </p:nvSpPr>
@@ -29299,7 +33507,7 @@
         </p:grpSp>
         <p:sp>
           <p:nvSpPr>
-            <p:cNvPr id="227" name="Google Shape;227;p19"/>
+            <p:cNvPr id="228" name="Google Shape;228;p19"/>
             <p:cNvSpPr txBox="1"/>
             <p:nvPr/>
           </p:nvSpPr>
@@ -29365,7 +33573,7 @@
         </p:sp>
         <p:sp>
           <p:nvSpPr>
-            <p:cNvPr id="228" name="Google Shape;228;p19"/>
+            <p:cNvPr id="229" name="Google Shape;229;p19"/>
             <p:cNvSpPr txBox="1"/>
             <p:nvPr/>
           </p:nvSpPr>
@@ -29431,7 +33639,7 @@
         </p:sp>
         <p:sp>
           <p:nvSpPr>
-            <p:cNvPr id="229" name="Google Shape;229;p19"/>
+            <p:cNvPr id="230" name="Google Shape;230;p19"/>
             <p:cNvSpPr txBox="1"/>
             <p:nvPr/>
           </p:nvSpPr>
@@ -29498,7 +33706,7 @@
       </p:grpSp>
       <p:grpSp>
         <p:nvGrpSpPr>
-          <p:cNvPr id="230" name="Google Shape;230;p19"/>
+          <p:cNvPr id="231" name="Google Shape;231;p19"/>
           <p:cNvGrpSpPr/>
           <p:nvPr/>
         </p:nvGrpSpPr>
@@ -29512,7 +33720,7 @@
         </p:grpSpPr>
         <p:grpSp>
           <p:nvGrpSpPr>
-            <p:cNvPr id="231" name="Google Shape;231;p19"/>
+            <p:cNvPr id="232" name="Google Shape;232;p19"/>
             <p:cNvGrpSpPr/>
             <p:nvPr/>
           </p:nvGrpSpPr>
@@ -29526,7 +33734,7 @@
           </p:grpSpPr>
           <p:cxnSp>
             <p:nvCxnSpPr>
-              <p:cNvPr id="232" name="Google Shape;232;p19"/>
+              <p:cNvPr id="233" name="Google Shape;233;p19"/>
               <p:cNvCxnSpPr/>
               <p:nvPr/>
             </p:nvCxnSpPr>
@@ -29552,7 +33760,7 @@
           </p:cxnSp>
           <p:sp>
             <p:nvSpPr>
-              <p:cNvPr id="233" name="Google Shape;233;p19"/>
+              <p:cNvPr id="234" name="Google Shape;234;p19"/>
               <p:cNvSpPr/>
               <p:nvPr/>
             </p:nvSpPr>
@@ -29667,7 +33875,7 @@
           </p:sp>
           <p:sp>
             <p:nvSpPr>
-              <p:cNvPr id="234" name="Google Shape;234;p19"/>
+              <p:cNvPr id="235" name="Google Shape;235;p19"/>
               <p:cNvSpPr/>
               <p:nvPr/>
             </p:nvSpPr>
@@ -29768,7 +33976,7 @@
           </p:sp>
           <p:sp>
             <p:nvSpPr>
-              <p:cNvPr id="235" name="Google Shape;235;p19"/>
+              <p:cNvPr id="236" name="Google Shape;236;p19"/>
               <p:cNvSpPr/>
               <p:nvPr/>
             </p:nvSpPr>
@@ -29861,7 +34069,7 @@
         </p:grpSp>
         <p:sp>
           <p:nvSpPr>
-            <p:cNvPr id="236" name="Google Shape;236;p19"/>
+            <p:cNvPr id="237" name="Google Shape;237;p19"/>
             <p:cNvSpPr txBox="1"/>
             <p:nvPr/>
           </p:nvSpPr>
@@ -29927,7 +34135,7 @@
         </p:sp>
         <p:sp>
           <p:nvSpPr>
-            <p:cNvPr id="237" name="Google Shape;237;p19"/>
+            <p:cNvPr id="238" name="Google Shape;238;p19"/>
             <p:cNvSpPr txBox="1"/>
             <p:nvPr/>
           </p:nvSpPr>
@@ -29993,7 +34201,7 @@
         </p:sp>
         <p:sp>
           <p:nvSpPr>
-            <p:cNvPr id="238" name="Google Shape;238;p19"/>
+            <p:cNvPr id="239" name="Google Shape;239;p19"/>
             <p:cNvSpPr txBox="1"/>
             <p:nvPr/>
           </p:nvSpPr>
@@ -30084,7 +34292,7 @@
       </p:grpSp>
       <p:grpSp>
         <p:nvGrpSpPr>
-          <p:cNvPr id="239" name="Google Shape;239;p19"/>
+          <p:cNvPr id="240" name="Google Shape;240;p19"/>
           <p:cNvGrpSpPr/>
           <p:nvPr/>
         </p:nvGrpSpPr>
@@ -30098,7 +34306,7 @@
         </p:grpSpPr>
         <p:grpSp>
           <p:nvGrpSpPr>
-            <p:cNvPr id="240" name="Google Shape;240;p19"/>
+            <p:cNvPr id="241" name="Google Shape;241;p19"/>
             <p:cNvGrpSpPr/>
             <p:nvPr/>
           </p:nvGrpSpPr>
@@ -30112,7 +34320,7 @@
           </p:grpSpPr>
           <p:cxnSp>
             <p:nvCxnSpPr>
-              <p:cNvPr id="241" name="Google Shape;241;p19"/>
+              <p:cNvPr id="242" name="Google Shape;242;p19"/>
               <p:cNvCxnSpPr/>
               <p:nvPr/>
             </p:nvCxnSpPr>
@@ -30138,7 +34346,7 @@
           </p:cxnSp>
           <p:sp>
             <p:nvSpPr>
-              <p:cNvPr id="242" name="Google Shape;242;p19"/>
+              <p:cNvPr id="243" name="Google Shape;243;p19"/>
               <p:cNvSpPr/>
               <p:nvPr/>
             </p:nvSpPr>
@@ -30253,7 +34461,7 @@
           </p:sp>
           <p:sp>
             <p:nvSpPr>
-              <p:cNvPr id="243" name="Google Shape;243;p19"/>
+              <p:cNvPr id="244" name="Google Shape;244;p19"/>
               <p:cNvSpPr/>
               <p:nvPr/>
             </p:nvSpPr>
@@ -30354,7 +34562,7 @@
           </p:sp>
           <p:sp>
             <p:nvSpPr>
-              <p:cNvPr id="244" name="Google Shape;244;p19"/>
+              <p:cNvPr id="245" name="Google Shape;245;p19"/>
               <p:cNvSpPr/>
               <p:nvPr/>
             </p:nvSpPr>
@@ -30446,7 +34654,7 @@
           </p:sp>
           <p:sp>
             <p:nvSpPr>
-              <p:cNvPr id="245" name="Google Shape;245;p19"/>
+              <p:cNvPr id="246" name="Google Shape;246;p19"/>
               <p:cNvSpPr txBox="1"/>
               <p:nvPr/>
             </p:nvSpPr>
@@ -30513,7 +34721,7 @@
         </p:grpSp>
         <p:sp>
           <p:nvSpPr>
-            <p:cNvPr id="246" name="Google Shape;246;p19"/>
+            <p:cNvPr id="247" name="Google Shape;247;p19"/>
             <p:cNvSpPr txBox="1"/>
             <p:nvPr/>
           </p:nvSpPr>
@@ -30579,7 +34787,7 @@
         </p:sp>
         <p:sp>
           <p:nvSpPr>
-            <p:cNvPr id="247" name="Google Shape;247;p19"/>
+            <p:cNvPr id="248" name="Google Shape;248;p19"/>
             <p:cNvSpPr txBox="1"/>
             <p:nvPr/>
           </p:nvSpPr>
@@ -30646,7 +34854,7 @@
       </p:grpSp>
       <p:grpSp>
         <p:nvGrpSpPr>
-          <p:cNvPr id="248" name="Google Shape;248;p19"/>
+          <p:cNvPr id="249" name="Google Shape;249;p19"/>
           <p:cNvGrpSpPr/>
           <p:nvPr/>
         </p:nvGrpSpPr>
@@ -30660,7 +34868,7 @@
         </p:grpSpPr>
         <p:grpSp>
           <p:nvGrpSpPr>
-            <p:cNvPr id="249" name="Google Shape;249;p19"/>
+            <p:cNvPr id="250" name="Google Shape;250;p19"/>
             <p:cNvGrpSpPr/>
             <p:nvPr/>
           </p:nvGrpSpPr>
@@ -30674,7 +34882,7 @@
           </p:grpSpPr>
           <p:cxnSp>
             <p:nvCxnSpPr>
-              <p:cNvPr id="250" name="Google Shape;250;p19"/>
+              <p:cNvPr id="251" name="Google Shape;251;p19"/>
               <p:cNvCxnSpPr/>
               <p:nvPr/>
             </p:nvCxnSpPr>
@@ -30700,7 +34908,7 @@
           </p:cxnSp>
           <p:sp>
             <p:nvSpPr>
-              <p:cNvPr id="251" name="Google Shape;251;p19"/>
+              <p:cNvPr id="252" name="Google Shape;252;p19"/>
               <p:cNvSpPr/>
               <p:nvPr/>
             </p:nvSpPr>
@@ -30815,7 +35023,7 @@
           </p:sp>
           <p:sp>
             <p:nvSpPr>
-              <p:cNvPr id="252" name="Google Shape;252;p19"/>
+              <p:cNvPr id="253" name="Google Shape;253;p19"/>
               <p:cNvSpPr/>
               <p:nvPr/>
             </p:nvSpPr>
@@ -30916,7 +35124,7 @@
           </p:sp>
           <p:sp>
             <p:nvSpPr>
-              <p:cNvPr id="253" name="Google Shape;253;p19"/>
+              <p:cNvPr id="254" name="Google Shape;254;p19"/>
               <p:cNvSpPr/>
               <p:nvPr/>
             </p:nvSpPr>
@@ -31009,7 +35217,7 @@
         </p:grpSp>
         <p:sp>
           <p:nvSpPr>
-            <p:cNvPr id="254" name="Google Shape;254;p19"/>
+            <p:cNvPr id="255" name="Google Shape;255;p19"/>
             <p:cNvSpPr txBox="1"/>
             <p:nvPr/>
           </p:nvSpPr>
@@ -31075,7 +35283,7 @@
         </p:sp>
         <p:sp>
           <p:nvSpPr>
-            <p:cNvPr id="255" name="Google Shape;255;p19"/>
+            <p:cNvPr id="256" name="Google Shape;256;p19"/>
             <p:cNvSpPr txBox="1"/>
             <p:nvPr/>
           </p:nvSpPr>
@@ -31141,7 +35349,7 @@
         </p:sp>
         <p:sp>
           <p:nvSpPr>
-            <p:cNvPr id="256" name="Google Shape;256;p19"/>
+            <p:cNvPr id="257" name="Google Shape;257;p19"/>
             <p:cNvSpPr txBox="1"/>
             <p:nvPr/>
           </p:nvSpPr>
@@ -31211,6 +35419,265 @@
   <p:clrMapOvr>
     <a:masterClrMapping/>
   </p:clrMapOvr>
+  <p:timing>
+    <p:tnLst>
+      <p:par>
+        <p:cTn dur="indefinite" nodeType="tmRoot" restart="never">
+          <p:childTnLst>
+            <p:seq concurrent="1" nextAc="seek">
+              <p:cTn dur="indefinite" id="2" nodeType="mainSeq">
+                <p:childTnLst>
+                  <p:par>
+                    <p:cTn fill="hold">
+                      <p:stCondLst>
+                        <p:cond delay="indefinite"/>
+                      </p:stCondLst>
+                      <p:childTnLst>
+                        <p:par>
+                          <p:cTn fill="hold">
+                            <p:stCondLst>
+                              <p:cond delay="0"/>
+                            </p:stCondLst>
+                            <p:childTnLst>
+                              <p:par>
+                                <p:cTn fill="hold" nodeType="clickEffect" presetClass="entr" presetID="10" presetSubtype="0">
+                                  <p:stCondLst>
+                                    <p:cond delay="0"/>
+                                  </p:stCondLst>
+                                  <p:childTnLst>
+                                    <p:set>
+                                      <p:cBhvr>
+                                        <p:cTn dur="1" fill="hold">
+                                          <p:stCondLst>
+                                            <p:cond delay="0"/>
+                                          </p:stCondLst>
+                                        </p:cTn>
+                                        <p:tgtEl>
+                                          <p:spTgt spid="221"/>
+                                        </p:tgtEl>
+                                        <p:attrNameLst>
+                                          <p:attrName>style.visibility</p:attrName>
+                                        </p:attrNameLst>
+                                      </p:cBhvr>
+                                      <p:to>
+                                        <p:strVal val="visible"/>
+                                      </p:to>
+                                    </p:set>
+                                    <p:animEffect filter="fade" transition="in">
+                                      <p:cBhvr>
+                                        <p:cTn dur="1000"/>
+                                        <p:tgtEl>
+                                          <p:spTgt spid="221"/>
+                                        </p:tgtEl>
+                                      </p:cBhvr>
+                                    </p:animEffect>
+                                  </p:childTnLst>
+                                </p:cTn>
+                              </p:par>
+                            </p:childTnLst>
+                          </p:cTn>
+                        </p:par>
+                        <p:par>
+                          <p:cTn fill="hold">
+                            <p:stCondLst>
+                              <p:cond delay="1000"/>
+                            </p:stCondLst>
+                            <p:childTnLst>
+                              <p:par>
+                                <p:cTn fill="hold" nodeType="afterEffect" presetClass="entr" presetID="10" presetSubtype="0">
+                                  <p:stCondLst>
+                                    <p:cond delay="0"/>
+                                  </p:stCondLst>
+                                  <p:childTnLst>
+                                    <p:set>
+                                      <p:cBhvr>
+                                        <p:cTn dur="1" fill="hold">
+                                          <p:stCondLst>
+                                            <p:cond delay="0"/>
+                                          </p:stCondLst>
+                                        </p:cTn>
+                                        <p:tgtEl>
+                                          <p:spTgt spid="222"/>
+                                        </p:tgtEl>
+                                        <p:attrNameLst>
+                                          <p:attrName>style.visibility</p:attrName>
+                                        </p:attrNameLst>
+                                      </p:cBhvr>
+                                      <p:to>
+                                        <p:strVal val="visible"/>
+                                      </p:to>
+                                    </p:set>
+                                    <p:animEffect filter="fade" transition="in">
+                                      <p:cBhvr>
+                                        <p:cTn dur="1700"/>
+                                        <p:tgtEl>
+                                          <p:spTgt spid="222"/>
+                                        </p:tgtEl>
+                                      </p:cBhvr>
+                                    </p:animEffect>
+                                  </p:childTnLst>
+                                </p:cTn>
+                              </p:par>
+                            </p:childTnLst>
+                          </p:cTn>
+                        </p:par>
+                        <p:par>
+                          <p:cTn fill="hold">
+                            <p:stCondLst>
+                              <p:cond delay="2700"/>
+                            </p:stCondLst>
+                            <p:childTnLst>
+                              <p:par>
+                                <p:cTn fill="hold" nodeType="afterEffect" presetClass="entr" presetID="10" presetSubtype="0">
+                                  <p:stCondLst>
+                                    <p:cond delay="0"/>
+                                  </p:stCondLst>
+                                  <p:childTnLst>
+                                    <p:set>
+                                      <p:cBhvr>
+                                        <p:cTn dur="1" fill="hold">
+                                          <p:stCondLst>
+                                            <p:cond delay="0"/>
+                                          </p:stCondLst>
+                                        </p:cTn>
+                                        <p:tgtEl>
+                                          <p:spTgt spid="240"/>
+                                        </p:tgtEl>
+                                        <p:attrNameLst>
+                                          <p:attrName>style.visibility</p:attrName>
+                                        </p:attrNameLst>
+                                      </p:cBhvr>
+                                      <p:to>
+                                        <p:strVal val="visible"/>
+                                      </p:to>
+                                    </p:set>
+                                    <p:animEffect filter="fade" transition="in">
+                                      <p:cBhvr>
+                                        <p:cTn dur="1700"/>
+                                        <p:tgtEl>
+                                          <p:spTgt spid="240"/>
+                                        </p:tgtEl>
+                                      </p:cBhvr>
+                                    </p:animEffect>
+                                  </p:childTnLst>
+                                </p:cTn>
+                              </p:par>
+                            </p:childTnLst>
+                          </p:cTn>
+                        </p:par>
+                        <p:par>
+                          <p:cTn fill="hold">
+                            <p:stCondLst>
+                              <p:cond delay="4400"/>
+                            </p:stCondLst>
+                            <p:childTnLst>
+                              <p:par>
+                                <p:cTn fill="hold" nodeType="afterEffect" presetClass="entr" presetID="10" presetSubtype="0">
+                                  <p:stCondLst>
+                                    <p:cond delay="0"/>
+                                  </p:stCondLst>
+                                  <p:childTnLst>
+                                    <p:set>
+                                      <p:cBhvr>
+                                        <p:cTn dur="1" fill="hold">
+                                          <p:stCondLst>
+                                            <p:cond delay="0"/>
+                                          </p:stCondLst>
+                                        </p:cTn>
+                                        <p:tgtEl>
+                                          <p:spTgt spid="231"/>
+                                        </p:tgtEl>
+                                        <p:attrNameLst>
+                                          <p:attrName>style.visibility</p:attrName>
+                                        </p:attrNameLst>
+                                      </p:cBhvr>
+                                      <p:to>
+                                        <p:strVal val="visible"/>
+                                      </p:to>
+                                    </p:set>
+                                    <p:animEffect filter="fade" transition="in">
+                                      <p:cBhvr>
+                                        <p:cTn dur="1700"/>
+                                        <p:tgtEl>
+                                          <p:spTgt spid="231"/>
+                                        </p:tgtEl>
+                                      </p:cBhvr>
+                                    </p:animEffect>
+                                  </p:childTnLst>
+                                </p:cTn>
+                              </p:par>
+                            </p:childTnLst>
+                          </p:cTn>
+                        </p:par>
+                        <p:par>
+                          <p:cTn fill="hold">
+                            <p:stCondLst>
+                              <p:cond delay="6100"/>
+                            </p:stCondLst>
+                            <p:childTnLst>
+                              <p:par>
+                                <p:cTn fill="hold" nodeType="afterEffect" presetClass="entr" presetID="10" presetSubtype="0">
+                                  <p:stCondLst>
+                                    <p:cond delay="0"/>
+                                  </p:stCondLst>
+                                  <p:childTnLst>
+                                    <p:set>
+                                      <p:cBhvr>
+                                        <p:cTn dur="1" fill="hold">
+                                          <p:stCondLst>
+                                            <p:cond delay="0"/>
+                                          </p:stCondLst>
+                                        </p:cTn>
+                                        <p:tgtEl>
+                                          <p:spTgt spid="249"/>
+                                        </p:tgtEl>
+                                        <p:attrNameLst>
+                                          <p:attrName>style.visibility</p:attrName>
+                                        </p:attrNameLst>
+                                      </p:cBhvr>
+                                      <p:to>
+                                        <p:strVal val="visible"/>
+                                      </p:to>
+                                    </p:set>
+                                    <p:animEffect filter="fade" transition="in">
+                                      <p:cBhvr>
+                                        <p:cTn dur="1700"/>
+                                        <p:tgtEl>
+                                          <p:spTgt spid="249"/>
+                                        </p:tgtEl>
+                                      </p:cBhvr>
+                                    </p:animEffect>
+                                  </p:childTnLst>
+                                </p:cTn>
+                              </p:par>
+                            </p:childTnLst>
+                          </p:cTn>
+                        </p:par>
+                      </p:childTnLst>
+                    </p:cTn>
+                  </p:par>
+                </p:childTnLst>
+              </p:cTn>
+              <p:prevCondLst>
+                <p:cond evt="onPrev">
+                  <p:tgtEl>
+                    <p:sldTgt/>
+                  </p:tgtEl>
+                </p:cond>
+              </p:prevCondLst>
+              <p:nextCondLst>
+                <p:cond evt="onNext">
+                  <p:tgtEl>
+                    <p:sldTgt/>
+                  </p:tgtEl>
+                </p:cond>
+              </p:nextCondLst>
+            </p:seq>
+          </p:childTnLst>
+        </p:cTn>
+      </p:par>
+    </p:tnLst>
+  </p:timing>
 </p:sld>
 </file>
 
@@ -31219,7 +35686,7 @@
   <p:cSld>
     <p:spTree>
       <p:nvGrpSpPr>
-        <p:cNvPr id="260" name="Shape 260"/>
+        <p:cNvPr id="261" name="Shape 261"/>
         <p:cNvGrpSpPr/>
         <p:nvPr/>
       </p:nvGrpSpPr>
@@ -31233,7 +35700,7 @@
       </p:grpSpPr>
       <p:sp>
         <p:nvSpPr>
-          <p:cNvPr id="261" name="Google Shape;261;p20"/>
+          <p:cNvPr id="262" name="Google Shape;262;p20"/>
           <p:cNvSpPr txBox="1"/>
           <p:nvPr>
             <p:ph type="title"/>
@@ -31289,7 +35756,7 @@
       </p:sp>
       <p:sp>
         <p:nvSpPr>
-          <p:cNvPr id="262" name="Google Shape;262;p20"/>
+          <p:cNvPr id="263" name="Google Shape;263;p20"/>
           <p:cNvSpPr txBox="1"/>
           <p:nvPr>
             <p:ph type="title"/>
@@ -31495,6 +35962,309 @@
   <p:clrMapOvr>
     <a:masterClrMapping/>
   </p:clrMapOvr>
+  <mc:AlternateContent>
+    <mc:Choice Requires="p14">
+      <p:transition spd="slow" p14:dur="1100">
+        <p:fade thruBlk="1"/>
+      </p:transition>
+    </mc:Choice>
+    <mc:Fallback>
+      <p:transition spd="slow">
+        <p:fade/>
+      </p:transition>
+    </mc:Fallback>
+  </mc:AlternateContent>
+  <p:timing>
+    <p:tnLst>
+      <p:par>
+        <p:cTn dur="indefinite" nodeType="tmRoot" restart="never">
+          <p:childTnLst>
+            <p:seq concurrent="1" nextAc="seek">
+              <p:cTn dur="indefinite" id="2" nodeType="mainSeq">
+                <p:childTnLst>
+                  <p:par>
+                    <p:cTn fill="hold">
+                      <p:stCondLst>
+                        <p:cond delay="indefinite"/>
+                      </p:stCondLst>
+                      <p:childTnLst>
+                        <p:par>
+                          <p:cTn fill="hold">
+                            <p:stCondLst>
+                              <p:cond delay="0"/>
+                            </p:stCondLst>
+                            <p:childTnLst>
+                              <p:par>
+                                <p:cTn fill="hold" nodeType="clickEffect" presetClass="entr" presetID="10" presetSubtype="0">
+                                  <p:stCondLst>
+                                    <p:cond delay="0"/>
+                                  </p:stCondLst>
+                                  <p:childTnLst>
+                                    <p:set>
+                                      <p:cBhvr>
+                                        <p:cTn dur="1" fill="hold">
+                                          <p:stCondLst>
+                                            <p:cond delay="0"/>
+                                          </p:stCondLst>
+                                        </p:cTn>
+                                        <p:tgtEl>
+                                          <p:spTgt spid="262"/>
+                                        </p:tgtEl>
+                                        <p:attrNameLst>
+                                          <p:attrName>style.visibility</p:attrName>
+                                        </p:attrNameLst>
+                                      </p:cBhvr>
+                                      <p:to>
+                                        <p:strVal val="visible"/>
+                                      </p:to>
+                                    </p:set>
+                                    <p:animEffect filter="fade" transition="in">
+                                      <p:cBhvr>
+                                        <p:cTn dur="1000"/>
+                                        <p:tgtEl>
+                                          <p:spTgt spid="262"/>
+                                        </p:tgtEl>
+                                      </p:cBhvr>
+                                    </p:animEffect>
+                                  </p:childTnLst>
+                                </p:cTn>
+                              </p:par>
+                            </p:childTnLst>
+                          </p:cTn>
+                        </p:par>
+                        <p:par>
+                          <p:cTn fill="hold">
+                            <p:stCondLst>
+                              <p:cond delay="1000"/>
+                            </p:stCondLst>
+                            <p:childTnLst>
+                              <p:par>
+                                <p:cTn fill="hold" nodeType="afterEffect" presetClass="entr" presetID="10" presetSubtype="0">
+                                  <p:stCondLst>
+                                    <p:cond delay="0"/>
+                                  </p:stCondLst>
+                                  <p:childTnLst>
+                                    <p:set>
+                                      <p:cBhvr>
+                                        <p:cTn dur="1" fill="hold">
+                                          <p:stCondLst>
+                                            <p:cond delay="0"/>
+                                          </p:stCondLst>
+                                        </p:cTn>
+                                        <p:tgtEl>
+                                          <p:spTgt spid="263">
+                                            <p:txEl>
+                                              <p:pRg end="0" st="0"/>
+                                            </p:txEl>
+                                          </p:spTgt>
+                                        </p:tgtEl>
+                                        <p:attrNameLst>
+                                          <p:attrName>style.visibility</p:attrName>
+                                        </p:attrNameLst>
+                                      </p:cBhvr>
+                                      <p:to>
+                                        <p:strVal val="visible"/>
+                                      </p:to>
+                                    </p:set>
+                                    <p:animEffect filter="fade" transition="in">
+                                      <p:cBhvr>
+                                        <p:cTn dur="1500"/>
+                                        <p:tgtEl>
+                                          <p:spTgt spid="263">
+                                            <p:txEl>
+                                              <p:pRg end="0" st="0"/>
+                                            </p:txEl>
+                                          </p:spTgt>
+                                        </p:tgtEl>
+                                      </p:cBhvr>
+                                    </p:animEffect>
+                                  </p:childTnLst>
+                                </p:cTn>
+                              </p:par>
+                            </p:childTnLst>
+                          </p:cTn>
+                        </p:par>
+                        <p:par>
+                          <p:cTn fill="hold">
+                            <p:stCondLst>
+                              <p:cond delay="2500"/>
+                            </p:stCondLst>
+                            <p:childTnLst>
+                              <p:par>
+                                <p:cTn fill="hold" nodeType="afterEffect" presetClass="entr" presetID="10" presetSubtype="0">
+                                  <p:stCondLst>
+                                    <p:cond delay="0"/>
+                                  </p:stCondLst>
+                                  <p:childTnLst>
+                                    <p:set>
+                                      <p:cBhvr>
+                                        <p:cTn dur="1" fill="hold">
+                                          <p:stCondLst>
+                                            <p:cond delay="0"/>
+                                          </p:stCondLst>
+                                        </p:cTn>
+                                        <p:tgtEl>
+                                          <p:spTgt spid="263">
+                                            <p:txEl>
+                                              <p:pRg end="1" st="1"/>
+                                            </p:txEl>
+                                          </p:spTgt>
+                                        </p:tgtEl>
+                                        <p:attrNameLst>
+                                          <p:attrName>style.visibility</p:attrName>
+                                        </p:attrNameLst>
+                                      </p:cBhvr>
+                                      <p:to>
+                                        <p:strVal val="visible"/>
+                                      </p:to>
+                                    </p:set>
+                                    <p:animEffect filter="fade" transition="in">
+                                      <p:cBhvr>
+                                        <p:cTn dur="1500"/>
+                                        <p:tgtEl>
+                                          <p:spTgt spid="263">
+                                            <p:txEl>
+                                              <p:pRg end="1" st="1"/>
+                                            </p:txEl>
+                                          </p:spTgt>
+                                        </p:tgtEl>
+                                      </p:cBhvr>
+                                    </p:animEffect>
+                                  </p:childTnLst>
+                                </p:cTn>
+                              </p:par>
+                            </p:childTnLst>
+                          </p:cTn>
+                        </p:par>
+                        <p:par>
+                          <p:cTn fill="hold">
+                            <p:stCondLst>
+                              <p:cond delay="4000"/>
+                            </p:stCondLst>
+                            <p:childTnLst>
+                              <p:par>
+                                <p:cTn fill="hold" nodeType="afterEffect" presetClass="entr" presetID="10" presetSubtype="0">
+                                  <p:stCondLst>
+                                    <p:cond delay="0"/>
+                                  </p:stCondLst>
+                                  <p:childTnLst>
+                                    <p:set>
+                                      <p:cBhvr>
+                                        <p:cTn dur="1" fill="hold">
+                                          <p:stCondLst>
+                                            <p:cond delay="0"/>
+                                          </p:stCondLst>
+                                        </p:cTn>
+                                        <p:tgtEl>
+                                          <p:spTgt spid="263">
+                                            <p:txEl>
+                                              <p:pRg end="2" st="2"/>
+                                            </p:txEl>
+                                          </p:spTgt>
+                                        </p:tgtEl>
+                                        <p:attrNameLst>
+                                          <p:attrName>style.visibility</p:attrName>
+                                        </p:attrNameLst>
+                                      </p:cBhvr>
+                                      <p:to>
+                                        <p:strVal val="visible"/>
+                                      </p:to>
+                                    </p:set>
+                                    <p:animEffect filter="fade" transition="in">
+                                      <p:cBhvr>
+                                        <p:cTn dur="1500"/>
+                                        <p:tgtEl>
+                                          <p:spTgt spid="263">
+                                            <p:txEl>
+                                              <p:pRg end="2" st="2"/>
+                                            </p:txEl>
+                                          </p:spTgt>
+                                        </p:tgtEl>
+                                      </p:cBhvr>
+                                    </p:animEffect>
+                                  </p:childTnLst>
+                                </p:cTn>
+                              </p:par>
+                            </p:childTnLst>
+                          </p:cTn>
+                        </p:par>
+                        <p:par>
+                          <p:cTn fill="hold">
+                            <p:stCondLst>
+                              <p:cond delay="5500"/>
+                            </p:stCondLst>
+                            <p:childTnLst>
+                              <p:par>
+                                <p:cTn fill="hold" nodeType="afterEffect" presetClass="entr" presetID="10" presetSubtype="0">
+                                  <p:stCondLst>
+                                    <p:cond delay="0"/>
+                                  </p:stCondLst>
+                                  <p:childTnLst>
+                                    <p:set>
+                                      <p:cBhvr>
+                                        <p:cTn dur="1" fill="hold">
+                                          <p:stCondLst>
+                                            <p:cond delay="0"/>
+                                          </p:stCondLst>
+                                        </p:cTn>
+                                        <p:tgtEl>
+                                          <p:spTgt spid="263">
+                                            <p:txEl>
+                                              <p:pRg end="3" st="3"/>
+                                            </p:txEl>
+                                          </p:spTgt>
+                                        </p:tgtEl>
+                                        <p:attrNameLst>
+                                          <p:attrName>style.visibility</p:attrName>
+                                        </p:attrNameLst>
+                                      </p:cBhvr>
+                                      <p:to>
+                                        <p:strVal val="visible"/>
+                                      </p:to>
+                                    </p:set>
+                                    <p:animEffect filter="fade" transition="in">
+                                      <p:cBhvr>
+                                        <p:cTn dur="1500"/>
+                                        <p:tgtEl>
+                                          <p:spTgt spid="263">
+                                            <p:txEl>
+                                              <p:pRg end="3" st="3"/>
+                                            </p:txEl>
+                                          </p:spTgt>
+                                        </p:tgtEl>
+                                      </p:cBhvr>
+                                    </p:animEffect>
+                                  </p:childTnLst>
+                                </p:cTn>
+                              </p:par>
+                            </p:childTnLst>
+                          </p:cTn>
+                        </p:par>
+                      </p:childTnLst>
+                    </p:cTn>
+                  </p:par>
+                </p:childTnLst>
+              </p:cTn>
+              <p:prevCondLst>
+                <p:cond evt="onPrev">
+                  <p:tgtEl>
+                    <p:sldTgt/>
+                  </p:tgtEl>
+                </p:cond>
+              </p:prevCondLst>
+              <p:nextCondLst>
+                <p:cond evt="onNext">
+                  <p:tgtEl>
+                    <p:sldTgt/>
+                  </p:tgtEl>
+                </p:cond>
+              </p:nextCondLst>
+            </p:seq>
+          </p:childTnLst>
+        </p:cTn>
+      </p:par>
+    </p:tnLst>
+  </p:timing>
 </p:sld>
 </file>
 
@@ -31503,7 +36273,7 @@
   <p:cSld>
     <p:spTree>
       <p:nvGrpSpPr>
-        <p:cNvPr id="266" name="Shape 266"/>
+        <p:cNvPr id="267" name="Shape 267"/>
         <p:cNvGrpSpPr/>
         <p:nvPr/>
       </p:nvGrpSpPr>
@@ -31517,7 +36287,7 @@
       </p:grpSpPr>
       <p:sp>
         <p:nvSpPr>
-          <p:cNvPr id="267" name="Google Shape;267;p21"/>
+          <p:cNvPr id="268" name="Google Shape;268;p21"/>
           <p:cNvSpPr txBox="1"/>
           <p:nvPr>
             <p:ph type="title"/>
@@ -31525,8 +36295,8 @@
         </p:nvSpPr>
         <p:spPr>
           <a:xfrm>
-            <a:off x="2312016" y="205675"/>
-            <a:ext cx="4519800" cy="623400"/>
+            <a:off x="2312025" y="205675"/>
+            <a:ext cx="4519800" cy="775800"/>
           </a:xfrm>
           <a:prstGeom prst="rect">
             <a:avLst/>
@@ -31548,16 +36318,16 @@
               <a:buNone/>
             </a:pPr>
             <a:r>
-              <a:rPr lang="en"/>
-              <a:t>Working Prototype</a:t>
+              <a:rPr lang="en" sz="3800"/>
+              <a:t>Care4U</a:t>
             </a:r>
-            <a:endParaRPr/>
+            <a:endParaRPr sz="3800"/>
           </a:p>
         </p:txBody>
       </p:sp>
       <p:pic>
         <p:nvPicPr>
-          <p:cNvPr id="268" name="Google Shape;268;p21"/>
+          <p:cNvPr id="269" name="Google Shape;269;p21"/>
           <p:cNvPicPr preferRelativeResize="0"/>
           <p:nvPr/>
         </p:nvPicPr>
@@ -31588,10 +36358,416 @@
   <p:clrMapOvr>
     <a:masterClrMapping/>
   </p:clrMapOvr>
+  <p:timing>
+    <p:tnLst>
+      <p:par>
+        <p:cTn dur="indefinite" nodeType="tmRoot" restart="never">
+          <p:childTnLst>
+            <p:seq concurrent="1" nextAc="seek">
+              <p:cTn dur="indefinite" id="2" nodeType="mainSeq">
+                <p:childTnLst>
+                  <p:par>
+                    <p:cTn fill="hold">
+                      <p:stCondLst>
+                        <p:cond delay="indefinite"/>
+                      </p:stCondLst>
+                      <p:childTnLst>
+                        <p:par>
+                          <p:cTn fill="hold">
+                            <p:stCondLst>
+                              <p:cond delay="0"/>
+                            </p:stCondLst>
+                            <p:childTnLst>
+                              <p:par>
+                                <p:cTn fill="hold" nodeType="clickEffect" presetClass="entr" presetID="10" presetSubtype="0">
+                                  <p:stCondLst>
+                                    <p:cond delay="0"/>
+                                  </p:stCondLst>
+                                  <p:childTnLst>
+                                    <p:set>
+                                      <p:cBhvr>
+                                        <p:cTn dur="1" fill="hold">
+                                          <p:stCondLst>
+                                            <p:cond delay="0"/>
+                                          </p:stCondLst>
+                                        </p:cTn>
+                                        <p:tgtEl>
+                                          <p:spTgt spid="268"/>
+                                        </p:tgtEl>
+                                        <p:attrNameLst>
+                                          <p:attrName>style.visibility</p:attrName>
+                                        </p:attrNameLst>
+                                      </p:cBhvr>
+                                      <p:to>
+                                        <p:strVal val="visible"/>
+                                      </p:to>
+                                    </p:set>
+                                    <p:animEffect filter="fade" transition="in">
+                                      <p:cBhvr>
+                                        <p:cTn dur="1000"/>
+                                        <p:tgtEl>
+                                          <p:spTgt spid="268"/>
+                                        </p:tgtEl>
+                                      </p:cBhvr>
+                                    </p:animEffect>
+                                  </p:childTnLst>
+                                </p:cTn>
+                              </p:par>
+                            </p:childTnLst>
+                          </p:cTn>
+                        </p:par>
+                        <p:par>
+                          <p:cTn fill="hold">
+                            <p:stCondLst>
+                              <p:cond delay="1000"/>
+                            </p:stCondLst>
+                            <p:childTnLst>
+                              <p:par>
+                                <p:cTn fill="hold" nodeType="afterEffect" presetClass="entr" presetID="10" presetSubtype="0">
+                                  <p:stCondLst>
+                                    <p:cond delay="0"/>
+                                  </p:stCondLst>
+                                  <p:childTnLst>
+                                    <p:set>
+                                      <p:cBhvr>
+                                        <p:cTn dur="1" fill="hold">
+                                          <p:stCondLst>
+                                            <p:cond delay="0"/>
+                                          </p:stCondLst>
+                                        </p:cTn>
+                                        <p:tgtEl>
+                                          <p:spTgt spid="269"/>
+                                        </p:tgtEl>
+                                        <p:attrNameLst>
+                                          <p:attrName>style.visibility</p:attrName>
+                                        </p:attrNameLst>
+                                      </p:cBhvr>
+                                      <p:to>
+                                        <p:strVal val="visible"/>
+                                      </p:to>
+                                    </p:set>
+                                    <p:animEffect filter="fade" transition="in">
+                                      <p:cBhvr>
+                                        <p:cTn dur="1000"/>
+                                        <p:tgtEl>
+                                          <p:spTgt spid="269"/>
+                                        </p:tgtEl>
+                                      </p:cBhvr>
+                                    </p:animEffect>
+                                  </p:childTnLst>
+                                </p:cTn>
+                              </p:par>
+                            </p:childTnLst>
+                          </p:cTn>
+                        </p:par>
+                      </p:childTnLst>
+                    </p:cTn>
+                  </p:par>
+                </p:childTnLst>
+              </p:cTn>
+              <p:prevCondLst>
+                <p:cond evt="onPrev">
+                  <p:tgtEl>
+                    <p:sldTgt/>
+                  </p:tgtEl>
+                </p:cond>
+              </p:prevCondLst>
+              <p:nextCondLst>
+                <p:cond evt="onNext">
+                  <p:tgtEl>
+                    <p:sldTgt/>
+                  </p:tgtEl>
+                </p:cond>
+              </p:nextCondLst>
+            </p:seq>
+          </p:childTnLst>
+        </p:cTn>
+      </p:par>
+    </p:tnLst>
+  </p:timing>
 </p:sld>
 </file>
 
 <file path=ppt/theme/theme1.xml><?xml version="1.0" encoding="utf-8"?>
+<a:theme xmlns:a="http://schemas.openxmlformats.org/drawingml/2006/main" xmlns:r="http://schemas.openxmlformats.org/officeDocument/2006/relationships">
+  <a:themeElements>
+    <a:clrScheme name="Default">
+      <a:dk1>
+        <a:srgbClr val="000000"/>
+      </a:dk1>
+      <a:lt1>
+        <a:srgbClr val="FFFFFF"/>
+      </a:lt1>
+      <a:dk2>
+        <a:srgbClr val="158158"/>
+      </a:dk2>
+      <a:lt2>
+        <a:srgbClr val="F3F3F3"/>
+      </a:lt2>
+      <a:accent1>
+        <a:srgbClr val="058DC7"/>
+      </a:accent1>
+      <a:accent2>
+        <a:srgbClr val="50B432"/>
+      </a:accent2>
+      <a:accent3>
+        <a:srgbClr val="ED561B"/>
+      </a:accent3>
+      <a:accent4>
+        <a:srgbClr val="EDEF00"/>
+      </a:accent4>
+      <a:accent5>
+        <a:srgbClr val="24CBE5"/>
+      </a:accent5>
+      <a:accent6>
+        <a:srgbClr val="64E572"/>
+      </a:accent6>
+      <a:hlink>
+        <a:srgbClr val="2200CC"/>
+      </a:hlink>
+      <a:folHlink>
+        <a:srgbClr val="551A8B"/>
+      </a:folHlink>
+    </a:clrScheme>
+    <a:fontScheme name="Office">
+      <a:majorFont>
+        <a:latin typeface="Arial"/>
+        <a:ea typeface=""/>
+        <a:cs typeface=""/>
+        <a:font script="Jpan" typeface="ＭＳ Ｐゴシック"/>
+        <a:font script="Hang" typeface="맑은 고딕"/>
+        <a:font script="Hans" typeface="宋体"/>
+        <a:font script="Hant" typeface="新細明體"/>
+        <a:font script="Arab" typeface="Times New Roman"/>
+        <a:font script="Hebr" typeface="Times New Roman"/>
+        <a:font script="Thai" typeface="Angsana New"/>
+        <a:font script="Ethi" typeface="Nyala"/>
+        <a:font script="Beng" typeface="Vrinda"/>
+        <a:font script="Gujr" typeface="Shruti"/>
+        <a:font script="Khmr" typeface="MoolBoran"/>
+        <a:font script="Knda" typeface="Tunga"/>
+        <a:font script="Guru" typeface="Raavi"/>
+        <a:font script="Cans" typeface="Euphemia"/>
+        <a:font script="Cher" typeface="Plantagenet Cherokee"/>
+        <a:font script="Yiii" typeface="Microsoft Yi Baiti"/>
+        <a:font script="Tibt" typeface="Microsoft Himalaya"/>
+        <a:font script="Thaa" typeface="MV Boli"/>
+        <a:font script="Deva" typeface="Mangal"/>
+        <a:font script="Telu" typeface="Gautami"/>
+        <a:font script="Taml" typeface="Latha"/>
+        <a:font script="Syrc" typeface="Estrangelo Edessa"/>
+        <a:font script="Orya" typeface="Kalinga"/>
+        <a:font script="Mlym" typeface="Kartika"/>
+        <a:font script="Laoo" typeface="DokChampa"/>
+        <a:font script="Sinh" typeface="Iskoola Pota"/>
+        <a:font script="Mong" typeface="Mongolian Baiti"/>
+        <a:font script="Viet" typeface="Times New Roman"/>
+        <a:font script="Uigh" typeface="Microsoft Uighur"/>
+        <a:font script="Geor" typeface="Sylfaen"/>
+      </a:majorFont>
+      <a:minorFont>
+        <a:latin typeface="Arial"/>
+        <a:ea typeface=""/>
+        <a:cs typeface=""/>
+        <a:font script="Jpan" typeface="ＭＳ Ｐゴシック"/>
+        <a:font script="Hang" typeface="맑은 고딕"/>
+        <a:font script="Hans" typeface="宋体"/>
+        <a:font script="Hant" typeface="新細明體"/>
+        <a:font script="Arab" typeface="Arial"/>
+        <a:font script="Hebr" typeface="Arial"/>
+        <a:font script="Thai" typeface="Cordia New"/>
+        <a:font script="Ethi" typeface="Nyala"/>
+        <a:font script="Beng" typeface="Vrinda"/>
+        <a:font script="Gujr" typeface="Shruti"/>
+        <a:font script="Khmr" typeface="DaunPenh"/>
+        <a:font script="Knda" typeface="Tunga"/>
+        <a:font script="Guru" typeface="Raavi"/>
+        <a:font script="Cans" typeface="Euphemia"/>
+        <a:font script="Cher" typeface="Plantagenet Cherokee"/>
+        <a:font script="Yiii" typeface="Microsoft Yi Baiti"/>
+        <a:font script="Tibt" typeface="Microsoft Himalaya"/>
+        <a:font script="Thaa" typeface="MV Boli"/>
+        <a:font script="Deva" typeface="Mangal"/>
+        <a:font script="Telu" typeface="Gautami"/>
+        <a:font script="Taml" typeface="Latha"/>
+        <a:font script="Syrc" typeface="Estrangelo Edessa"/>
+        <a:font script="Orya" typeface="Kalinga"/>
+        <a:font script="Mlym" typeface="Kartika"/>
+        <a:font script="Laoo" typeface="DokChampa"/>
+        <a:font script="Sinh" typeface="Iskoola Pota"/>
+        <a:font script="Mong" typeface="Mongolian Baiti"/>
+        <a:font script="Viet" typeface="Arial"/>
+        <a:font script="Uigh" typeface="Microsoft Uighur"/>
+        <a:font script="Geor" typeface="Sylfaen"/>
+      </a:minorFont>
+    </a:fontScheme>
+    <a:fmtScheme name="Office">
+      <a:fillStyleLst>
+        <a:solidFill>
+          <a:schemeClr val="phClr"/>
+        </a:solidFill>
+        <a:gradFill rotWithShape="1">
+          <a:gsLst>
+            <a:gs pos="0">
+              <a:schemeClr val="phClr">
+                <a:tint val="50000"/>
+                <a:satMod val="300000"/>
+              </a:schemeClr>
+            </a:gs>
+            <a:gs pos="35000">
+              <a:schemeClr val="phClr">
+                <a:tint val="37000"/>
+                <a:satMod val="300000"/>
+              </a:schemeClr>
+            </a:gs>
+            <a:gs pos="100000">
+              <a:schemeClr val="phClr">
+                <a:tint val="15000"/>
+                <a:satMod val="350000"/>
+              </a:schemeClr>
+            </a:gs>
+          </a:gsLst>
+          <a:lin ang="16200000" scaled="1"/>
+        </a:gradFill>
+        <a:gradFill rotWithShape="1">
+          <a:gsLst>
+            <a:gs pos="0">
+              <a:schemeClr val="phClr">
+                <a:tint val="100000"/>
+                <a:shade val="100000"/>
+                <a:satMod val="130000"/>
+              </a:schemeClr>
+            </a:gs>
+            <a:gs pos="100000">
+              <a:schemeClr val="phClr">
+                <a:tint val="50000"/>
+                <a:shade val="100000"/>
+                <a:satMod val="350000"/>
+              </a:schemeClr>
+            </a:gs>
+          </a:gsLst>
+          <a:lin ang="16200000" scaled="0"/>
+        </a:gradFill>
+      </a:fillStyleLst>
+      <a:lnStyleLst>
+        <a:ln w="9525" cap="flat" cmpd="sng" algn="ctr">
+          <a:solidFill>
+            <a:schemeClr val="phClr">
+              <a:shade val="95000"/>
+              <a:satMod val="105000"/>
+            </a:schemeClr>
+          </a:solidFill>
+          <a:prstDash val="solid"/>
+        </a:ln>
+        <a:ln w="25400" cap="flat" cmpd="sng" algn="ctr">
+          <a:solidFill>
+            <a:schemeClr val="phClr"/>
+          </a:solidFill>
+          <a:prstDash val="solid"/>
+        </a:ln>
+        <a:ln w="38100" cap="flat" cmpd="sng" algn="ctr">
+          <a:solidFill>
+            <a:schemeClr val="phClr"/>
+          </a:solidFill>
+          <a:prstDash val="solid"/>
+        </a:ln>
+      </a:lnStyleLst>
+      <a:effectStyleLst>
+        <a:effectStyle>
+          <a:effectLst>
+            <a:outerShdw blurRad="40000" dist="20000" dir="5400000" rotWithShape="0">
+              <a:srgbClr val="000000">
+                <a:alpha val="38000"/>
+              </a:srgbClr>
+            </a:outerShdw>
+          </a:effectLst>
+        </a:effectStyle>
+        <a:effectStyle>
+          <a:effectLst>
+            <a:outerShdw blurRad="40000" dist="23000" dir="5400000" rotWithShape="0">
+              <a:srgbClr val="000000">
+                <a:alpha val="35000"/>
+              </a:srgbClr>
+            </a:outerShdw>
+          </a:effectLst>
+        </a:effectStyle>
+        <a:effectStyle>
+          <a:effectLst>
+            <a:outerShdw blurRad="40000" dist="23000" dir="5400000" rotWithShape="0">
+              <a:srgbClr val="000000">
+                <a:alpha val="35000"/>
+              </a:srgbClr>
+            </a:outerShdw>
+          </a:effectLst>
+          <a:scene3d>
+            <a:camera prst="orthographicFront">
+              <a:rot lat="0" lon="0" rev="0"/>
+            </a:camera>
+            <a:lightRig rig="threePt" dir="t">
+              <a:rot lat="0" lon="0" rev="1200000"/>
+            </a:lightRig>
+          </a:scene3d>
+          <a:sp3d>
+            <a:bevelT w="63500" h="25400"/>
+          </a:sp3d>
+        </a:effectStyle>
+      </a:effectStyleLst>
+      <a:bgFillStyleLst>
+        <a:solidFill>
+          <a:schemeClr val="phClr"/>
+        </a:solidFill>
+        <a:gradFill rotWithShape="1">
+          <a:gsLst>
+            <a:gs pos="0">
+              <a:schemeClr val="phClr">
+                <a:tint val="40000"/>
+                <a:satMod val="350000"/>
+              </a:schemeClr>
+            </a:gs>
+            <a:gs pos="40000">
+              <a:schemeClr val="phClr">
+                <a:tint val="45000"/>
+                <a:shade val="99000"/>
+                <a:satMod val="350000"/>
+              </a:schemeClr>
+            </a:gs>
+            <a:gs pos="100000">
+              <a:schemeClr val="phClr">
+                <a:shade val="20000"/>
+                <a:satMod val="255000"/>
+              </a:schemeClr>
+            </a:gs>
+          </a:gsLst>
+          <a:path path="circle">
+            <a:fillToRect l="50000" t="-80000" r="50000" b="180000"/>
+          </a:path>
+        </a:gradFill>
+        <a:gradFill rotWithShape="1">
+          <a:gsLst>
+            <a:gs pos="0">
+              <a:schemeClr val="phClr">
+                <a:tint val="80000"/>
+                <a:satMod val="300000"/>
+              </a:schemeClr>
+            </a:gs>
+            <a:gs pos="100000">
+              <a:schemeClr val="phClr">
+                <a:shade val="30000"/>
+                <a:satMod val="200000"/>
+              </a:schemeClr>
+            </a:gs>
+          </a:gsLst>
+          <a:path path="circle">
+            <a:fillToRect l="50000" t="50000" r="50000" b="50000"/>
+          </a:path>
+        </a:gradFill>
+      </a:bgFillStyleLst>
+    </a:fmtScheme>
+  </a:themeElements>
+</a:theme>
+</file>
+
+<file path=ppt/theme/theme2.xml><?xml version="1.0" encoding="utf-8"?>
 <a:theme xmlns:a="http://schemas.openxmlformats.org/drawingml/2006/main" xmlns:r="http://schemas.openxmlformats.org/officeDocument/2006/relationships" name="Flat Startup Infographics by Slidesgo">
   <a:themeElements>
     <a:clrScheme name="Simple Light">
@@ -31868,283 +37044,4 @@
     </a:fmtScheme>
   </a:themeElements>
 </a:theme>
-</file>
-
-<file path=ppt/theme/theme2.xml><?xml version="1.0" encoding="utf-8"?>
-<a:theme xmlns:a="http://schemas.openxmlformats.org/drawingml/2006/main" xmlns:r="http://schemas.openxmlformats.org/officeDocument/2006/relationships">
-  <a:themeElements>
-    <a:clrScheme name="Default">
-      <a:dk1>
-        <a:srgbClr val="000000"/>
-      </a:dk1>
-      <a:lt1>
-        <a:srgbClr val="FFFFFF"/>
-      </a:lt1>
-      <a:dk2>
-        <a:srgbClr val="158158"/>
-      </a:dk2>
-      <a:lt2>
-        <a:srgbClr val="F3F3F3"/>
-      </a:lt2>
-      <a:accent1>
-        <a:srgbClr val="058DC7"/>
-      </a:accent1>
-      <a:accent2>
-        <a:srgbClr val="50B432"/>
-      </a:accent2>
-      <a:accent3>
-        <a:srgbClr val="ED561B"/>
-      </a:accent3>
-      <a:accent4>
-        <a:srgbClr val="EDEF00"/>
-      </a:accent4>
-      <a:accent5>
-        <a:srgbClr val="24CBE5"/>
-      </a:accent5>
-      <a:accent6>
-        <a:srgbClr val="64E572"/>
-      </a:accent6>
-      <a:hlink>
-        <a:srgbClr val="2200CC"/>
-      </a:hlink>
-      <a:folHlink>
-        <a:srgbClr val="551A8B"/>
-      </a:folHlink>
-    </a:clrScheme>
-    <a:fontScheme name="Office">
-      <a:majorFont>
-        <a:latin typeface="Arial"/>
-        <a:ea typeface=""/>
-        <a:cs typeface=""/>
-        <a:font script="Jpan" typeface="ＭＳ Ｐゴシック"/>
-        <a:font script="Hang" typeface="맑은 고딕"/>
-        <a:font script="Hans" typeface="宋体"/>
-        <a:font script="Hant" typeface="新細明體"/>
-        <a:font script="Arab" typeface="Times New Roman"/>
-        <a:font script="Hebr" typeface="Times New Roman"/>
-        <a:font script="Thai" typeface="Angsana New"/>
-        <a:font script="Ethi" typeface="Nyala"/>
-        <a:font script="Beng" typeface="Vrinda"/>
-        <a:font script="Gujr" typeface="Shruti"/>
-        <a:font script="Khmr" typeface="MoolBoran"/>
-        <a:font script="Knda" typeface="Tunga"/>
-        <a:font script="Guru" typeface="Raavi"/>
-        <a:font script="Cans" typeface="Euphemia"/>
-        <a:font script="Cher" typeface="Plantagenet Cherokee"/>
-        <a:font script="Yiii" typeface="Microsoft Yi Baiti"/>
-        <a:font script="Tibt" typeface="Microsoft Himalaya"/>
-        <a:font script="Thaa" typeface="MV Boli"/>
-        <a:font script="Deva" typeface="Mangal"/>
-        <a:font script="Telu" typeface="Gautami"/>
-        <a:font script="Taml" typeface="Latha"/>
-        <a:font script="Syrc" typeface="Estrangelo Edessa"/>
-        <a:font script="Orya" typeface="Kalinga"/>
-        <a:font script="Mlym" typeface="Kartika"/>
-        <a:font script="Laoo" typeface="DokChampa"/>
-        <a:font script="Sinh" typeface="Iskoola Pota"/>
-        <a:font script="Mong" typeface="Mongolian Baiti"/>
-        <a:font script="Viet" typeface="Times New Roman"/>
-        <a:font script="Uigh" typeface="Microsoft Uighur"/>
-        <a:font script="Geor" typeface="Sylfaen"/>
-      </a:majorFont>
-      <a:minorFont>
-        <a:latin typeface="Arial"/>
-        <a:ea typeface=""/>
-        <a:cs typeface=""/>
-        <a:font script="Jpan" typeface="ＭＳ Ｐゴシック"/>
-        <a:font script="Hang" typeface="맑은 고딕"/>
-        <a:font script="Hans" typeface="宋体"/>
-        <a:font script="Hant" typeface="新細明體"/>
-        <a:font script="Arab" typeface="Arial"/>
-        <a:font script="Hebr" typeface="Arial"/>
-        <a:font script="Thai" typeface="Cordia New"/>
-        <a:font script="Ethi" typeface="Nyala"/>
-        <a:font script="Beng" typeface="Vrinda"/>
-        <a:font script="Gujr" typeface="Shruti"/>
-        <a:font script="Khmr" typeface="DaunPenh"/>
-        <a:font script="Knda" typeface="Tunga"/>
-        <a:font script="Guru" typeface="Raavi"/>
-        <a:font script="Cans" typeface="Euphemia"/>
-        <a:font script="Cher" typeface="Plantagenet Cherokee"/>
-        <a:font script="Yiii" typeface="Microsoft Yi Baiti"/>
-        <a:font script="Tibt" typeface="Microsoft Himalaya"/>
-        <a:font script="Thaa" typeface="MV Boli"/>
-        <a:font script="Deva" typeface="Mangal"/>
-        <a:font script="Telu" typeface="Gautami"/>
-        <a:font script="Taml" typeface="Latha"/>
-        <a:font script="Syrc" typeface="Estrangelo Edessa"/>
-        <a:font script="Orya" typeface="Kalinga"/>
-        <a:font script="Mlym" typeface="Kartika"/>
-        <a:font script="Laoo" typeface="DokChampa"/>
-        <a:font script="Sinh" typeface="Iskoola Pota"/>
-        <a:font script="Mong" typeface="Mongolian Baiti"/>
-        <a:font script="Viet" typeface="Arial"/>
-        <a:font script="Uigh" typeface="Microsoft Uighur"/>
-        <a:font script="Geor" typeface="Sylfaen"/>
-      </a:minorFont>
-    </a:fontScheme>
-    <a:fmtScheme name="Office">
-      <a:fillStyleLst>
-        <a:solidFill>
-          <a:schemeClr val="phClr"/>
-        </a:solidFill>
-        <a:gradFill rotWithShape="1">
-          <a:gsLst>
-            <a:gs pos="0">
-              <a:schemeClr val="phClr">
-                <a:tint val="50000"/>
-                <a:satMod val="300000"/>
-              </a:schemeClr>
-            </a:gs>
-            <a:gs pos="35000">
-              <a:schemeClr val="phClr">
-                <a:tint val="37000"/>
-                <a:satMod val="300000"/>
-              </a:schemeClr>
-            </a:gs>
-            <a:gs pos="100000">
-              <a:schemeClr val="phClr">
-                <a:tint val="15000"/>
-                <a:satMod val="350000"/>
-              </a:schemeClr>
-            </a:gs>
-          </a:gsLst>
-          <a:lin ang="16200000" scaled="1"/>
-        </a:gradFill>
-        <a:gradFill rotWithShape="1">
-          <a:gsLst>
-            <a:gs pos="0">
-              <a:schemeClr val="phClr">
-                <a:tint val="100000"/>
-                <a:shade val="100000"/>
-                <a:satMod val="130000"/>
-              </a:schemeClr>
-            </a:gs>
-            <a:gs pos="100000">
-              <a:schemeClr val="phClr">
-                <a:tint val="50000"/>
-                <a:shade val="100000"/>
-                <a:satMod val="350000"/>
-              </a:schemeClr>
-            </a:gs>
-          </a:gsLst>
-          <a:lin ang="16200000" scaled="0"/>
-        </a:gradFill>
-      </a:fillStyleLst>
-      <a:lnStyleLst>
-        <a:ln w="9525" cap="flat" cmpd="sng" algn="ctr">
-          <a:solidFill>
-            <a:schemeClr val="phClr">
-              <a:shade val="95000"/>
-              <a:satMod val="105000"/>
-            </a:schemeClr>
-          </a:solidFill>
-          <a:prstDash val="solid"/>
-        </a:ln>
-        <a:ln w="25400" cap="flat" cmpd="sng" algn="ctr">
-          <a:solidFill>
-            <a:schemeClr val="phClr"/>
-          </a:solidFill>
-          <a:prstDash val="solid"/>
-        </a:ln>
-        <a:ln w="38100" cap="flat" cmpd="sng" algn="ctr">
-          <a:solidFill>
-            <a:schemeClr val="phClr"/>
-          </a:solidFill>
-          <a:prstDash val="solid"/>
-        </a:ln>
-      </a:lnStyleLst>
-      <a:effectStyleLst>
-        <a:effectStyle>
-          <a:effectLst>
-            <a:outerShdw blurRad="40000" dist="20000" dir="5400000" rotWithShape="0">
-              <a:srgbClr val="000000">
-                <a:alpha val="38000"/>
-              </a:srgbClr>
-            </a:outerShdw>
-          </a:effectLst>
-        </a:effectStyle>
-        <a:effectStyle>
-          <a:effectLst>
-            <a:outerShdw blurRad="40000" dist="23000" dir="5400000" rotWithShape="0">
-              <a:srgbClr val="000000">
-                <a:alpha val="35000"/>
-              </a:srgbClr>
-            </a:outerShdw>
-          </a:effectLst>
-        </a:effectStyle>
-        <a:effectStyle>
-          <a:effectLst>
-            <a:outerShdw blurRad="40000" dist="23000" dir="5400000" rotWithShape="0">
-              <a:srgbClr val="000000">
-                <a:alpha val="35000"/>
-              </a:srgbClr>
-            </a:outerShdw>
-          </a:effectLst>
-          <a:scene3d>
-            <a:camera prst="orthographicFront">
-              <a:rot lat="0" lon="0" rev="0"/>
-            </a:camera>
-            <a:lightRig rig="threePt" dir="t">
-              <a:rot lat="0" lon="0" rev="1200000"/>
-            </a:lightRig>
-          </a:scene3d>
-          <a:sp3d>
-            <a:bevelT w="63500" h="25400"/>
-          </a:sp3d>
-        </a:effectStyle>
-      </a:effectStyleLst>
-      <a:bgFillStyleLst>
-        <a:solidFill>
-          <a:schemeClr val="phClr"/>
-        </a:solidFill>
-        <a:gradFill rotWithShape="1">
-          <a:gsLst>
-            <a:gs pos="0">
-              <a:schemeClr val="phClr">
-                <a:tint val="40000"/>
-                <a:satMod val="350000"/>
-              </a:schemeClr>
-            </a:gs>
-            <a:gs pos="40000">
-              <a:schemeClr val="phClr">
-                <a:tint val="45000"/>
-                <a:shade val="99000"/>
-                <a:satMod val="350000"/>
-              </a:schemeClr>
-            </a:gs>
-            <a:gs pos="100000">
-              <a:schemeClr val="phClr">
-                <a:shade val="20000"/>
-                <a:satMod val="255000"/>
-              </a:schemeClr>
-            </a:gs>
-          </a:gsLst>
-          <a:path path="circle">
-            <a:fillToRect l="50000" t="-80000" r="50000" b="180000"/>
-          </a:path>
-        </a:gradFill>
-        <a:gradFill rotWithShape="1">
-          <a:gsLst>
-            <a:gs pos="0">
-              <a:schemeClr val="phClr">
-                <a:tint val="80000"/>
-                <a:satMod val="300000"/>
-              </a:schemeClr>
-            </a:gs>
-            <a:gs pos="100000">
-              <a:schemeClr val="phClr">
-                <a:shade val="30000"/>
-                <a:satMod val="200000"/>
-              </a:schemeClr>
-            </a:gs>
-          </a:gsLst>
-          <a:path path="circle">
-            <a:fillToRect l="50000" t="50000" r="50000" b="50000"/>
-          </a:path>
-        </a:gradFill>
-      </a:bgFillStyleLst>
-    </a:fmtScheme>
-  </a:themeElements>
-</a:theme>
 </file>